--- a/images/server_images.pptx
+++ b/images/server_images.pptx
@@ -6,7 +6,8 @@
   </p:sldMasterIdLst>
   <p:sldIdLst>
     <p:sldId id="256" r:id="rId2"/>
-    <p:sldId id="258" r:id="rId3"/>
+    <p:sldId id="259" r:id="rId3"/>
+    <p:sldId id="258" r:id="rId4"/>
   </p:sldIdLst>
   <p:sldSz cx="12192000" cy="6858000"/>
   <p:notesSz cx="6858000" cy="9144000"/>
@@ -105,6 +106,11 @@
       </a:defRPr>
     </a:lvl9pPr>
   </p:defaultTextStyle>
+  <p:extLst>
+    <p:ext uri="{EFAFB233-063F-42B5-8137-9DF3F51BA10A}">
+      <p15:sldGuideLst xmlns:p15="http://schemas.microsoft.com/office/powerpoint/2012/main"/>
+    </p:ext>
+  </p:extLst>
 </p:presentation>
 </file>
 
@@ -239,7 +245,7 @@
           <a:p>
             <a:fld id="{3462AE1C-31DF-4A14-B175-C67AABA0B267}" type="datetimeFigureOut">
               <a:rPr lang="fr-FR" smtClean="0"/>
-              <a:t>09/12/2020</a:t>
+              <a:t>10/12/2020</a:t>
             </a:fld>
             <a:endParaRPr lang="fr-FR"/>
           </a:p>
@@ -409,7 +415,7 @@
           <a:p>
             <a:fld id="{3462AE1C-31DF-4A14-B175-C67AABA0B267}" type="datetimeFigureOut">
               <a:rPr lang="fr-FR" smtClean="0"/>
-              <a:t>09/12/2020</a:t>
+              <a:t>10/12/2020</a:t>
             </a:fld>
             <a:endParaRPr lang="fr-FR"/>
           </a:p>
@@ -589,7 +595,7 @@
           <a:p>
             <a:fld id="{3462AE1C-31DF-4A14-B175-C67AABA0B267}" type="datetimeFigureOut">
               <a:rPr lang="fr-FR" smtClean="0"/>
-              <a:t>09/12/2020</a:t>
+              <a:t>10/12/2020</a:t>
             </a:fld>
             <a:endParaRPr lang="fr-FR"/>
           </a:p>
@@ -759,7 +765,7 @@
           <a:p>
             <a:fld id="{3462AE1C-31DF-4A14-B175-C67AABA0B267}" type="datetimeFigureOut">
               <a:rPr lang="fr-FR" smtClean="0"/>
-              <a:t>09/12/2020</a:t>
+              <a:t>10/12/2020</a:t>
             </a:fld>
             <a:endParaRPr lang="fr-FR"/>
           </a:p>
@@ -1005,7 +1011,7 @@
           <a:p>
             <a:fld id="{3462AE1C-31DF-4A14-B175-C67AABA0B267}" type="datetimeFigureOut">
               <a:rPr lang="fr-FR" smtClean="0"/>
-              <a:t>09/12/2020</a:t>
+              <a:t>10/12/2020</a:t>
             </a:fld>
             <a:endParaRPr lang="fr-FR"/>
           </a:p>
@@ -1237,7 +1243,7 @@
           <a:p>
             <a:fld id="{3462AE1C-31DF-4A14-B175-C67AABA0B267}" type="datetimeFigureOut">
               <a:rPr lang="fr-FR" smtClean="0"/>
-              <a:t>09/12/2020</a:t>
+              <a:t>10/12/2020</a:t>
             </a:fld>
             <a:endParaRPr lang="fr-FR"/>
           </a:p>
@@ -1604,7 +1610,7 @@
           <a:p>
             <a:fld id="{3462AE1C-31DF-4A14-B175-C67AABA0B267}" type="datetimeFigureOut">
               <a:rPr lang="fr-FR" smtClean="0"/>
-              <a:t>09/12/2020</a:t>
+              <a:t>10/12/2020</a:t>
             </a:fld>
             <a:endParaRPr lang="fr-FR"/>
           </a:p>
@@ -1722,7 +1728,7 @@
           <a:p>
             <a:fld id="{3462AE1C-31DF-4A14-B175-C67AABA0B267}" type="datetimeFigureOut">
               <a:rPr lang="fr-FR" smtClean="0"/>
-              <a:t>09/12/2020</a:t>
+              <a:t>10/12/2020</a:t>
             </a:fld>
             <a:endParaRPr lang="fr-FR"/>
           </a:p>
@@ -1817,7 +1823,7 @@
           <a:p>
             <a:fld id="{3462AE1C-31DF-4A14-B175-C67AABA0B267}" type="datetimeFigureOut">
               <a:rPr lang="fr-FR" smtClean="0"/>
-              <a:t>09/12/2020</a:t>
+              <a:t>10/12/2020</a:t>
             </a:fld>
             <a:endParaRPr lang="fr-FR"/>
           </a:p>
@@ -2094,7 +2100,7 @@
           <a:p>
             <a:fld id="{3462AE1C-31DF-4A14-B175-C67AABA0B267}" type="datetimeFigureOut">
               <a:rPr lang="fr-FR" smtClean="0"/>
-              <a:t>09/12/2020</a:t>
+              <a:t>10/12/2020</a:t>
             </a:fld>
             <a:endParaRPr lang="fr-FR"/>
           </a:p>
@@ -2347,7 +2353,7 @@
           <a:p>
             <a:fld id="{3462AE1C-31DF-4A14-B175-C67AABA0B267}" type="datetimeFigureOut">
               <a:rPr lang="fr-FR" smtClean="0"/>
-              <a:t>09/12/2020</a:t>
+              <a:t>10/12/2020</a:t>
             </a:fld>
             <a:endParaRPr lang="fr-FR"/>
           </a:p>
@@ -2560,7 +2566,7 @@
           <a:p>
             <a:fld id="{3462AE1C-31DF-4A14-B175-C67AABA0B267}" type="datetimeFigureOut">
               <a:rPr lang="fr-FR" smtClean="0"/>
-              <a:t>09/12/2020</a:t>
+              <a:t>10/12/2020</a:t>
             </a:fld>
             <a:endParaRPr lang="fr-FR"/>
           </a:p>
@@ -4422,6 +4428,1573 @@
           <a:chExt cx="0" cy="0"/>
         </a:xfrm>
       </p:grpSpPr>
+      <p:pic>
+        <p:nvPicPr>
+          <p:cNvPr id="86" name="Picture 85"/>
+          <p:cNvPicPr>
+            <a:picLocks noChangeAspect="1"/>
+          </p:cNvPicPr>
+          <p:nvPr/>
+        </p:nvPicPr>
+        <p:blipFill rotWithShape="1">
+          <a:blip r:embed="rId2" cstate="print">
+            <a:extLst>
+              <a:ext uri="{28A0092B-C50C-407E-A947-70E740481C1C}">
+                <a14:useLocalDpi xmlns:a14="http://schemas.microsoft.com/office/drawing/2010/main" val="0"/>
+              </a:ext>
+            </a:extLst>
+          </a:blip>
+          <a:srcRect l="23562" t="36829" r="23714" b="36613"/>
+          <a:stretch/>
+        </p:blipFill>
+        <p:spPr>
+          <a:xfrm>
+            <a:off x="1973799" y="6058532"/>
+            <a:ext cx="1907177" cy="504355"/>
+          </a:xfrm>
+          <a:prstGeom prst="rect">
+            <a:avLst/>
+          </a:prstGeom>
+        </p:spPr>
+      </p:pic>
+      <p:cxnSp>
+        <p:nvCxnSpPr>
+          <p:cNvPr id="33" name="Elbow Connector 32"/>
+          <p:cNvCxnSpPr/>
+          <p:nvPr/>
+        </p:nvCxnSpPr>
+        <p:spPr>
+          <a:xfrm rot="10800000" flipH="1" flipV="1">
+            <a:off x="3416544" y="5318009"/>
+            <a:ext cx="252000" cy="243267"/>
+          </a:xfrm>
+          <a:prstGeom prst="bentConnector3">
+            <a:avLst>
+              <a:gd name="adj1" fmla="val 99139"/>
+            </a:avLst>
+          </a:prstGeom>
+          <a:ln w="19050">
+            <a:solidFill>
+              <a:schemeClr val="bg1">
+                <a:lumMod val="65000"/>
+              </a:schemeClr>
+            </a:solidFill>
+            <a:prstDash val="sysDash"/>
+          </a:ln>
+        </p:spPr>
+        <p:style>
+          <a:lnRef idx="1">
+            <a:schemeClr val="accent1"/>
+          </a:lnRef>
+          <a:fillRef idx="0">
+            <a:schemeClr val="accent1"/>
+          </a:fillRef>
+          <a:effectRef idx="0">
+            <a:schemeClr val="accent1"/>
+          </a:effectRef>
+          <a:fontRef idx="minor">
+            <a:schemeClr val="tx1"/>
+          </a:fontRef>
+        </p:style>
+      </p:cxnSp>
+      <p:cxnSp>
+        <p:nvCxnSpPr>
+          <p:cNvPr id="73" name="Straight Connector 72"/>
+          <p:cNvCxnSpPr/>
+          <p:nvPr/>
+        </p:nvCxnSpPr>
+        <p:spPr>
+          <a:xfrm flipV="1">
+            <a:off x="606693" y="2465164"/>
+            <a:ext cx="648000" cy="0"/>
+          </a:xfrm>
+          <a:prstGeom prst="line">
+            <a:avLst/>
+          </a:prstGeom>
+          <a:ln w="57150" cmpd="dbl">
+            <a:solidFill>
+              <a:schemeClr val="bg1">
+                <a:lumMod val="65000"/>
+              </a:schemeClr>
+            </a:solidFill>
+            <a:prstDash val="sysDot"/>
+          </a:ln>
+        </p:spPr>
+        <p:style>
+          <a:lnRef idx="1">
+            <a:schemeClr val="accent1"/>
+          </a:lnRef>
+          <a:fillRef idx="0">
+            <a:schemeClr val="accent1"/>
+          </a:fillRef>
+          <a:effectRef idx="0">
+            <a:schemeClr val="accent1"/>
+          </a:effectRef>
+          <a:fontRef idx="minor">
+            <a:schemeClr val="tx1"/>
+          </a:fontRef>
+        </p:style>
+      </p:cxnSp>
+      <p:cxnSp>
+        <p:nvCxnSpPr>
+          <p:cNvPr id="55" name="Straight Connector 54"/>
+          <p:cNvCxnSpPr/>
+          <p:nvPr/>
+        </p:nvCxnSpPr>
+        <p:spPr>
+          <a:xfrm flipV="1">
+            <a:off x="3409036" y="2074698"/>
+            <a:ext cx="252000" cy="1"/>
+          </a:xfrm>
+          <a:prstGeom prst="line">
+            <a:avLst/>
+          </a:prstGeom>
+          <a:ln w="19050">
+            <a:solidFill>
+              <a:schemeClr val="bg1">
+                <a:lumMod val="65000"/>
+              </a:schemeClr>
+            </a:solidFill>
+            <a:prstDash val="sysDash"/>
+          </a:ln>
+        </p:spPr>
+        <p:style>
+          <a:lnRef idx="1">
+            <a:schemeClr val="accent1"/>
+          </a:lnRef>
+          <a:fillRef idx="0">
+            <a:schemeClr val="accent1"/>
+          </a:fillRef>
+          <a:effectRef idx="0">
+            <a:schemeClr val="accent1"/>
+          </a:effectRef>
+          <a:fontRef idx="minor">
+            <a:schemeClr val="tx1"/>
+          </a:fontRef>
+        </p:style>
+      </p:cxnSp>
+      <p:cxnSp>
+        <p:nvCxnSpPr>
+          <p:cNvPr id="4" name="Straight Connector 3"/>
+          <p:cNvCxnSpPr>
+            <a:endCxn id="2" idx="2"/>
+          </p:cNvCxnSpPr>
+          <p:nvPr/>
+        </p:nvCxnSpPr>
+        <p:spPr>
+          <a:xfrm flipV="1">
+            <a:off x="2211977" y="2465164"/>
+            <a:ext cx="402439" cy="1"/>
+          </a:xfrm>
+          <a:prstGeom prst="line">
+            <a:avLst/>
+          </a:prstGeom>
+          <a:ln w="19050">
+            <a:solidFill>
+              <a:schemeClr val="bg1">
+                <a:lumMod val="65000"/>
+              </a:schemeClr>
+            </a:solidFill>
+            <a:prstDash val="sysDash"/>
+          </a:ln>
+        </p:spPr>
+        <p:style>
+          <a:lnRef idx="1">
+            <a:schemeClr val="accent1"/>
+          </a:lnRef>
+          <a:fillRef idx="0">
+            <a:schemeClr val="accent1"/>
+          </a:fillRef>
+          <a:effectRef idx="0">
+            <a:schemeClr val="accent1"/>
+          </a:effectRef>
+          <a:fontRef idx="minor">
+            <a:schemeClr val="tx1"/>
+          </a:fontRef>
+        </p:style>
+      </p:cxnSp>
+      <p:pic>
+        <p:nvPicPr>
+          <p:cNvPr id="6" name="Picture 5"/>
+          <p:cNvPicPr>
+            <a:picLocks noChangeAspect="1"/>
+          </p:cNvPicPr>
+          <p:nvPr/>
+        </p:nvPicPr>
+        <p:blipFill>
+          <a:blip r:embed="rId3" cstate="print">
+            <a:extLst>
+              <a:ext uri="{28A0092B-C50C-407E-A947-70E740481C1C}">
+                <a14:useLocalDpi xmlns:a14="http://schemas.microsoft.com/office/drawing/2010/main" val="0"/>
+              </a:ext>
+            </a:extLst>
+          </a:blip>
+          <a:stretch>
+            <a:fillRect/>
+          </a:stretch>
+        </p:blipFill>
+        <p:spPr>
+          <a:xfrm>
+            <a:off x="1050566" y="1548489"/>
+            <a:ext cx="1254035" cy="1254035"/>
+          </a:xfrm>
+          <a:prstGeom prst="rect">
+            <a:avLst/>
+          </a:prstGeom>
+        </p:spPr>
+      </p:pic>
+      <p:grpSp>
+        <p:nvGrpSpPr>
+          <p:cNvPr id="113" name="Group 112"/>
+          <p:cNvGrpSpPr/>
+          <p:nvPr/>
+        </p:nvGrpSpPr>
+        <p:grpSpPr>
+          <a:xfrm>
+            <a:off x="2601707" y="1530654"/>
+            <a:ext cx="896971" cy="839407"/>
+            <a:chOff x="1072365" y="2534788"/>
+            <a:chExt cx="896971" cy="839407"/>
+          </a:xfrm>
+        </p:grpSpPr>
+        <p:pic>
+          <p:nvPicPr>
+            <p:cNvPr id="112" name="Picture 111"/>
+            <p:cNvPicPr>
+              <a:picLocks noChangeAspect="1"/>
+            </p:cNvPicPr>
+            <p:nvPr/>
+          </p:nvPicPr>
+          <p:blipFill>
+            <a:blip r:embed="rId4" cstate="print">
+              <a:extLst>
+                <a:ext uri="{28A0092B-C50C-407E-A947-70E740481C1C}">
+                  <a14:useLocalDpi xmlns:a14="http://schemas.microsoft.com/office/drawing/2010/main" val="0"/>
+                </a:ext>
+              </a:extLst>
+            </a:blip>
+            <a:stretch>
+              <a:fillRect/>
+            </a:stretch>
+          </p:blipFill>
+          <p:spPr>
+            <a:xfrm>
+              <a:off x="1072365" y="2534788"/>
+              <a:ext cx="570404" cy="570404"/>
+            </a:xfrm>
+            <a:prstGeom prst="rect">
+              <a:avLst/>
+            </a:prstGeom>
+          </p:spPr>
+        </p:pic>
+        <p:pic>
+          <p:nvPicPr>
+            <p:cNvPr id="111" name="Picture 110"/>
+            <p:cNvPicPr>
+              <a:picLocks noChangeAspect="1"/>
+            </p:cNvPicPr>
+            <p:nvPr/>
+          </p:nvPicPr>
+          <p:blipFill>
+            <a:blip r:embed="rId5" cstate="print">
+              <a:extLst>
+                <a:ext uri="{28A0092B-C50C-407E-A947-70E740481C1C}">
+                  <a14:useLocalDpi xmlns:a14="http://schemas.microsoft.com/office/drawing/2010/main" val="0"/>
+                </a:ext>
+              </a:extLst>
+            </a:blip>
+            <a:stretch>
+              <a:fillRect/>
+            </a:stretch>
+          </p:blipFill>
+          <p:spPr>
+            <a:xfrm>
+              <a:off x="1378613" y="2783472"/>
+              <a:ext cx="590723" cy="590723"/>
+            </a:xfrm>
+            <a:prstGeom prst="rect">
+              <a:avLst/>
+            </a:prstGeom>
+          </p:spPr>
+        </p:pic>
+      </p:grpSp>
+      <p:sp>
+        <p:nvSpPr>
+          <p:cNvPr id="2" name="Right Bracket 1"/>
+          <p:cNvSpPr/>
+          <p:nvPr/>
+        </p:nvSpPr>
+        <p:spPr>
+          <a:xfrm rot="10800000">
+            <a:off x="2614416" y="2129899"/>
+            <a:ext cx="313521" cy="670531"/>
+          </a:xfrm>
+          <a:prstGeom prst="rightBracket">
+            <a:avLst/>
+          </a:prstGeom>
+          <a:ln w="19050">
+            <a:solidFill>
+              <a:schemeClr val="bg1">
+                <a:lumMod val="65000"/>
+              </a:schemeClr>
+            </a:solidFill>
+            <a:prstDash val="sysDash"/>
+          </a:ln>
+        </p:spPr>
+        <p:style>
+          <a:lnRef idx="1">
+            <a:schemeClr val="accent1"/>
+          </a:lnRef>
+          <a:fillRef idx="0">
+            <a:schemeClr val="accent1"/>
+          </a:fillRef>
+          <a:effectRef idx="0">
+            <a:schemeClr val="accent1"/>
+          </a:effectRef>
+          <a:fontRef idx="minor">
+            <a:schemeClr val="tx1"/>
+          </a:fontRef>
+        </p:style>
+        <p:txBody>
+          <a:bodyPr rtlCol="0" anchor="ctr"/>
+          <a:lstStyle/>
+          <a:p>
+            <a:pPr algn="ctr"/>
+            <a:endParaRPr lang="fr-FR"/>
+          </a:p>
+        </p:txBody>
+      </p:sp>
+      <p:pic>
+        <p:nvPicPr>
+          <p:cNvPr id="5" name="Picture 4"/>
+          <p:cNvPicPr>
+            <a:picLocks noChangeAspect="1"/>
+          </p:cNvPicPr>
+          <p:nvPr/>
+        </p:nvPicPr>
+        <p:blipFill rotWithShape="1">
+          <a:blip r:embed="rId2" cstate="print">
+            <a:extLst>
+              <a:ext uri="{28A0092B-C50C-407E-A947-70E740481C1C}">
+                <a14:useLocalDpi xmlns:a14="http://schemas.microsoft.com/office/drawing/2010/main" val="0"/>
+              </a:ext>
+            </a:extLst>
+          </a:blip>
+          <a:srcRect l="23562" t="36829" r="23714" b="36613"/>
+          <a:stretch/>
+        </p:blipFill>
+        <p:spPr>
+          <a:xfrm>
+            <a:off x="2211977" y="2631709"/>
+            <a:ext cx="1907177" cy="504355"/>
+          </a:xfrm>
+          <a:prstGeom prst="rect">
+            <a:avLst/>
+          </a:prstGeom>
+        </p:spPr>
+      </p:pic>
+      <p:grpSp>
+        <p:nvGrpSpPr>
+          <p:cNvPr id="13" name="Group 12"/>
+          <p:cNvGrpSpPr/>
+          <p:nvPr/>
+        </p:nvGrpSpPr>
+        <p:grpSpPr>
+          <a:xfrm>
+            <a:off x="3892338" y="877956"/>
+            <a:ext cx="1371970" cy="1371970"/>
+            <a:chOff x="9773920" y="3078834"/>
+            <a:chExt cx="1371970" cy="1371970"/>
+          </a:xfrm>
+        </p:grpSpPr>
+        <p:pic>
+          <p:nvPicPr>
+            <p:cNvPr id="9" name="Picture 8"/>
+            <p:cNvPicPr>
+              <a:picLocks noChangeAspect="1"/>
+            </p:cNvPicPr>
+            <p:nvPr/>
+          </p:nvPicPr>
+          <p:blipFill>
+            <a:blip r:embed="rId6" cstate="print">
+              <a:extLst>
+                <a:ext uri="{28A0092B-C50C-407E-A947-70E740481C1C}">
+                  <a14:useLocalDpi xmlns:a14="http://schemas.microsoft.com/office/drawing/2010/main" val="0"/>
+                </a:ext>
+              </a:extLst>
+            </a:blip>
+            <a:stretch>
+              <a:fillRect/>
+            </a:stretch>
+          </p:blipFill>
+          <p:spPr>
+            <a:xfrm>
+              <a:off x="9773920" y="3078834"/>
+              <a:ext cx="1371970" cy="1371970"/>
+            </a:xfrm>
+            <a:prstGeom prst="rect">
+              <a:avLst/>
+            </a:prstGeom>
+          </p:spPr>
+        </p:pic>
+        <p:pic>
+          <p:nvPicPr>
+            <p:cNvPr id="110" name="Picture 109"/>
+            <p:cNvPicPr>
+              <a:picLocks noChangeAspect="1"/>
+            </p:cNvPicPr>
+            <p:nvPr/>
+          </p:nvPicPr>
+          <p:blipFill>
+            <a:blip r:embed="rId7" cstate="print">
+              <a:extLst>
+                <a:ext uri="{28A0092B-C50C-407E-A947-70E740481C1C}">
+                  <a14:useLocalDpi xmlns:a14="http://schemas.microsoft.com/office/drawing/2010/main" val="0"/>
+                </a:ext>
+              </a:extLst>
+            </a:blip>
+            <a:stretch>
+              <a:fillRect/>
+            </a:stretch>
+          </p:blipFill>
+          <p:spPr>
+            <a:xfrm>
+              <a:off x="9890515" y="3481335"/>
+              <a:ext cx="684329" cy="334145"/>
+            </a:xfrm>
+            <a:prstGeom prst="roundRect">
+              <a:avLst>
+                <a:gd name="adj" fmla="val 8594"/>
+              </a:avLst>
+            </a:prstGeom>
+            <a:solidFill>
+              <a:srgbClr val="FFFFFF">
+                <a:shade val="85000"/>
+              </a:srgbClr>
+            </a:solidFill>
+            <a:ln>
+              <a:noFill/>
+            </a:ln>
+            <a:effectLst>
+              <a:reflection blurRad="12700" stA="38000" endPos="28000" dist="5000" dir="5400000" sy="-100000" algn="bl" rotWithShape="0"/>
+            </a:effectLst>
+          </p:spPr>
+        </p:pic>
+        <p:pic>
+          <p:nvPicPr>
+            <p:cNvPr id="114" name="Picture 113"/>
+            <p:cNvPicPr>
+              <a:picLocks noChangeAspect="1"/>
+            </p:cNvPicPr>
+            <p:nvPr/>
+          </p:nvPicPr>
+          <p:blipFill>
+            <a:blip r:embed="rId8" cstate="print">
+              <a:extLst>
+                <a:ext uri="{28A0092B-C50C-407E-A947-70E740481C1C}">
+                  <a14:useLocalDpi xmlns:a14="http://schemas.microsoft.com/office/drawing/2010/main" val="0"/>
+                </a:ext>
+              </a:extLst>
+            </a:blip>
+            <a:stretch>
+              <a:fillRect/>
+            </a:stretch>
+          </p:blipFill>
+          <p:spPr>
+            <a:xfrm>
+              <a:off x="10610342" y="3409428"/>
+              <a:ext cx="151829" cy="151829"/>
+            </a:xfrm>
+            <a:prstGeom prst="rect">
+              <a:avLst/>
+            </a:prstGeom>
+          </p:spPr>
+        </p:pic>
+        <p:sp>
+          <p:nvSpPr>
+            <p:cNvPr id="12" name="Rectangle 11"/>
+            <p:cNvSpPr/>
+            <p:nvPr/>
+          </p:nvSpPr>
+          <p:spPr>
+            <a:xfrm>
+              <a:off x="9773920" y="3213463"/>
+              <a:ext cx="1371970" cy="1071154"/>
+            </a:xfrm>
+            <a:prstGeom prst="rect">
+              <a:avLst/>
+            </a:prstGeom>
+            <a:solidFill>
+              <a:srgbClr val="FFFFFF">
+                <a:alpha val="38824"/>
+              </a:srgbClr>
+            </a:solidFill>
+            <a:ln>
+              <a:noFill/>
+            </a:ln>
+          </p:spPr>
+          <p:style>
+            <a:lnRef idx="2">
+              <a:schemeClr val="accent1">
+                <a:shade val="50000"/>
+              </a:schemeClr>
+            </a:lnRef>
+            <a:fillRef idx="1">
+              <a:schemeClr val="accent1"/>
+            </a:fillRef>
+            <a:effectRef idx="0">
+              <a:schemeClr val="accent1"/>
+            </a:effectRef>
+            <a:fontRef idx="minor">
+              <a:schemeClr val="lt1"/>
+            </a:fontRef>
+          </p:style>
+          <p:txBody>
+            <a:bodyPr rtlCol="0" anchor="ctr"/>
+            <a:lstStyle/>
+            <a:p>
+              <a:pPr algn="ctr"/>
+              <a:endParaRPr lang="fr-FR"/>
+            </a:p>
+          </p:txBody>
+        </p:sp>
+      </p:grpSp>
+      <p:sp>
+        <p:nvSpPr>
+          <p:cNvPr id="51" name="Right Bracket 50"/>
+          <p:cNvSpPr/>
+          <p:nvPr/>
+        </p:nvSpPr>
+        <p:spPr>
+          <a:xfrm rot="10800000">
+            <a:off x="3648165" y="1762559"/>
+            <a:ext cx="313521" cy="670531"/>
+          </a:xfrm>
+          <a:prstGeom prst="rightBracket">
+            <a:avLst/>
+          </a:prstGeom>
+          <a:ln w="19050">
+            <a:solidFill>
+              <a:schemeClr val="bg1">
+                <a:lumMod val="65000"/>
+              </a:schemeClr>
+            </a:solidFill>
+            <a:prstDash val="sysDash"/>
+          </a:ln>
+        </p:spPr>
+        <p:style>
+          <a:lnRef idx="1">
+            <a:schemeClr val="accent1"/>
+          </a:lnRef>
+          <a:fillRef idx="0">
+            <a:schemeClr val="accent1"/>
+          </a:fillRef>
+          <a:effectRef idx="0">
+            <a:schemeClr val="accent1"/>
+          </a:effectRef>
+          <a:fontRef idx="minor">
+            <a:schemeClr val="tx1"/>
+          </a:fontRef>
+        </p:style>
+        <p:txBody>
+          <a:bodyPr rtlCol="0" anchor="ctr"/>
+          <a:lstStyle/>
+          <a:p>
+            <a:pPr algn="ctr"/>
+            <a:endParaRPr lang="fr-FR"/>
+          </a:p>
+        </p:txBody>
+      </p:sp>
+      <p:sp>
+        <p:nvSpPr>
+          <p:cNvPr id="59" name="Rectangle 58"/>
+          <p:cNvSpPr/>
+          <p:nvPr/>
+        </p:nvSpPr>
+        <p:spPr>
+          <a:xfrm>
+            <a:off x="3573750" y="2154821"/>
+            <a:ext cx="637175" cy="339963"/>
+          </a:xfrm>
+          <a:prstGeom prst="rect">
+            <a:avLst/>
+          </a:prstGeom>
+          <a:solidFill>
+            <a:srgbClr val="FFFFFF">
+              <a:alpha val="69804"/>
+            </a:srgbClr>
+          </a:solidFill>
+          <a:ln>
+            <a:noFill/>
+          </a:ln>
+        </p:spPr>
+        <p:style>
+          <a:lnRef idx="2">
+            <a:schemeClr val="accent1">
+              <a:shade val="50000"/>
+            </a:schemeClr>
+          </a:lnRef>
+          <a:fillRef idx="1">
+            <a:schemeClr val="accent1"/>
+          </a:fillRef>
+          <a:effectRef idx="0">
+            <a:schemeClr val="accent1"/>
+          </a:effectRef>
+          <a:fontRef idx="minor">
+            <a:schemeClr val="lt1"/>
+          </a:fontRef>
+        </p:style>
+        <p:txBody>
+          <a:bodyPr rtlCol="0" anchor="ctr"/>
+          <a:lstStyle/>
+          <a:p>
+            <a:pPr algn="ctr"/>
+            <a:endParaRPr lang="fr-FR"/>
+          </a:p>
+        </p:txBody>
+      </p:sp>
+      <p:sp>
+        <p:nvSpPr>
+          <p:cNvPr id="60" name="Rectangle 59"/>
+          <p:cNvSpPr/>
+          <p:nvPr/>
+        </p:nvSpPr>
+        <p:spPr>
+          <a:xfrm>
+            <a:off x="3700127" y="2263109"/>
+            <a:ext cx="637175" cy="339963"/>
+          </a:xfrm>
+          <a:prstGeom prst="rect">
+            <a:avLst/>
+          </a:prstGeom>
+          <a:solidFill>
+            <a:srgbClr val="FFFFFF">
+              <a:alpha val="69804"/>
+            </a:srgbClr>
+          </a:solidFill>
+          <a:ln>
+            <a:noFill/>
+          </a:ln>
+        </p:spPr>
+        <p:style>
+          <a:lnRef idx="2">
+            <a:schemeClr val="accent1">
+              <a:shade val="50000"/>
+            </a:schemeClr>
+          </a:lnRef>
+          <a:fillRef idx="1">
+            <a:schemeClr val="accent1"/>
+          </a:fillRef>
+          <a:effectRef idx="0">
+            <a:schemeClr val="accent1"/>
+          </a:effectRef>
+          <a:fontRef idx="minor">
+            <a:schemeClr val="lt1"/>
+          </a:fontRef>
+        </p:style>
+        <p:txBody>
+          <a:bodyPr rtlCol="0" anchor="ctr"/>
+          <a:lstStyle/>
+          <a:p>
+            <a:pPr algn="ctr"/>
+            <a:endParaRPr lang="fr-FR"/>
+          </a:p>
+        </p:txBody>
+      </p:sp>
+      <p:sp>
+        <p:nvSpPr>
+          <p:cNvPr id="61" name="Rectangle 60"/>
+          <p:cNvSpPr/>
+          <p:nvPr/>
+        </p:nvSpPr>
+        <p:spPr>
+          <a:xfrm>
+            <a:off x="3831401" y="2254059"/>
+            <a:ext cx="637175" cy="339963"/>
+          </a:xfrm>
+          <a:prstGeom prst="rect">
+            <a:avLst/>
+          </a:prstGeom>
+          <a:solidFill>
+            <a:srgbClr val="FFFFFF">
+              <a:alpha val="69804"/>
+            </a:srgbClr>
+          </a:solidFill>
+          <a:ln>
+            <a:noFill/>
+          </a:ln>
+        </p:spPr>
+        <p:style>
+          <a:lnRef idx="2">
+            <a:schemeClr val="accent1">
+              <a:shade val="50000"/>
+            </a:schemeClr>
+          </a:lnRef>
+          <a:fillRef idx="1">
+            <a:schemeClr val="accent1"/>
+          </a:fillRef>
+          <a:effectRef idx="0">
+            <a:schemeClr val="accent1"/>
+          </a:effectRef>
+          <a:fontRef idx="minor">
+            <a:schemeClr val="lt1"/>
+          </a:fontRef>
+        </p:style>
+        <p:txBody>
+          <a:bodyPr rtlCol="0" anchor="ctr"/>
+          <a:lstStyle/>
+          <a:p>
+            <a:pPr algn="ctr"/>
+            <a:endParaRPr lang="fr-FR"/>
+          </a:p>
+        </p:txBody>
+      </p:sp>
+      <p:sp>
+        <p:nvSpPr>
+          <p:cNvPr id="14" name="TextBox 13"/>
+          <p:cNvSpPr txBox="1"/>
+          <p:nvPr/>
+        </p:nvSpPr>
+        <p:spPr>
+          <a:xfrm>
+            <a:off x="2821667" y="3086862"/>
+            <a:ext cx="846877" cy="230832"/>
+          </a:xfrm>
+          <a:prstGeom prst="rect">
+            <a:avLst/>
+          </a:prstGeom>
+          <a:noFill/>
+        </p:spPr>
+        <p:txBody>
+          <a:bodyPr wrap="square" rtlCol="0">
+            <a:spAutoFit/>
+          </a:bodyPr>
+          <a:lstStyle/>
+          <a:p>
+            <a:r>
+              <a:rPr lang="fr-FR" sz="900" dirty="0" smtClean="0"/>
+              <a:t>192.168.1.XX</a:t>
+            </a:r>
+            <a:endParaRPr lang="fr-FR" sz="900" dirty="0"/>
+          </a:p>
+        </p:txBody>
+      </p:sp>
+      <p:sp>
+        <p:nvSpPr>
+          <p:cNvPr id="62" name="TextBox 61"/>
+          <p:cNvSpPr txBox="1"/>
+          <p:nvPr/>
+        </p:nvSpPr>
+        <p:spPr>
+          <a:xfrm>
+            <a:off x="2826269" y="2263695"/>
+            <a:ext cx="837672" cy="230832"/>
+          </a:xfrm>
+          <a:prstGeom prst="rect">
+            <a:avLst/>
+          </a:prstGeom>
+          <a:noFill/>
+        </p:spPr>
+        <p:txBody>
+          <a:bodyPr wrap="square" rtlCol="0">
+            <a:spAutoFit/>
+          </a:bodyPr>
+          <a:lstStyle/>
+          <a:p>
+            <a:r>
+              <a:rPr lang="fr-FR" sz="900" dirty="0" smtClean="0"/>
+              <a:t>192.168.1.XY</a:t>
+            </a:r>
+            <a:endParaRPr lang="fr-FR" sz="900" dirty="0"/>
+          </a:p>
+        </p:txBody>
+      </p:sp>
+      <p:sp>
+        <p:nvSpPr>
+          <p:cNvPr id="70" name="TextBox 69"/>
+          <p:cNvSpPr txBox="1"/>
+          <p:nvPr/>
+        </p:nvSpPr>
+        <p:spPr>
+          <a:xfrm>
+            <a:off x="4247111" y="2027755"/>
+            <a:ext cx="846877" cy="230832"/>
+          </a:xfrm>
+          <a:prstGeom prst="rect">
+            <a:avLst/>
+          </a:prstGeom>
+          <a:noFill/>
+        </p:spPr>
+        <p:txBody>
+          <a:bodyPr wrap="square" rtlCol="0">
+            <a:spAutoFit/>
+          </a:bodyPr>
+          <a:lstStyle/>
+          <a:p>
+            <a:r>
+              <a:rPr lang="fr-FR" sz="900" dirty="0" smtClean="0"/>
+              <a:t>10.80.1.XX</a:t>
+            </a:r>
+            <a:endParaRPr lang="fr-FR" sz="900" dirty="0"/>
+          </a:p>
+        </p:txBody>
+      </p:sp>
+      <p:cxnSp>
+        <p:nvCxnSpPr>
+          <p:cNvPr id="74" name="Straight Connector 73"/>
+          <p:cNvCxnSpPr/>
+          <p:nvPr/>
+        </p:nvCxnSpPr>
+        <p:spPr>
+          <a:xfrm flipV="1">
+            <a:off x="368515" y="5891987"/>
+            <a:ext cx="648000" cy="0"/>
+          </a:xfrm>
+          <a:prstGeom prst="line">
+            <a:avLst/>
+          </a:prstGeom>
+          <a:ln w="57150" cmpd="dbl">
+            <a:solidFill>
+              <a:schemeClr val="bg1">
+                <a:lumMod val="65000"/>
+              </a:schemeClr>
+            </a:solidFill>
+            <a:prstDash val="sysDot"/>
+          </a:ln>
+        </p:spPr>
+        <p:style>
+          <a:lnRef idx="1">
+            <a:schemeClr val="accent1"/>
+          </a:lnRef>
+          <a:fillRef idx="0">
+            <a:schemeClr val="accent1"/>
+          </a:fillRef>
+          <a:effectRef idx="0">
+            <a:schemeClr val="accent1"/>
+          </a:effectRef>
+          <a:fontRef idx="minor">
+            <a:schemeClr val="tx1"/>
+          </a:fontRef>
+        </p:style>
+      </p:cxnSp>
+      <p:cxnSp>
+        <p:nvCxnSpPr>
+          <p:cNvPr id="76" name="Straight Connector 75"/>
+          <p:cNvCxnSpPr/>
+          <p:nvPr/>
+        </p:nvCxnSpPr>
+        <p:spPr>
+          <a:xfrm flipV="1">
+            <a:off x="2645600" y="5705736"/>
+            <a:ext cx="972000" cy="1"/>
+          </a:xfrm>
+          <a:prstGeom prst="line">
+            <a:avLst/>
+          </a:prstGeom>
+          <a:ln w="19050">
+            <a:solidFill>
+              <a:schemeClr val="bg1">
+                <a:lumMod val="65000"/>
+              </a:schemeClr>
+            </a:solidFill>
+            <a:prstDash val="sysDash"/>
+          </a:ln>
+        </p:spPr>
+        <p:style>
+          <a:lnRef idx="1">
+            <a:schemeClr val="accent1"/>
+          </a:lnRef>
+          <a:fillRef idx="0">
+            <a:schemeClr val="accent1"/>
+          </a:fillRef>
+          <a:effectRef idx="0">
+            <a:schemeClr val="accent1"/>
+          </a:effectRef>
+          <a:fontRef idx="minor">
+            <a:schemeClr val="tx1"/>
+          </a:fontRef>
+        </p:style>
+      </p:cxnSp>
+      <p:cxnSp>
+        <p:nvCxnSpPr>
+          <p:cNvPr id="78" name="Straight Connector 77"/>
+          <p:cNvCxnSpPr/>
+          <p:nvPr/>
+        </p:nvCxnSpPr>
+        <p:spPr>
+          <a:xfrm flipV="1">
+            <a:off x="1973799" y="5831027"/>
+            <a:ext cx="402439" cy="1"/>
+          </a:xfrm>
+          <a:prstGeom prst="line">
+            <a:avLst/>
+          </a:prstGeom>
+          <a:ln w="19050">
+            <a:solidFill>
+              <a:schemeClr val="bg1">
+                <a:lumMod val="65000"/>
+              </a:schemeClr>
+            </a:solidFill>
+            <a:prstDash val="sysDash"/>
+          </a:ln>
+        </p:spPr>
+        <p:style>
+          <a:lnRef idx="1">
+            <a:schemeClr val="accent1"/>
+          </a:lnRef>
+          <a:fillRef idx="0">
+            <a:schemeClr val="accent1"/>
+          </a:fillRef>
+          <a:effectRef idx="0">
+            <a:schemeClr val="accent1"/>
+          </a:effectRef>
+          <a:fontRef idx="minor">
+            <a:schemeClr val="tx1"/>
+          </a:fontRef>
+        </p:style>
+      </p:cxnSp>
+      <p:pic>
+        <p:nvPicPr>
+          <p:cNvPr id="79" name="Picture 78"/>
+          <p:cNvPicPr>
+            <a:picLocks noChangeAspect="1"/>
+          </p:cNvPicPr>
+          <p:nvPr/>
+        </p:nvPicPr>
+        <p:blipFill>
+          <a:blip r:embed="rId3" cstate="print">
+            <a:extLst>
+              <a:ext uri="{28A0092B-C50C-407E-A947-70E740481C1C}">
+                <a14:useLocalDpi xmlns:a14="http://schemas.microsoft.com/office/drawing/2010/main" val="0"/>
+              </a:ext>
+            </a:extLst>
+          </a:blip>
+          <a:stretch>
+            <a:fillRect/>
+          </a:stretch>
+        </p:blipFill>
+        <p:spPr>
+          <a:xfrm>
+            <a:off x="812388" y="4975312"/>
+            <a:ext cx="1254035" cy="1254035"/>
+          </a:xfrm>
+          <a:prstGeom prst="rect">
+            <a:avLst/>
+          </a:prstGeom>
+        </p:spPr>
+      </p:pic>
+      <p:grpSp>
+        <p:nvGrpSpPr>
+          <p:cNvPr id="80" name="Group 79"/>
+          <p:cNvGrpSpPr/>
+          <p:nvPr/>
+        </p:nvGrpSpPr>
+        <p:grpSpPr>
+          <a:xfrm>
+            <a:off x="3469875" y="5126306"/>
+            <a:ext cx="874628" cy="894271"/>
+            <a:chOff x="1378613" y="2479924"/>
+            <a:chExt cx="874628" cy="894271"/>
+          </a:xfrm>
+        </p:grpSpPr>
+        <p:pic>
+          <p:nvPicPr>
+            <p:cNvPr id="81" name="Picture 80"/>
+            <p:cNvPicPr>
+              <a:picLocks noChangeAspect="1"/>
+            </p:cNvPicPr>
+            <p:nvPr/>
+          </p:nvPicPr>
+          <p:blipFill>
+            <a:blip r:embed="rId4" cstate="print">
+              <a:extLst>
+                <a:ext uri="{28A0092B-C50C-407E-A947-70E740481C1C}">
+                  <a14:useLocalDpi xmlns:a14="http://schemas.microsoft.com/office/drawing/2010/main" val="0"/>
+                </a:ext>
+              </a:extLst>
+            </a:blip>
+            <a:stretch>
+              <a:fillRect/>
+            </a:stretch>
+          </p:blipFill>
+          <p:spPr>
+            <a:xfrm>
+              <a:off x="1682837" y="2479924"/>
+              <a:ext cx="570404" cy="570404"/>
+            </a:xfrm>
+            <a:prstGeom prst="rect">
+              <a:avLst/>
+            </a:prstGeom>
+          </p:spPr>
+        </p:pic>
+        <p:pic>
+          <p:nvPicPr>
+            <p:cNvPr id="82" name="Picture 81"/>
+            <p:cNvPicPr>
+              <a:picLocks noChangeAspect="1"/>
+            </p:cNvPicPr>
+            <p:nvPr/>
+          </p:nvPicPr>
+          <p:blipFill>
+            <a:blip r:embed="rId5" cstate="print">
+              <a:extLst>
+                <a:ext uri="{28A0092B-C50C-407E-A947-70E740481C1C}">
+                  <a14:useLocalDpi xmlns:a14="http://schemas.microsoft.com/office/drawing/2010/main" val="0"/>
+                </a:ext>
+              </a:extLst>
+            </a:blip>
+            <a:stretch>
+              <a:fillRect/>
+            </a:stretch>
+          </p:blipFill>
+          <p:spPr>
+            <a:xfrm>
+              <a:off x="1378613" y="2783472"/>
+              <a:ext cx="590723" cy="590723"/>
+            </a:xfrm>
+            <a:prstGeom prst="rect">
+              <a:avLst/>
+            </a:prstGeom>
+          </p:spPr>
+        </p:pic>
+      </p:grpSp>
+      <p:sp>
+        <p:nvSpPr>
+          <p:cNvPr id="84" name="Right Bracket 83"/>
+          <p:cNvSpPr/>
+          <p:nvPr/>
+        </p:nvSpPr>
+        <p:spPr>
+          <a:xfrm rot="10800000">
+            <a:off x="2376238" y="5703026"/>
+            <a:ext cx="313521" cy="670531"/>
+          </a:xfrm>
+          <a:prstGeom prst="rightBracket">
+            <a:avLst/>
+          </a:prstGeom>
+          <a:ln w="19050">
+            <a:solidFill>
+              <a:schemeClr val="bg1">
+                <a:lumMod val="65000"/>
+              </a:schemeClr>
+            </a:solidFill>
+            <a:prstDash val="sysDash"/>
+          </a:ln>
+        </p:spPr>
+        <p:style>
+          <a:lnRef idx="1">
+            <a:schemeClr val="accent1"/>
+          </a:lnRef>
+          <a:fillRef idx="0">
+            <a:schemeClr val="accent1"/>
+          </a:fillRef>
+          <a:effectRef idx="0">
+            <a:schemeClr val="accent1"/>
+          </a:effectRef>
+          <a:fontRef idx="minor">
+            <a:schemeClr val="tx1"/>
+          </a:fontRef>
+        </p:style>
+        <p:txBody>
+          <a:bodyPr rtlCol="0" anchor="ctr"/>
+          <a:lstStyle/>
+          <a:p>
+            <a:pPr algn="ctr"/>
+            <a:endParaRPr lang="fr-FR"/>
+          </a:p>
+        </p:txBody>
+      </p:sp>
+      <p:sp>
+        <p:nvSpPr>
+          <p:cNvPr id="102" name="TextBox 101"/>
+          <p:cNvSpPr txBox="1"/>
+          <p:nvPr/>
+        </p:nvSpPr>
+        <p:spPr>
+          <a:xfrm>
+            <a:off x="2518761" y="6513685"/>
+            <a:ext cx="846877" cy="230832"/>
+          </a:xfrm>
+          <a:prstGeom prst="rect">
+            <a:avLst/>
+          </a:prstGeom>
+          <a:noFill/>
+        </p:spPr>
+        <p:txBody>
+          <a:bodyPr wrap="square" rtlCol="0">
+            <a:spAutoFit/>
+          </a:bodyPr>
+          <a:lstStyle/>
+          <a:p>
+            <a:r>
+              <a:rPr lang="fr-FR" sz="900" dirty="0" smtClean="0"/>
+              <a:t>192.168.1.XX</a:t>
+            </a:r>
+            <a:endParaRPr lang="fr-FR" sz="900" dirty="0"/>
+          </a:p>
+        </p:txBody>
+      </p:sp>
+      <p:sp>
+        <p:nvSpPr>
+          <p:cNvPr id="103" name="TextBox 102"/>
+          <p:cNvSpPr txBox="1"/>
+          <p:nvPr/>
+        </p:nvSpPr>
+        <p:spPr>
+          <a:xfrm>
+            <a:off x="3367453" y="5879487"/>
+            <a:ext cx="837672" cy="230832"/>
+          </a:xfrm>
+          <a:prstGeom prst="rect">
+            <a:avLst/>
+          </a:prstGeom>
+          <a:noFill/>
+        </p:spPr>
+        <p:txBody>
+          <a:bodyPr wrap="square" rtlCol="0">
+            <a:spAutoFit/>
+          </a:bodyPr>
+          <a:lstStyle/>
+          <a:p>
+            <a:r>
+              <a:rPr lang="fr-FR" sz="900" dirty="0" smtClean="0"/>
+              <a:t>192.168.1.XY</a:t>
+            </a:r>
+            <a:endParaRPr lang="fr-FR" sz="900" dirty="0"/>
+          </a:p>
+        </p:txBody>
+      </p:sp>
+      <p:sp>
+        <p:nvSpPr>
+          <p:cNvPr id="31" name="Right Bracket 30"/>
+          <p:cNvSpPr/>
+          <p:nvPr/>
+        </p:nvSpPr>
+        <p:spPr>
+          <a:xfrm>
+            <a:off x="3172111" y="5079628"/>
+            <a:ext cx="231140" cy="429260"/>
+          </a:xfrm>
+          <a:prstGeom prst="rightBracket">
+            <a:avLst/>
+          </a:prstGeom>
+          <a:ln w="19050">
+            <a:solidFill>
+              <a:schemeClr val="bg1">
+                <a:lumMod val="65000"/>
+              </a:schemeClr>
+            </a:solidFill>
+            <a:prstDash val="sysDash"/>
+          </a:ln>
+        </p:spPr>
+        <p:style>
+          <a:lnRef idx="1">
+            <a:schemeClr val="accent1"/>
+          </a:lnRef>
+          <a:fillRef idx="0">
+            <a:schemeClr val="accent1"/>
+          </a:fillRef>
+          <a:effectRef idx="0">
+            <a:schemeClr val="accent1"/>
+          </a:effectRef>
+          <a:fontRef idx="minor">
+            <a:schemeClr val="tx1"/>
+          </a:fontRef>
+        </p:style>
+        <p:txBody>
+          <a:bodyPr rtlCol="0" anchor="ctr"/>
+          <a:lstStyle/>
+          <a:p>
+            <a:pPr algn="ctr"/>
+            <a:endParaRPr lang="fr-FR"/>
+          </a:p>
+        </p:txBody>
+      </p:sp>
+      <p:sp>
+        <p:nvSpPr>
+          <p:cNvPr id="127" name="TextBox 126"/>
+          <p:cNvSpPr txBox="1"/>
+          <p:nvPr/>
+        </p:nvSpPr>
+        <p:spPr>
+          <a:xfrm>
+            <a:off x="2523363" y="4197281"/>
+            <a:ext cx="837672" cy="230832"/>
+          </a:xfrm>
+          <a:prstGeom prst="rect">
+            <a:avLst/>
+          </a:prstGeom>
+          <a:noFill/>
+        </p:spPr>
+        <p:txBody>
+          <a:bodyPr wrap="square" rtlCol="0">
+            <a:spAutoFit/>
+          </a:bodyPr>
+          <a:lstStyle/>
+          <a:p>
+            <a:r>
+              <a:rPr lang="fr-FR" sz="900" dirty="0" smtClean="0"/>
+              <a:t>192.168.1.XYZ</a:t>
+            </a:r>
+            <a:endParaRPr lang="fr-FR" sz="900" dirty="0"/>
+          </a:p>
+        </p:txBody>
+      </p:sp>
+      <p:grpSp>
+        <p:nvGrpSpPr>
+          <p:cNvPr id="41" name="Group 40"/>
+          <p:cNvGrpSpPr/>
+          <p:nvPr/>
+        </p:nvGrpSpPr>
+        <p:grpSpPr>
+          <a:xfrm>
+            <a:off x="2241402" y="4214798"/>
+            <a:ext cx="1371970" cy="1371970"/>
+            <a:chOff x="2211977" y="4214798"/>
+            <a:chExt cx="1371970" cy="1371970"/>
+          </a:xfrm>
+        </p:grpSpPr>
+        <p:grpSp>
+          <p:nvGrpSpPr>
+            <p:cNvPr id="116" name="Group 115"/>
+            <p:cNvGrpSpPr/>
+            <p:nvPr/>
+          </p:nvGrpSpPr>
+          <p:grpSpPr>
+            <a:xfrm>
+              <a:off x="2211977" y="4214798"/>
+              <a:ext cx="1371970" cy="1371970"/>
+              <a:chOff x="9773920" y="3078834"/>
+              <a:chExt cx="1371970" cy="1371970"/>
+            </a:xfrm>
+          </p:grpSpPr>
+          <p:pic>
+            <p:nvPicPr>
+              <p:cNvPr id="122" name="Picture 121"/>
+              <p:cNvPicPr>
+                <a:picLocks noChangeAspect="1"/>
+              </p:cNvPicPr>
+              <p:nvPr/>
+            </p:nvPicPr>
+            <p:blipFill>
+              <a:blip r:embed="rId6" cstate="print">
+                <a:extLst>
+                  <a:ext uri="{28A0092B-C50C-407E-A947-70E740481C1C}">
+                    <a14:useLocalDpi xmlns:a14="http://schemas.microsoft.com/office/drawing/2010/main" val="0"/>
+                  </a:ext>
+                </a:extLst>
+              </a:blip>
+              <a:stretch>
+                <a:fillRect/>
+              </a:stretch>
+            </p:blipFill>
+            <p:spPr>
+              <a:xfrm>
+                <a:off x="9773920" y="3078834"/>
+                <a:ext cx="1371970" cy="1371970"/>
+              </a:xfrm>
+              <a:prstGeom prst="rect">
+                <a:avLst/>
+              </a:prstGeom>
+            </p:spPr>
+          </p:pic>
+          <p:pic>
+            <p:nvPicPr>
+              <p:cNvPr id="123" name="Picture 122"/>
+              <p:cNvPicPr>
+                <a:picLocks noChangeAspect="1"/>
+              </p:cNvPicPr>
+              <p:nvPr/>
+            </p:nvPicPr>
+            <p:blipFill>
+              <a:blip r:embed="rId7" cstate="print">
+                <a:extLst>
+                  <a:ext uri="{28A0092B-C50C-407E-A947-70E740481C1C}">
+                    <a14:useLocalDpi xmlns:a14="http://schemas.microsoft.com/office/drawing/2010/main" val="0"/>
+                  </a:ext>
+                </a:extLst>
+              </a:blip>
+              <a:stretch>
+                <a:fillRect/>
+              </a:stretch>
+            </p:blipFill>
+            <p:spPr>
+              <a:xfrm>
+                <a:off x="9890515" y="3481335"/>
+                <a:ext cx="684329" cy="334145"/>
+              </a:xfrm>
+              <a:prstGeom prst="roundRect">
+                <a:avLst>
+                  <a:gd name="adj" fmla="val 8594"/>
+                </a:avLst>
+              </a:prstGeom>
+              <a:solidFill>
+                <a:srgbClr val="FFFFFF">
+                  <a:shade val="85000"/>
+                </a:srgbClr>
+              </a:solidFill>
+              <a:ln>
+                <a:noFill/>
+              </a:ln>
+              <a:effectLst>
+                <a:reflection blurRad="12700" stA="38000" endPos="28000" dist="5000" dir="5400000" sy="-100000" algn="bl" rotWithShape="0"/>
+              </a:effectLst>
+            </p:spPr>
+          </p:pic>
+          <p:pic>
+            <p:nvPicPr>
+              <p:cNvPr id="124" name="Picture 123"/>
+              <p:cNvPicPr>
+                <a:picLocks noChangeAspect="1"/>
+              </p:cNvPicPr>
+              <p:nvPr/>
+            </p:nvPicPr>
+            <p:blipFill>
+              <a:blip r:embed="rId8" cstate="print">
+                <a:extLst>
+                  <a:ext uri="{28A0092B-C50C-407E-A947-70E740481C1C}">
+                    <a14:useLocalDpi xmlns:a14="http://schemas.microsoft.com/office/drawing/2010/main" val="0"/>
+                  </a:ext>
+                </a:extLst>
+              </a:blip>
+              <a:stretch>
+                <a:fillRect/>
+              </a:stretch>
+            </p:blipFill>
+            <p:spPr>
+              <a:xfrm>
+                <a:off x="10610342" y="3409428"/>
+                <a:ext cx="151829" cy="151829"/>
+              </a:xfrm>
+              <a:prstGeom prst="rect">
+                <a:avLst/>
+              </a:prstGeom>
+            </p:spPr>
+          </p:pic>
+          <p:sp>
+            <p:nvSpPr>
+              <p:cNvPr id="125" name="Rectangle 124"/>
+              <p:cNvSpPr/>
+              <p:nvPr/>
+            </p:nvSpPr>
+            <p:spPr>
+              <a:xfrm>
+                <a:off x="9773920" y="3213463"/>
+                <a:ext cx="1361773" cy="836168"/>
+              </a:xfrm>
+              <a:prstGeom prst="rect">
+                <a:avLst/>
+              </a:prstGeom>
+              <a:solidFill>
+                <a:srgbClr val="FFFFFF">
+                  <a:alpha val="38824"/>
+                </a:srgbClr>
+              </a:solidFill>
+              <a:ln>
+                <a:noFill/>
+              </a:ln>
+            </p:spPr>
+            <p:style>
+              <a:lnRef idx="2">
+                <a:schemeClr val="accent1">
+                  <a:shade val="50000"/>
+                </a:schemeClr>
+              </a:lnRef>
+              <a:fillRef idx="1">
+                <a:schemeClr val="accent1"/>
+              </a:fillRef>
+              <a:effectRef idx="0">
+                <a:schemeClr val="accent1"/>
+              </a:effectRef>
+              <a:fontRef idx="minor">
+                <a:schemeClr val="lt1"/>
+              </a:fontRef>
+            </p:style>
+            <p:txBody>
+              <a:bodyPr rtlCol="0" anchor="ctr"/>
+              <a:lstStyle/>
+              <a:p>
+                <a:pPr algn="ctr"/>
+                <a:endParaRPr lang="fr-FR"/>
+              </a:p>
+            </p:txBody>
+          </p:sp>
+        </p:grpSp>
+        <p:sp>
+          <p:nvSpPr>
+            <p:cNvPr id="126" name="Rectangle 125"/>
+            <p:cNvSpPr/>
+            <p:nvPr/>
+          </p:nvSpPr>
+          <p:spPr>
+            <a:xfrm>
+              <a:off x="2583488" y="5186972"/>
+              <a:ext cx="687501" cy="244415"/>
+            </a:xfrm>
+            <a:prstGeom prst="rect">
+              <a:avLst/>
+            </a:prstGeom>
+            <a:solidFill>
+              <a:srgbClr val="FFFFFF">
+                <a:alpha val="38824"/>
+              </a:srgbClr>
+            </a:solidFill>
+            <a:ln>
+              <a:noFill/>
+            </a:ln>
+          </p:spPr>
+          <p:style>
+            <a:lnRef idx="2">
+              <a:schemeClr val="accent1">
+                <a:shade val="50000"/>
+              </a:schemeClr>
+            </a:lnRef>
+            <a:fillRef idx="1">
+              <a:schemeClr val="accent1"/>
+            </a:fillRef>
+            <a:effectRef idx="0">
+              <a:schemeClr val="accent1"/>
+            </a:effectRef>
+            <a:fontRef idx="minor">
+              <a:schemeClr val="lt1"/>
+            </a:fontRef>
+          </p:style>
+          <p:txBody>
+            <a:bodyPr rtlCol="0" anchor="ctr"/>
+            <a:lstStyle/>
+            <a:p>
+              <a:pPr algn="ctr"/>
+              <a:endParaRPr lang="fr-FR"/>
+            </a:p>
+          </p:txBody>
+        </p:sp>
+      </p:grpSp>
+      <p:sp>
+        <p:nvSpPr>
+          <p:cNvPr id="130" name="Rectangle 129"/>
+          <p:cNvSpPr/>
+          <p:nvPr/>
+        </p:nvSpPr>
+        <p:spPr>
+          <a:xfrm>
+            <a:off x="2970043" y="5414225"/>
+            <a:ext cx="335819" cy="219281"/>
+          </a:xfrm>
+          <a:prstGeom prst="rect">
+            <a:avLst/>
+          </a:prstGeom>
+          <a:solidFill>
+            <a:srgbClr val="FFFFFF">
+              <a:alpha val="69804"/>
+            </a:srgbClr>
+          </a:solidFill>
+          <a:ln>
+            <a:noFill/>
+          </a:ln>
+        </p:spPr>
+        <p:style>
+          <a:lnRef idx="2">
+            <a:schemeClr val="accent1">
+              <a:shade val="50000"/>
+            </a:schemeClr>
+          </a:lnRef>
+          <a:fillRef idx="1">
+            <a:schemeClr val="accent1"/>
+          </a:fillRef>
+          <a:effectRef idx="0">
+            <a:schemeClr val="accent1"/>
+          </a:effectRef>
+          <a:fontRef idx="minor">
+            <a:schemeClr val="lt1"/>
+          </a:fontRef>
+        </p:style>
+        <p:txBody>
+          <a:bodyPr rtlCol="0" anchor="ctr"/>
+          <a:lstStyle/>
+          <a:p>
+            <a:pPr algn="ctr"/>
+            <a:endParaRPr lang="fr-FR"/>
+          </a:p>
+        </p:txBody>
+      </p:sp>
+      <p:sp>
+        <p:nvSpPr>
+          <p:cNvPr id="131" name="Rectangle 130"/>
+          <p:cNvSpPr/>
+          <p:nvPr/>
+        </p:nvSpPr>
+        <p:spPr>
+          <a:xfrm>
+            <a:off x="3078995" y="5417796"/>
+            <a:ext cx="379929" cy="215273"/>
+          </a:xfrm>
+          <a:prstGeom prst="rect">
+            <a:avLst/>
+          </a:prstGeom>
+          <a:solidFill>
+            <a:srgbClr val="FFFFFF">
+              <a:alpha val="69804"/>
+            </a:srgbClr>
+          </a:solidFill>
+          <a:ln>
+            <a:noFill/>
+          </a:ln>
+        </p:spPr>
+        <p:style>
+          <a:lnRef idx="2">
+            <a:schemeClr val="accent1">
+              <a:shade val="50000"/>
+            </a:schemeClr>
+          </a:lnRef>
+          <a:fillRef idx="1">
+            <a:schemeClr val="accent1"/>
+          </a:fillRef>
+          <a:effectRef idx="0">
+            <a:schemeClr val="accent1"/>
+          </a:effectRef>
+          <a:fontRef idx="minor">
+            <a:schemeClr val="lt1"/>
+          </a:fontRef>
+        </p:style>
+        <p:txBody>
+          <a:bodyPr rtlCol="0" anchor="ctr"/>
+          <a:lstStyle/>
+          <a:p>
+            <a:pPr algn="ctr"/>
+            <a:endParaRPr lang="fr-FR"/>
+          </a:p>
+        </p:txBody>
+      </p:sp>
+    </p:spTree>
+    <p:extLst>
+      <p:ext uri="{BB962C8B-B14F-4D97-AF65-F5344CB8AC3E}">
+        <p14:creationId xmlns:p14="http://schemas.microsoft.com/office/powerpoint/2010/main" val="3643409510"/>
+      </p:ext>
+    </p:extLst>
+  </p:cSld>
+  <p:clrMapOvr>
+    <a:masterClrMapping/>
+  </p:clrMapOvr>
+</p:sld>
+</file>
+
+<file path=ppt/slides/slide3.xml><?xml version="1.0" encoding="utf-8"?>
+<p:sld xmlns:a="http://schemas.openxmlformats.org/drawingml/2006/main" xmlns:r="http://schemas.openxmlformats.org/officeDocument/2006/relationships" xmlns:p="http://schemas.openxmlformats.org/presentationml/2006/main">
+  <p:cSld>
+    <p:spTree>
+      <p:nvGrpSpPr>
+        <p:cNvPr id="1" name=""/>
+        <p:cNvGrpSpPr/>
+        <p:nvPr/>
+      </p:nvGrpSpPr>
+      <p:grpSpPr>
+        <a:xfrm>
+          <a:off x="0" y="0"/>
+          <a:ext cx="0" cy="0"/>
+          <a:chOff x="0" y="0"/>
+          <a:chExt cx="0" cy="0"/>
+        </a:xfrm>
+      </p:grpSpPr>
       <p:grpSp>
         <p:nvGrpSpPr>
           <p:cNvPr id="93" name="Group 92"/>

--- a/images/server_images.pptx
+++ b/images/server_images.pptx
@@ -1,21 +1,116 @@
 
 <file path=ppt/presentation.xml><?xml version="1.0" encoding="utf-8"?>
-<p:presentation xmlns:a="http://schemas.openxmlformats.org/drawingml/2006/main" xmlns:p="http://schemas.openxmlformats.org/presentationml/2006/main" xmlns:r="http://schemas.openxmlformats.org/officeDocument/2006/relationships" xmlns:p14="http://schemas.microsoft.com/office/powerpoint/2010/main" xmlns:p15="http://schemas.microsoft.com/office/powerpoint/2012/main" xmlns:mc="http://schemas.openxmlformats.org/markup-compatibility/2006">
+<p:presentation xmlns:a="http://schemas.openxmlformats.org/drawingml/2006/main" xmlns:r="http://schemas.openxmlformats.org/officeDocument/2006/relationships" xmlns:p="http://schemas.openxmlformats.org/presentationml/2006/main">
   <p:sldMasterIdLst>
-    <p:sldMasterId id="2147483648" r:id="rId2"/>
+    <p:sldMasterId id="2147483648" r:id="rId1"/>
   </p:sldMasterIdLst>
   <p:sldIdLst>
-    <p:sldId id="256" r:id="rId3"/>
-    <p:sldId id="257" r:id="rId4"/>
-    <p:sldId id="258" r:id="rId5"/>
+    <p:sldId id="256" r:id="rId2"/>
+    <p:sldId id="257" r:id="rId3"/>
+    <p:sldId id="258" r:id="rId4"/>
   </p:sldIdLst>
   <p:sldSz cx="12192000" cy="6858000"/>
-  <p:notesSz cx="7559675" cy="10691812"/>
+  <p:notesSz cx="7559675" cy="10691813"/>
+  <p:defaultTextStyle>
+    <a:defPPr>
+      <a:defRPr lang="fr-FR"/>
+    </a:defPPr>
+    <a:lvl1pPr marL="0" algn="l" defTabSz="914400" rtl="0" eaLnBrk="1" latinLnBrk="0" hangingPunct="1">
+      <a:defRPr sz="1800" kern="1200">
+        <a:solidFill>
+          <a:schemeClr val="tx1"/>
+        </a:solidFill>
+        <a:latin typeface="+mn-lt"/>
+        <a:ea typeface="+mn-ea"/>
+        <a:cs typeface="+mn-cs"/>
+      </a:defRPr>
+    </a:lvl1pPr>
+    <a:lvl2pPr marL="457200" algn="l" defTabSz="914400" rtl="0" eaLnBrk="1" latinLnBrk="0" hangingPunct="1">
+      <a:defRPr sz="1800" kern="1200">
+        <a:solidFill>
+          <a:schemeClr val="tx1"/>
+        </a:solidFill>
+        <a:latin typeface="+mn-lt"/>
+        <a:ea typeface="+mn-ea"/>
+        <a:cs typeface="+mn-cs"/>
+      </a:defRPr>
+    </a:lvl2pPr>
+    <a:lvl3pPr marL="914400" algn="l" defTabSz="914400" rtl="0" eaLnBrk="1" latinLnBrk="0" hangingPunct="1">
+      <a:defRPr sz="1800" kern="1200">
+        <a:solidFill>
+          <a:schemeClr val="tx1"/>
+        </a:solidFill>
+        <a:latin typeface="+mn-lt"/>
+        <a:ea typeface="+mn-ea"/>
+        <a:cs typeface="+mn-cs"/>
+      </a:defRPr>
+    </a:lvl3pPr>
+    <a:lvl4pPr marL="1371600" algn="l" defTabSz="914400" rtl="0" eaLnBrk="1" latinLnBrk="0" hangingPunct="1">
+      <a:defRPr sz="1800" kern="1200">
+        <a:solidFill>
+          <a:schemeClr val="tx1"/>
+        </a:solidFill>
+        <a:latin typeface="+mn-lt"/>
+        <a:ea typeface="+mn-ea"/>
+        <a:cs typeface="+mn-cs"/>
+      </a:defRPr>
+    </a:lvl4pPr>
+    <a:lvl5pPr marL="1828800" algn="l" defTabSz="914400" rtl="0" eaLnBrk="1" latinLnBrk="0" hangingPunct="1">
+      <a:defRPr sz="1800" kern="1200">
+        <a:solidFill>
+          <a:schemeClr val="tx1"/>
+        </a:solidFill>
+        <a:latin typeface="+mn-lt"/>
+        <a:ea typeface="+mn-ea"/>
+        <a:cs typeface="+mn-cs"/>
+      </a:defRPr>
+    </a:lvl5pPr>
+    <a:lvl6pPr marL="2286000" algn="l" defTabSz="914400" rtl="0" eaLnBrk="1" latinLnBrk="0" hangingPunct="1">
+      <a:defRPr sz="1800" kern="1200">
+        <a:solidFill>
+          <a:schemeClr val="tx1"/>
+        </a:solidFill>
+        <a:latin typeface="+mn-lt"/>
+        <a:ea typeface="+mn-ea"/>
+        <a:cs typeface="+mn-cs"/>
+      </a:defRPr>
+    </a:lvl6pPr>
+    <a:lvl7pPr marL="2743200" algn="l" defTabSz="914400" rtl="0" eaLnBrk="1" latinLnBrk="0" hangingPunct="1">
+      <a:defRPr sz="1800" kern="1200">
+        <a:solidFill>
+          <a:schemeClr val="tx1"/>
+        </a:solidFill>
+        <a:latin typeface="+mn-lt"/>
+        <a:ea typeface="+mn-ea"/>
+        <a:cs typeface="+mn-cs"/>
+      </a:defRPr>
+    </a:lvl7pPr>
+    <a:lvl8pPr marL="3200400" algn="l" defTabSz="914400" rtl="0" eaLnBrk="1" latinLnBrk="0" hangingPunct="1">
+      <a:defRPr sz="1800" kern="1200">
+        <a:solidFill>
+          <a:schemeClr val="tx1"/>
+        </a:solidFill>
+        <a:latin typeface="+mn-lt"/>
+        <a:ea typeface="+mn-ea"/>
+        <a:cs typeface="+mn-cs"/>
+      </a:defRPr>
+    </a:lvl8pPr>
+    <a:lvl9pPr marL="3657600" algn="l" defTabSz="914400" rtl="0" eaLnBrk="1" latinLnBrk="0" hangingPunct="1">
+      <a:defRPr sz="1800" kern="1200">
+        <a:solidFill>
+          <a:schemeClr val="tx1"/>
+        </a:solidFill>
+        <a:latin typeface="+mn-lt"/>
+        <a:ea typeface="+mn-ea"/>
+        <a:cs typeface="+mn-cs"/>
+      </a:defRPr>
+    </a:lvl9pPr>
+  </p:defaultTextStyle>
 </p:presentation>
 </file>
 
 <file path=ppt/slideLayouts/slideLayout1.xml><?xml version="1.0" encoding="utf-8"?>
-<p:sldLayout xmlns:a="http://schemas.openxmlformats.org/drawingml/2006/main" xmlns:p="http://schemas.openxmlformats.org/presentationml/2006/main" xmlns:r="http://schemas.openxmlformats.org/officeDocument/2006/relationships" xmlns:p14="http://schemas.microsoft.com/office/powerpoint/2010/main" xmlns:p15="http://schemas.microsoft.com/office/powerpoint/2012/main" xmlns:mc="http://schemas.openxmlformats.org/markup-compatibility/2006" type="blank" preserve="1">
+<p:sldLayout xmlns:a="http://schemas.openxmlformats.org/drawingml/2006/main" xmlns:r="http://schemas.openxmlformats.org/officeDocument/2006/relationships" xmlns:p="http://schemas.openxmlformats.org/presentationml/2006/main" type="blank" preserve="1">
   <p:cSld name="Blank Slide">
     <p:spTree>
       <p:nvGrpSpPr>
@@ -33,11 +128,14 @@
       </p:grpSpPr>
     </p:spTree>
   </p:cSld>
+  <p:clrMapOvr>
+    <a:masterClrMapping/>
+  </p:clrMapOvr>
 </p:sldLayout>
 </file>
 
 <file path=ppt/slideLayouts/slideLayout10.xml><?xml version="1.0" encoding="utf-8"?>
-<p:sldLayout xmlns:a="http://schemas.openxmlformats.org/drawingml/2006/main" xmlns:p="http://schemas.openxmlformats.org/presentationml/2006/main" xmlns:r="http://schemas.openxmlformats.org/officeDocument/2006/relationships" xmlns:p14="http://schemas.microsoft.com/office/powerpoint/2010/main" xmlns:p15="http://schemas.microsoft.com/office/powerpoint/2012/main" xmlns:mc="http://schemas.openxmlformats.org/markup-compatibility/2006" type="objOverTx" preserve="1">
+<p:sldLayout xmlns:a="http://schemas.openxmlformats.org/drawingml/2006/main" xmlns:r="http://schemas.openxmlformats.org/officeDocument/2006/relationships" xmlns:p="http://schemas.openxmlformats.org/presentationml/2006/main" type="objOverTx" preserve="1">
   <p:cSld name="Title, Content over Content">
     <p:spTree>
       <p:nvGrpSpPr>
@@ -73,11 +171,12 @@
           </a:prstGeom>
         </p:spPr>
         <p:txBody>
-          <a:bodyPr lIns="0" rIns="0" tIns="0" bIns="0" anchor="ctr">
+          <a:bodyPr lIns="0" tIns="0" rIns="0" bIns="0" anchor="ctr">
             <a:noAutofit/>
           </a:bodyPr>
+          <a:lstStyle/>
           <a:p>
-            <a:endParaRPr b="0" lang="fr-FR" sz="1800" spc="-1" strike="noStrike">
+            <a:endParaRPr lang="fr-FR" sz="1800" b="0" strike="noStrike" spc="-1">
               <a:solidFill>
                 <a:srgbClr val="000000"/>
               </a:solidFill>
@@ -106,11 +205,12 @@
           </a:prstGeom>
         </p:spPr>
         <p:txBody>
-          <a:bodyPr lIns="0" rIns="0" tIns="0" bIns="0">
+          <a:bodyPr lIns="0" tIns="0" rIns="0" bIns="0">
             <a:normAutofit/>
           </a:bodyPr>
+          <a:lstStyle/>
           <a:p>
-            <a:endParaRPr b="0" lang="fr-FR" sz="2800" spc="-1" strike="noStrike">
+            <a:endParaRPr lang="fr-FR" sz="2800" b="0" strike="noStrike" spc="-1">
               <a:solidFill>
                 <a:srgbClr val="000000"/>
               </a:solidFill>
@@ -139,11 +239,12 @@
           </a:prstGeom>
         </p:spPr>
         <p:txBody>
-          <a:bodyPr lIns="0" rIns="0" tIns="0" bIns="0">
+          <a:bodyPr lIns="0" tIns="0" rIns="0" bIns="0">
             <a:normAutofit/>
           </a:bodyPr>
+          <a:lstStyle/>
           <a:p>
-            <a:endParaRPr b="0" lang="fr-FR" sz="2800" spc="-1" strike="noStrike">
+            <a:endParaRPr lang="fr-FR" sz="2800" b="0" strike="noStrike" spc="-1">
               <a:solidFill>
                 <a:srgbClr val="000000"/>
               </a:solidFill>
@@ -154,11 +255,14 @@
       </p:sp>
     </p:spTree>
   </p:cSld>
+  <p:clrMapOvr>
+    <a:masterClrMapping/>
+  </p:clrMapOvr>
 </p:sldLayout>
 </file>
 
 <file path=ppt/slideLayouts/slideLayout11.xml><?xml version="1.0" encoding="utf-8"?>
-<p:sldLayout xmlns:a="http://schemas.openxmlformats.org/drawingml/2006/main" xmlns:p="http://schemas.openxmlformats.org/presentationml/2006/main" xmlns:r="http://schemas.openxmlformats.org/officeDocument/2006/relationships" xmlns:p14="http://schemas.microsoft.com/office/powerpoint/2010/main" xmlns:p15="http://schemas.microsoft.com/office/powerpoint/2012/main" xmlns:mc="http://schemas.openxmlformats.org/markup-compatibility/2006" type="fourObj" preserve="1">
+<p:sldLayout xmlns:a="http://schemas.openxmlformats.org/drawingml/2006/main" xmlns:r="http://schemas.openxmlformats.org/officeDocument/2006/relationships" xmlns:p="http://schemas.openxmlformats.org/presentationml/2006/main" type="fourObj" preserve="1">
   <p:cSld name="Title, 4 Content">
     <p:spTree>
       <p:nvGrpSpPr>
@@ -194,11 +298,12 @@
           </a:prstGeom>
         </p:spPr>
         <p:txBody>
-          <a:bodyPr lIns="0" rIns="0" tIns="0" bIns="0" anchor="ctr">
+          <a:bodyPr lIns="0" tIns="0" rIns="0" bIns="0" anchor="ctr">
             <a:noAutofit/>
           </a:bodyPr>
+          <a:lstStyle/>
           <a:p>
-            <a:endParaRPr b="0" lang="fr-FR" sz="1800" spc="-1" strike="noStrike">
+            <a:endParaRPr lang="fr-FR" sz="1800" b="0" strike="noStrike" spc="-1">
               <a:solidFill>
                 <a:srgbClr val="000000"/>
               </a:solidFill>
@@ -227,11 +332,12 @@
           </a:prstGeom>
         </p:spPr>
         <p:txBody>
-          <a:bodyPr lIns="0" rIns="0" tIns="0" bIns="0">
+          <a:bodyPr lIns="0" tIns="0" rIns="0" bIns="0">
             <a:normAutofit/>
           </a:bodyPr>
+          <a:lstStyle/>
           <a:p>
-            <a:endParaRPr b="0" lang="fr-FR" sz="2800" spc="-1" strike="noStrike">
+            <a:endParaRPr lang="fr-FR" sz="2800" b="0" strike="noStrike" spc="-1">
               <a:solidFill>
                 <a:srgbClr val="000000"/>
               </a:solidFill>
@@ -260,11 +366,12 @@
           </a:prstGeom>
         </p:spPr>
         <p:txBody>
-          <a:bodyPr lIns="0" rIns="0" tIns="0" bIns="0">
+          <a:bodyPr lIns="0" tIns="0" rIns="0" bIns="0">
             <a:normAutofit/>
           </a:bodyPr>
+          <a:lstStyle/>
           <a:p>
-            <a:endParaRPr b="0" lang="fr-FR" sz="2800" spc="-1" strike="noStrike">
+            <a:endParaRPr lang="fr-FR" sz="2800" b="0" strike="noStrike" spc="-1">
               <a:solidFill>
                 <a:srgbClr val="000000"/>
               </a:solidFill>
@@ -293,11 +400,12 @@
           </a:prstGeom>
         </p:spPr>
         <p:txBody>
-          <a:bodyPr lIns="0" rIns="0" tIns="0" bIns="0">
+          <a:bodyPr lIns="0" tIns="0" rIns="0" bIns="0">
             <a:normAutofit/>
           </a:bodyPr>
+          <a:lstStyle/>
           <a:p>
-            <a:endParaRPr b="0" lang="fr-FR" sz="2800" spc="-1" strike="noStrike">
+            <a:endParaRPr lang="fr-FR" sz="2800" b="0" strike="noStrike" spc="-1">
               <a:solidFill>
                 <a:srgbClr val="000000"/>
               </a:solidFill>
@@ -326,11 +434,12 @@
           </a:prstGeom>
         </p:spPr>
         <p:txBody>
-          <a:bodyPr lIns="0" rIns="0" tIns="0" bIns="0">
+          <a:bodyPr lIns="0" tIns="0" rIns="0" bIns="0">
             <a:normAutofit/>
           </a:bodyPr>
+          <a:lstStyle/>
           <a:p>
-            <a:endParaRPr b="0" lang="fr-FR" sz="2800" spc="-1" strike="noStrike">
+            <a:endParaRPr lang="fr-FR" sz="2800" b="0" strike="noStrike" spc="-1">
               <a:solidFill>
                 <a:srgbClr val="000000"/>
               </a:solidFill>
@@ -341,11 +450,14 @@
       </p:sp>
     </p:spTree>
   </p:cSld>
+  <p:clrMapOvr>
+    <a:masterClrMapping/>
+  </p:clrMapOvr>
 </p:sldLayout>
 </file>
 
 <file path=ppt/slideLayouts/slideLayout12.xml><?xml version="1.0" encoding="utf-8"?>
-<p:sldLayout xmlns:a="http://schemas.openxmlformats.org/drawingml/2006/main" xmlns:p="http://schemas.openxmlformats.org/presentationml/2006/main" xmlns:r="http://schemas.openxmlformats.org/officeDocument/2006/relationships" xmlns:p14="http://schemas.microsoft.com/office/powerpoint/2010/main" xmlns:p15="http://schemas.microsoft.com/office/powerpoint/2012/main" xmlns:mc="http://schemas.openxmlformats.org/markup-compatibility/2006" type="blank" preserve="1">
+<p:sldLayout xmlns:a="http://schemas.openxmlformats.org/drawingml/2006/main" xmlns:r="http://schemas.openxmlformats.org/officeDocument/2006/relationships" xmlns:p="http://schemas.openxmlformats.org/presentationml/2006/main" type="blank" preserve="1">
   <p:cSld name="Title, 6 Content">
     <p:spTree>
       <p:nvGrpSpPr>
@@ -381,11 +493,12 @@
           </a:prstGeom>
         </p:spPr>
         <p:txBody>
-          <a:bodyPr lIns="0" rIns="0" tIns="0" bIns="0" anchor="ctr">
+          <a:bodyPr lIns="0" tIns="0" rIns="0" bIns="0" anchor="ctr">
             <a:noAutofit/>
           </a:bodyPr>
+          <a:lstStyle/>
           <a:p>
-            <a:endParaRPr b="0" lang="fr-FR" sz="1800" spc="-1" strike="noStrike">
+            <a:endParaRPr lang="fr-FR" sz="1800" b="0" strike="noStrike" spc="-1">
               <a:solidFill>
                 <a:srgbClr val="000000"/>
               </a:solidFill>
@@ -414,11 +527,12 @@
           </a:prstGeom>
         </p:spPr>
         <p:txBody>
-          <a:bodyPr lIns="0" rIns="0" tIns="0" bIns="0">
+          <a:bodyPr lIns="0" tIns="0" rIns="0" bIns="0">
             <a:normAutofit/>
           </a:bodyPr>
+          <a:lstStyle/>
           <a:p>
-            <a:endParaRPr b="0" lang="fr-FR" sz="2800" spc="-1" strike="noStrike">
+            <a:endParaRPr lang="fr-FR" sz="2800" b="0" strike="noStrike" spc="-1">
               <a:solidFill>
                 <a:srgbClr val="000000"/>
               </a:solidFill>
@@ -447,11 +561,12 @@
           </a:prstGeom>
         </p:spPr>
         <p:txBody>
-          <a:bodyPr lIns="0" rIns="0" tIns="0" bIns="0">
+          <a:bodyPr lIns="0" tIns="0" rIns="0" bIns="0">
             <a:normAutofit/>
           </a:bodyPr>
+          <a:lstStyle/>
           <a:p>
-            <a:endParaRPr b="0" lang="fr-FR" sz="2800" spc="-1" strike="noStrike">
+            <a:endParaRPr lang="fr-FR" sz="2800" b="0" strike="noStrike" spc="-1">
               <a:solidFill>
                 <a:srgbClr val="000000"/>
               </a:solidFill>
@@ -480,11 +595,12 @@
           </a:prstGeom>
         </p:spPr>
         <p:txBody>
-          <a:bodyPr lIns="0" rIns="0" tIns="0" bIns="0">
+          <a:bodyPr lIns="0" tIns="0" rIns="0" bIns="0">
             <a:normAutofit/>
           </a:bodyPr>
+          <a:lstStyle/>
           <a:p>
-            <a:endParaRPr b="0" lang="fr-FR" sz="2800" spc="-1" strike="noStrike">
+            <a:endParaRPr lang="fr-FR" sz="2800" b="0" strike="noStrike" spc="-1">
               <a:solidFill>
                 <a:srgbClr val="000000"/>
               </a:solidFill>
@@ -513,11 +629,12 @@
           </a:prstGeom>
         </p:spPr>
         <p:txBody>
-          <a:bodyPr lIns="0" rIns="0" tIns="0" bIns="0">
+          <a:bodyPr lIns="0" tIns="0" rIns="0" bIns="0">
             <a:normAutofit/>
           </a:bodyPr>
+          <a:lstStyle/>
           <a:p>
-            <a:endParaRPr b="0" lang="fr-FR" sz="2800" spc="-1" strike="noStrike">
+            <a:endParaRPr lang="fr-FR" sz="2800" b="0" strike="noStrike" spc="-1">
               <a:solidFill>
                 <a:srgbClr val="000000"/>
               </a:solidFill>
@@ -546,11 +663,12 @@
           </a:prstGeom>
         </p:spPr>
         <p:txBody>
-          <a:bodyPr lIns="0" rIns="0" tIns="0" bIns="0">
+          <a:bodyPr lIns="0" tIns="0" rIns="0" bIns="0">
             <a:normAutofit/>
           </a:bodyPr>
+          <a:lstStyle/>
           <a:p>
-            <a:endParaRPr b="0" lang="fr-FR" sz="2800" spc="-1" strike="noStrike">
+            <a:endParaRPr lang="fr-FR" sz="2800" b="0" strike="noStrike" spc="-1">
               <a:solidFill>
                 <a:srgbClr val="000000"/>
               </a:solidFill>
@@ -579,11 +697,12 @@
           </a:prstGeom>
         </p:spPr>
         <p:txBody>
-          <a:bodyPr lIns="0" rIns="0" tIns="0" bIns="0">
+          <a:bodyPr lIns="0" tIns="0" rIns="0" bIns="0">
             <a:normAutofit/>
           </a:bodyPr>
+          <a:lstStyle/>
           <a:p>
-            <a:endParaRPr b="0" lang="fr-FR" sz="2800" spc="-1" strike="noStrike">
+            <a:endParaRPr lang="fr-FR" sz="2800" b="0" strike="noStrike" spc="-1">
               <a:solidFill>
                 <a:srgbClr val="000000"/>
               </a:solidFill>
@@ -594,11 +713,14 @@
       </p:sp>
     </p:spTree>
   </p:cSld>
+  <p:clrMapOvr>
+    <a:masterClrMapping/>
+  </p:clrMapOvr>
 </p:sldLayout>
 </file>
 
 <file path=ppt/slideLayouts/slideLayout2.xml><?xml version="1.0" encoding="utf-8"?>
-<p:sldLayout xmlns:a="http://schemas.openxmlformats.org/drawingml/2006/main" xmlns:p="http://schemas.openxmlformats.org/presentationml/2006/main" xmlns:r="http://schemas.openxmlformats.org/officeDocument/2006/relationships" xmlns:p14="http://schemas.microsoft.com/office/powerpoint/2010/main" xmlns:p15="http://schemas.microsoft.com/office/powerpoint/2012/main" xmlns:mc="http://schemas.openxmlformats.org/markup-compatibility/2006" type="tx" preserve="1">
+<p:sldLayout xmlns:a="http://schemas.openxmlformats.org/drawingml/2006/main" xmlns:r="http://schemas.openxmlformats.org/officeDocument/2006/relationships" xmlns:p="http://schemas.openxmlformats.org/presentationml/2006/main" type="tx" preserve="1">
   <p:cSld name="Title Slide">
     <p:spTree>
       <p:nvGrpSpPr>
@@ -634,11 +756,12 @@
           </a:prstGeom>
         </p:spPr>
         <p:txBody>
-          <a:bodyPr lIns="0" rIns="0" tIns="0" bIns="0" anchor="ctr">
+          <a:bodyPr lIns="0" tIns="0" rIns="0" bIns="0" anchor="ctr">
             <a:noAutofit/>
           </a:bodyPr>
+          <a:lstStyle/>
           <a:p>
-            <a:endParaRPr b="0" lang="fr-FR" sz="1800" spc="-1" strike="noStrike">
+            <a:endParaRPr lang="fr-FR" sz="1800" b="0" strike="noStrike" spc="-1">
               <a:solidFill>
                 <a:srgbClr val="000000"/>
               </a:solidFill>
@@ -667,12 +790,13 @@
           </a:prstGeom>
         </p:spPr>
         <p:txBody>
-          <a:bodyPr lIns="0" rIns="0" tIns="0" bIns="0" anchor="ctr">
+          <a:bodyPr lIns="0" tIns="0" rIns="0" bIns="0" anchor="ctr">
             <a:noAutofit/>
           </a:bodyPr>
+          <a:lstStyle/>
           <a:p>
             <a:pPr algn="ctr"/>
-            <a:endParaRPr b="0" lang="fr-FR" sz="3200" spc="-1" strike="noStrike">
+            <a:endParaRPr lang="fr-FR" sz="3200" b="0" strike="noStrike" spc="-1">
               <a:latin typeface="Arial"/>
             </a:endParaRPr>
           </a:p>
@@ -680,11 +804,14 @@
       </p:sp>
     </p:spTree>
   </p:cSld>
+  <p:clrMapOvr>
+    <a:masterClrMapping/>
+  </p:clrMapOvr>
 </p:sldLayout>
 </file>
 
 <file path=ppt/slideLayouts/slideLayout3.xml><?xml version="1.0" encoding="utf-8"?>
-<p:sldLayout xmlns:a="http://schemas.openxmlformats.org/drawingml/2006/main" xmlns:p="http://schemas.openxmlformats.org/presentationml/2006/main" xmlns:r="http://schemas.openxmlformats.org/officeDocument/2006/relationships" xmlns:p14="http://schemas.microsoft.com/office/powerpoint/2010/main" xmlns:p15="http://schemas.microsoft.com/office/powerpoint/2012/main" xmlns:mc="http://schemas.openxmlformats.org/markup-compatibility/2006" type="obj" preserve="1">
+<p:sldLayout xmlns:a="http://schemas.openxmlformats.org/drawingml/2006/main" xmlns:r="http://schemas.openxmlformats.org/officeDocument/2006/relationships" xmlns:p="http://schemas.openxmlformats.org/presentationml/2006/main" type="obj" preserve="1">
   <p:cSld name="Title, Content">
     <p:spTree>
       <p:nvGrpSpPr>
@@ -720,11 +847,12 @@
           </a:prstGeom>
         </p:spPr>
         <p:txBody>
-          <a:bodyPr lIns="0" rIns="0" tIns="0" bIns="0" anchor="ctr">
+          <a:bodyPr lIns="0" tIns="0" rIns="0" bIns="0" anchor="ctr">
             <a:noAutofit/>
           </a:bodyPr>
+          <a:lstStyle/>
           <a:p>
-            <a:endParaRPr b="0" lang="fr-FR" sz="1800" spc="-1" strike="noStrike">
+            <a:endParaRPr lang="fr-FR" sz="1800" b="0" strike="noStrike" spc="-1">
               <a:solidFill>
                 <a:srgbClr val="000000"/>
               </a:solidFill>
@@ -753,11 +881,12 @@
           </a:prstGeom>
         </p:spPr>
         <p:txBody>
-          <a:bodyPr lIns="0" rIns="0" tIns="0" bIns="0">
+          <a:bodyPr lIns="0" tIns="0" rIns="0" bIns="0">
             <a:normAutofit/>
           </a:bodyPr>
+          <a:lstStyle/>
           <a:p>
-            <a:endParaRPr b="0" lang="fr-FR" sz="2800" spc="-1" strike="noStrike">
+            <a:endParaRPr lang="fr-FR" sz="2800" b="0" strike="noStrike" spc="-1">
               <a:solidFill>
                 <a:srgbClr val="000000"/>
               </a:solidFill>
@@ -768,11 +897,14 @@
       </p:sp>
     </p:spTree>
   </p:cSld>
+  <p:clrMapOvr>
+    <a:masterClrMapping/>
+  </p:clrMapOvr>
 </p:sldLayout>
 </file>
 
 <file path=ppt/slideLayouts/slideLayout4.xml><?xml version="1.0" encoding="utf-8"?>
-<p:sldLayout xmlns:a="http://schemas.openxmlformats.org/drawingml/2006/main" xmlns:p="http://schemas.openxmlformats.org/presentationml/2006/main" xmlns:r="http://schemas.openxmlformats.org/officeDocument/2006/relationships" xmlns:p14="http://schemas.microsoft.com/office/powerpoint/2010/main" xmlns:p15="http://schemas.microsoft.com/office/powerpoint/2012/main" xmlns:mc="http://schemas.openxmlformats.org/markup-compatibility/2006" type="twoObj" preserve="1">
+<p:sldLayout xmlns:a="http://schemas.openxmlformats.org/drawingml/2006/main" xmlns:r="http://schemas.openxmlformats.org/officeDocument/2006/relationships" xmlns:p="http://schemas.openxmlformats.org/presentationml/2006/main" type="twoObj" preserve="1">
   <p:cSld name="Title, 2 Content">
     <p:spTree>
       <p:nvGrpSpPr>
@@ -808,11 +940,12 @@
           </a:prstGeom>
         </p:spPr>
         <p:txBody>
-          <a:bodyPr lIns="0" rIns="0" tIns="0" bIns="0" anchor="ctr">
+          <a:bodyPr lIns="0" tIns="0" rIns="0" bIns="0" anchor="ctr">
             <a:noAutofit/>
           </a:bodyPr>
+          <a:lstStyle/>
           <a:p>
-            <a:endParaRPr b="0" lang="fr-FR" sz="1800" spc="-1" strike="noStrike">
+            <a:endParaRPr lang="fr-FR" sz="1800" b="0" strike="noStrike" spc="-1">
               <a:solidFill>
                 <a:srgbClr val="000000"/>
               </a:solidFill>
@@ -841,11 +974,12 @@
           </a:prstGeom>
         </p:spPr>
         <p:txBody>
-          <a:bodyPr lIns="0" rIns="0" tIns="0" bIns="0">
+          <a:bodyPr lIns="0" tIns="0" rIns="0" bIns="0">
             <a:normAutofit/>
           </a:bodyPr>
+          <a:lstStyle/>
           <a:p>
-            <a:endParaRPr b="0" lang="fr-FR" sz="2800" spc="-1" strike="noStrike">
+            <a:endParaRPr lang="fr-FR" sz="2800" b="0" strike="noStrike" spc="-1">
               <a:solidFill>
                 <a:srgbClr val="000000"/>
               </a:solidFill>
@@ -874,11 +1008,12 @@
           </a:prstGeom>
         </p:spPr>
         <p:txBody>
-          <a:bodyPr lIns="0" rIns="0" tIns="0" bIns="0">
+          <a:bodyPr lIns="0" tIns="0" rIns="0" bIns="0">
             <a:normAutofit/>
           </a:bodyPr>
+          <a:lstStyle/>
           <a:p>
-            <a:endParaRPr b="0" lang="fr-FR" sz="2800" spc="-1" strike="noStrike">
+            <a:endParaRPr lang="fr-FR" sz="2800" b="0" strike="noStrike" spc="-1">
               <a:solidFill>
                 <a:srgbClr val="000000"/>
               </a:solidFill>
@@ -889,11 +1024,14 @@
       </p:sp>
     </p:spTree>
   </p:cSld>
+  <p:clrMapOvr>
+    <a:masterClrMapping/>
+  </p:clrMapOvr>
 </p:sldLayout>
 </file>
 
 <file path=ppt/slideLayouts/slideLayout5.xml><?xml version="1.0" encoding="utf-8"?>
-<p:sldLayout xmlns:a="http://schemas.openxmlformats.org/drawingml/2006/main" xmlns:p="http://schemas.openxmlformats.org/presentationml/2006/main" xmlns:r="http://schemas.openxmlformats.org/officeDocument/2006/relationships" xmlns:p14="http://schemas.microsoft.com/office/powerpoint/2010/main" xmlns:p15="http://schemas.microsoft.com/office/powerpoint/2012/main" xmlns:mc="http://schemas.openxmlformats.org/markup-compatibility/2006" type="titleOnly" preserve="1">
+<p:sldLayout xmlns:a="http://schemas.openxmlformats.org/drawingml/2006/main" xmlns:r="http://schemas.openxmlformats.org/officeDocument/2006/relationships" xmlns:p="http://schemas.openxmlformats.org/presentationml/2006/main" type="titleOnly" preserve="1">
   <p:cSld name="Title Only">
     <p:spTree>
       <p:nvGrpSpPr>
@@ -929,11 +1067,12 @@
           </a:prstGeom>
         </p:spPr>
         <p:txBody>
-          <a:bodyPr lIns="0" rIns="0" tIns="0" bIns="0" anchor="ctr">
+          <a:bodyPr lIns="0" tIns="0" rIns="0" bIns="0" anchor="ctr">
             <a:noAutofit/>
           </a:bodyPr>
+          <a:lstStyle/>
           <a:p>
-            <a:endParaRPr b="0" lang="fr-FR" sz="1800" spc="-1" strike="noStrike">
+            <a:endParaRPr lang="fr-FR" sz="1800" b="0" strike="noStrike" spc="-1">
               <a:solidFill>
                 <a:srgbClr val="000000"/>
               </a:solidFill>
@@ -944,11 +1083,14 @@
       </p:sp>
     </p:spTree>
   </p:cSld>
+  <p:clrMapOvr>
+    <a:masterClrMapping/>
+  </p:clrMapOvr>
 </p:sldLayout>
 </file>
 
 <file path=ppt/slideLayouts/slideLayout6.xml><?xml version="1.0" encoding="utf-8"?>
-<p:sldLayout xmlns:a="http://schemas.openxmlformats.org/drawingml/2006/main" xmlns:p="http://schemas.openxmlformats.org/presentationml/2006/main" xmlns:r="http://schemas.openxmlformats.org/officeDocument/2006/relationships" xmlns:p14="http://schemas.microsoft.com/office/powerpoint/2010/main" xmlns:p15="http://schemas.microsoft.com/office/powerpoint/2012/main" xmlns:mc="http://schemas.openxmlformats.org/markup-compatibility/2006" type="objOnly" preserve="1">
+<p:sldLayout xmlns:a="http://schemas.openxmlformats.org/drawingml/2006/main" xmlns:r="http://schemas.openxmlformats.org/officeDocument/2006/relationships" xmlns:p="http://schemas.openxmlformats.org/presentationml/2006/main" type="objOnly" preserve="1">
   <p:cSld name="Centered Text">
     <p:spTree>
       <p:nvGrpSpPr>
@@ -984,12 +1126,13 @@
           </a:prstGeom>
         </p:spPr>
         <p:txBody>
-          <a:bodyPr lIns="0" rIns="0" tIns="0" bIns="0" anchor="ctr">
+          <a:bodyPr lIns="0" tIns="0" rIns="0" bIns="0" anchor="ctr">
             <a:noAutofit/>
           </a:bodyPr>
+          <a:lstStyle/>
           <a:p>
             <a:pPr algn="ctr"/>
-            <a:endParaRPr b="0" lang="fr-FR" sz="3200" spc="-1" strike="noStrike">
+            <a:endParaRPr lang="fr-FR" sz="3200" b="0" strike="noStrike" spc="-1">
               <a:latin typeface="Arial"/>
             </a:endParaRPr>
           </a:p>
@@ -997,11 +1140,14 @@
       </p:sp>
     </p:spTree>
   </p:cSld>
+  <p:clrMapOvr>
+    <a:masterClrMapping/>
+  </p:clrMapOvr>
 </p:sldLayout>
 </file>
 
 <file path=ppt/slideLayouts/slideLayout7.xml><?xml version="1.0" encoding="utf-8"?>
-<p:sldLayout xmlns:a="http://schemas.openxmlformats.org/drawingml/2006/main" xmlns:p="http://schemas.openxmlformats.org/presentationml/2006/main" xmlns:r="http://schemas.openxmlformats.org/officeDocument/2006/relationships" xmlns:p14="http://schemas.microsoft.com/office/powerpoint/2010/main" xmlns:p15="http://schemas.microsoft.com/office/powerpoint/2012/main" xmlns:mc="http://schemas.openxmlformats.org/markup-compatibility/2006" type="twoObjAndObj" preserve="1">
+<p:sldLayout xmlns:a="http://schemas.openxmlformats.org/drawingml/2006/main" xmlns:r="http://schemas.openxmlformats.org/officeDocument/2006/relationships" xmlns:p="http://schemas.openxmlformats.org/presentationml/2006/main" type="twoObjAndObj" preserve="1">
   <p:cSld name="Title, 2 Content and Content">
     <p:spTree>
       <p:nvGrpSpPr>
@@ -1037,11 +1183,12 @@
           </a:prstGeom>
         </p:spPr>
         <p:txBody>
-          <a:bodyPr lIns="0" rIns="0" tIns="0" bIns="0" anchor="ctr">
+          <a:bodyPr lIns="0" tIns="0" rIns="0" bIns="0" anchor="ctr">
             <a:noAutofit/>
           </a:bodyPr>
+          <a:lstStyle/>
           <a:p>
-            <a:endParaRPr b="0" lang="fr-FR" sz="1800" spc="-1" strike="noStrike">
+            <a:endParaRPr lang="fr-FR" sz="1800" b="0" strike="noStrike" spc="-1">
               <a:solidFill>
                 <a:srgbClr val="000000"/>
               </a:solidFill>
@@ -1070,11 +1217,12 @@
           </a:prstGeom>
         </p:spPr>
         <p:txBody>
-          <a:bodyPr lIns="0" rIns="0" tIns="0" bIns="0">
+          <a:bodyPr lIns="0" tIns="0" rIns="0" bIns="0">
             <a:normAutofit/>
           </a:bodyPr>
+          <a:lstStyle/>
           <a:p>
-            <a:endParaRPr b="0" lang="fr-FR" sz="2800" spc="-1" strike="noStrike">
+            <a:endParaRPr lang="fr-FR" sz="2800" b="0" strike="noStrike" spc="-1">
               <a:solidFill>
                 <a:srgbClr val="000000"/>
               </a:solidFill>
@@ -1103,11 +1251,12 @@
           </a:prstGeom>
         </p:spPr>
         <p:txBody>
-          <a:bodyPr lIns="0" rIns="0" tIns="0" bIns="0">
+          <a:bodyPr lIns="0" tIns="0" rIns="0" bIns="0">
             <a:normAutofit/>
           </a:bodyPr>
+          <a:lstStyle/>
           <a:p>
-            <a:endParaRPr b="0" lang="fr-FR" sz="2800" spc="-1" strike="noStrike">
+            <a:endParaRPr lang="fr-FR" sz="2800" b="0" strike="noStrike" spc="-1">
               <a:solidFill>
                 <a:srgbClr val="000000"/>
               </a:solidFill>
@@ -1136,11 +1285,12 @@
           </a:prstGeom>
         </p:spPr>
         <p:txBody>
-          <a:bodyPr lIns="0" rIns="0" tIns="0" bIns="0">
+          <a:bodyPr lIns="0" tIns="0" rIns="0" bIns="0">
             <a:normAutofit/>
           </a:bodyPr>
+          <a:lstStyle/>
           <a:p>
-            <a:endParaRPr b="0" lang="fr-FR" sz="2800" spc="-1" strike="noStrike">
+            <a:endParaRPr lang="fr-FR" sz="2800" b="0" strike="noStrike" spc="-1">
               <a:solidFill>
                 <a:srgbClr val="000000"/>
               </a:solidFill>
@@ -1151,11 +1301,14 @@
       </p:sp>
     </p:spTree>
   </p:cSld>
+  <p:clrMapOvr>
+    <a:masterClrMapping/>
+  </p:clrMapOvr>
 </p:sldLayout>
 </file>
 
 <file path=ppt/slideLayouts/slideLayout8.xml><?xml version="1.0" encoding="utf-8"?>
-<p:sldLayout xmlns:a="http://schemas.openxmlformats.org/drawingml/2006/main" xmlns:p="http://schemas.openxmlformats.org/presentationml/2006/main" xmlns:r="http://schemas.openxmlformats.org/officeDocument/2006/relationships" xmlns:p14="http://schemas.microsoft.com/office/powerpoint/2010/main" xmlns:p15="http://schemas.microsoft.com/office/powerpoint/2012/main" xmlns:mc="http://schemas.openxmlformats.org/markup-compatibility/2006" type="objAndTwoObj" preserve="1">
+<p:sldLayout xmlns:a="http://schemas.openxmlformats.org/drawingml/2006/main" xmlns:r="http://schemas.openxmlformats.org/officeDocument/2006/relationships" xmlns:p="http://schemas.openxmlformats.org/presentationml/2006/main" type="objAndTwoObj" preserve="1">
   <p:cSld name="Title Content and 2 Content">
     <p:spTree>
       <p:nvGrpSpPr>
@@ -1191,11 +1344,12 @@
           </a:prstGeom>
         </p:spPr>
         <p:txBody>
-          <a:bodyPr lIns="0" rIns="0" tIns="0" bIns="0" anchor="ctr">
+          <a:bodyPr lIns="0" tIns="0" rIns="0" bIns="0" anchor="ctr">
             <a:noAutofit/>
           </a:bodyPr>
+          <a:lstStyle/>
           <a:p>
-            <a:endParaRPr b="0" lang="fr-FR" sz="1800" spc="-1" strike="noStrike">
+            <a:endParaRPr lang="fr-FR" sz="1800" b="0" strike="noStrike" spc="-1">
               <a:solidFill>
                 <a:srgbClr val="000000"/>
               </a:solidFill>
@@ -1224,11 +1378,12 @@
           </a:prstGeom>
         </p:spPr>
         <p:txBody>
-          <a:bodyPr lIns="0" rIns="0" tIns="0" bIns="0">
+          <a:bodyPr lIns="0" tIns="0" rIns="0" bIns="0">
             <a:normAutofit/>
           </a:bodyPr>
+          <a:lstStyle/>
           <a:p>
-            <a:endParaRPr b="0" lang="fr-FR" sz="2800" spc="-1" strike="noStrike">
+            <a:endParaRPr lang="fr-FR" sz="2800" b="0" strike="noStrike" spc="-1">
               <a:solidFill>
                 <a:srgbClr val="000000"/>
               </a:solidFill>
@@ -1257,11 +1412,12 @@
           </a:prstGeom>
         </p:spPr>
         <p:txBody>
-          <a:bodyPr lIns="0" rIns="0" tIns="0" bIns="0">
+          <a:bodyPr lIns="0" tIns="0" rIns="0" bIns="0">
             <a:normAutofit/>
           </a:bodyPr>
+          <a:lstStyle/>
           <a:p>
-            <a:endParaRPr b="0" lang="fr-FR" sz="2800" spc="-1" strike="noStrike">
+            <a:endParaRPr lang="fr-FR" sz="2800" b="0" strike="noStrike" spc="-1">
               <a:solidFill>
                 <a:srgbClr val="000000"/>
               </a:solidFill>
@@ -1290,11 +1446,12 @@
           </a:prstGeom>
         </p:spPr>
         <p:txBody>
-          <a:bodyPr lIns="0" rIns="0" tIns="0" bIns="0">
+          <a:bodyPr lIns="0" tIns="0" rIns="0" bIns="0">
             <a:normAutofit/>
           </a:bodyPr>
+          <a:lstStyle/>
           <a:p>
-            <a:endParaRPr b="0" lang="fr-FR" sz="2800" spc="-1" strike="noStrike">
+            <a:endParaRPr lang="fr-FR" sz="2800" b="0" strike="noStrike" spc="-1">
               <a:solidFill>
                 <a:srgbClr val="000000"/>
               </a:solidFill>
@@ -1305,11 +1462,14 @@
       </p:sp>
     </p:spTree>
   </p:cSld>
+  <p:clrMapOvr>
+    <a:masterClrMapping/>
+  </p:clrMapOvr>
 </p:sldLayout>
 </file>
 
 <file path=ppt/slideLayouts/slideLayout9.xml><?xml version="1.0" encoding="utf-8"?>
-<p:sldLayout xmlns:a="http://schemas.openxmlformats.org/drawingml/2006/main" xmlns:p="http://schemas.openxmlformats.org/presentationml/2006/main" xmlns:r="http://schemas.openxmlformats.org/officeDocument/2006/relationships" xmlns:p14="http://schemas.microsoft.com/office/powerpoint/2010/main" xmlns:p15="http://schemas.microsoft.com/office/powerpoint/2012/main" xmlns:mc="http://schemas.openxmlformats.org/markup-compatibility/2006" type="twoObjOverTx" preserve="1">
+<p:sldLayout xmlns:a="http://schemas.openxmlformats.org/drawingml/2006/main" xmlns:r="http://schemas.openxmlformats.org/officeDocument/2006/relationships" xmlns:p="http://schemas.openxmlformats.org/presentationml/2006/main" type="twoObjOverTx" preserve="1">
   <p:cSld name="Title, 2 Content over Content">
     <p:spTree>
       <p:nvGrpSpPr>
@@ -1345,11 +1505,12 @@
           </a:prstGeom>
         </p:spPr>
         <p:txBody>
-          <a:bodyPr lIns="0" rIns="0" tIns="0" bIns="0" anchor="ctr">
+          <a:bodyPr lIns="0" tIns="0" rIns="0" bIns="0" anchor="ctr">
             <a:noAutofit/>
           </a:bodyPr>
+          <a:lstStyle/>
           <a:p>
-            <a:endParaRPr b="0" lang="fr-FR" sz="1800" spc="-1" strike="noStrike">
+            <a:endParaRPr lang="fr-FR" sz="1800" b="0" strike="noStrike" spc="-1">
               <a:solidFill>
                 <a:srgbClr val="000000"/>
               </a:solidFill>
@@ -1378,11 +1539,12 @@
           </a:prstGeom>
         </p:spPr>
         <p:txBody>
-          <a:bodyPr lIns="0" rIns="0" tIns="0" bIns="0">
+          <a:bodyPr lIns="0" tIns="0" rIns="0" bIns="0">
             <a:normAutofit/>
           </a:bodyPr>
+          <a:lstStyle/>
           <a:p>
-            <a:endParaRPr b="0" lang="fr-FR" sz="2800" spc="-1" strike="noStrike">
+            <a:endParaRPr lang="fr-FR" sz="2800" b="0" strike="noStrike" spc="-1">
               <a:solidFill>
                 <a:srgbClr val="000000"/>
               </a:solidFill>
@@ -1411,11 +1573,12 @@
           </a:prstGeom>
         </p:spPr>
         <p:txBody>
-          <a:bodyPr lIns="0" rIns="0" tIns="0" bIns="0">
+          <a:bodyPr lIns="0" tIns="0" rIns="0" bIns="0">
             <a:normAutofit/>
           </a:bodyPr>
+          <a:lstStyle/>
           <a:p>
-            <a:endParaRPr b="0" lang="fr-FR" sz="2800" spc="-1" strike="noStrike">
+            <a:endParaRPr lang="fr-FR" sz="2800" b="0" strike="noStrike" spc="-1">
               <a:solidFill>
                 <a:srgbClr val="000000"/>
               </a:solidFill>
@@ -1444,11 +1607,12 @@
           </a:prstGeom>
         </p:spPr>
         <p:txBody>
-          <a:bodyPr lIns="0" rIns="0" tIns="0" bIns="0">
+          <a:bodyPr lIns="0" tIns="0" rIns="0" bIns="0">
             <a:normAutofit/>
           </a:bodyPr>
+          <a:lstStyle/>
           <a:p>
-            <a:endParaRPr b="0" lang="fr-FR" sz="2800" spc="-1" strike="noStrike">
+            <a:endParaRPr lang="fr-FR" sz="2800" b="0" strike="noStrike" spc="-1">
               <a:solidFill>
                 <a:srgbClr val="000000"/>
               </a:solidFill>
@@ -1459,17 +1623,21 @@
       </p:sp>
     </p:spTree>
   </p:cSld>
+  <p:clrMapOvr>
+    <a:masterClrMapping/>
+  </p:clrMapOvr>
 </p:sldLayout>
 </file>
 
 <file path=ppt/slideMasters/slideMaster1.xml><?xml version="1.0" encoding="utf-8"?>
-<p:sldMaster xmlns:a="http://schemas.openxmlformats.org/drawingml/2006/main" xmlns:p="http://schemas.openxmlformats.org/presentationml/2006/main" xmlns:r="http://schemas.openxmlformats.org/officeDocument/2006/relationships" xmlns:p14="http://schemas.microsoft.com/office/powerpoint/2010/main" xmlns:p15="http://schemas.microsoft.com/office/powerpoint/2012/main" xmlns:mc="http://schemas.openxmlformats.org/markup-compatibility/2006">
+<p:sldMaster xmlns:a="http://schemas.openxmlformats.org/drawingml/2006/main" xmlns:r="http://schemas.openxmlformats.org/officeDocument/2006/relationships" xmlns:p="http://schemas.openxmlformats.org/presentationml/2006/main">
   <p:cSld>
     <p:bg>
       <p:bgPr>
         <a:solidFill>
-          <a:srgbClr val="ffffff"/>
+          <a:srgbClr val="FFFFFF"/>
         </a:solidFill>
+        <a:effectLst/>
       </p:bgPr>
     </p:bg>
     <p:spTree>
@@ -1488,7 +1656,7 @@
       </p:grpSpPr>
       <p:sp>
         <p:nvSpPr>
-          <p:cNvPr id="0" name="PlaceHolder 1"/>
+          <p:cNvPr id="5" name="PlaceHolder 1"/>
           <p:cNvSpPr>
             <a:spLocks noGrp="1"/>
           </p:cNvSpPr>
@@ -1509,6 +1677,7 @@
           <a:bodyPr anchor="b">
             <a:noAutofit/>
           </a:bodyPr>
+          <a:lstStyle/>
           <a:p>
             <a:pPr algn="ctr">
               <a:lnSpc>
@@ -1516,7 +1685,7 @@
               </a:lnSpc>
             </a:pPr>
             <a:r>
-              <a:rPr b="0" lang="en-US" sz="6000" spc="-1" strike="noStrike">
+              <a:rPr lang="en-US" sz="6000" b="0" strike="noStrike" spc="-1">
                 <a:solidFill>
                   <a:srgbClr val="000000"/>
                 </a:solidFill>
@@ -1524,7 +1693,7 @@
               </a:rPr>
               <a:t>Click to edit Master title style</a:t>
             </a:r>
-            <a:endParaRPr b="0" lang="fr-FR" sz="6000" spc="-1" strike="noStrike">
+            <a:endParaRPr lang="fr-FR" sz="6000" b="0" strike="noStrike" spc="-1">
               <a:solidFill>
                 <a:srgbClr val="000000"/>
               </a:solidFill>
@@ -1535,7 +1704,7 @@
       </p:sp>
       <p:sp>
         <p:nvSpPr>
-          <p:cNvPr id="1" name="PlaceHolder 2"/>
+          <p:cNvPr id="6" name="PlaceHolder 2"/>
           <p:cNvSpPr>
             <a:spLocks noGrp="1"/>
           </p:cNvSpPr>
@@ -1556,6 +1725,7 @@
           <a:bodyPr anchor="ctr">
             <a:noAutofit/>
           </a:bodyPr>
+          <a:lstStyle/>
           <a:p>
             <a:pPr>
               <a:lnSpc>
@@ -1563,15 +1733,15 @@
               </a:lnSpc>
             </a:pPr>
             <a:fld id="{831B050E-547D-49C6-A236-550D0382D2E8}" type="datetime">
-              <a:rPr b="0" lang="fr-FR" sz="1200" spc="-1" strike="noStrike">
+              <a:rPr lang="fr-FR" sz="1200" b="0" strike="noStrike" spc="-1">
                 <a:solidFill>
-                  <a:srgbClr val="8b8b8b"/>
+                  <a:srgbClr val="8B8B8B"/>
                 </a:solidFill>
                 <a:latin typeface="Calibri"/>
               </a:rPr>
               <a:t>11/12/2020</a:t>
             </a:fld>
-            <a:endParaRPr b="0" lang="fr-FR" sz="1200" spc="-1" strike="noStrike">
+            <a:endParaRPr lang="fr-FR" sz="1200" b="0" strike="noStrike" spc="-1">
               <a:latin typeface="Times New Roman"/>
             </a:endParaRPr>
           </a:p>
@@ -1600,8 +1770,9 @@
           <a:bodyPr anchor="ctr">
             <a:noAutofit/>
           </a:bodyPr>
+          <a:lstStyle/>
           <a:p>
-            <a:endParaRPr b="0" lang="fr-FR" sz="2400" spc="-1" strike="noStrike">
+            <a:endParaRPr lang="fr-FR" sz="2400" b="0" strike="noStrike" spc="-1">
               <a:latin typeface="Times New Roman"/>
             </a:endParaRPr>
           </a:p>
@@ -1630,6 +1801,7 @@
           <a:bodyPr anchor="ctr">
             <a:noAutofit/>
           </a:bodyPr>
+          <a:lstStyle/>
           <a:p>
             <a:pPr algn="r">
               <a:lnSpc>
@@ -1637,15 +1809,15 @@
               </a:lnSpc>
             </a:pPr>
             <a:fld id="{E7BCEC43-EAF1-4663-8546-271A937A08C6}" type="slidenum">
-              <a:rPr b="0" lang="fr-FR" sz="1200" spc="-1" strike="noStrike">
+              <a:rPr lang="fr-FR" sz="1200" b="0" strike="noStrike" spc="-1">
                 <a:solidFill>
-                  <a:srgbClr val="8b8b8b"/>
+                  <a:srgbClr val="8B8B8B"/>
                 </a:solidFill>
                 <a:latin typeface="Calibri"/>
               </a:rPr>
-              <a:t>&lt;numéro&gt;</a:t>
+              <a:t>‹#›</a:t>
             </a:fld>
-            <a:endParaRPr b="0" lang="fr-FR" sz="1200" spc="-1" strike="noStrike">
+            <a:endParaRPr lang="fr-FR" sz="1200" b="0" strike="noStrike" spc="-1">
               <a:latin typeface="Times New Roman"/>
             </a:endParaRPr>
           </a:p>
@@ -1671,9 +1843,10 @@
           </a:prstGeom>
         </p:spPr>
         <p:txBody>
-          <a:bodyPr lIns="0" rIns="0" tIns="0" bIns="0">
+          <a:bodyPr lIns="0" tIns="0" rIns="0" bIns="0">
             <a:normAutofit/>
           </a:bodyPr>
+          <a:lstStyle/>
           <a:p>
             <a:pPr marL="432000" indent="-324000">
               <a:spcBef>
@@ -1687,7 +1860,7 @@
               <a:buChar char=""/>
             </a:pPr>
             <a:r>
-              <a:rPr b="0" lang="fr-FR" sz="2800" spc="-1" strike="noStrike">
+              <a:rPr lang="fr-FR" sz="2800" b="0" strike="noStrike" spc="-1">
                 <a:solidFill>
                   <a:srgbClr val="000000"/>
                 </a:solidFill>
@@ -1695,15 +1868,9 @@
               </a:rPr>
               <a:t>Cliquez pour éditer le format du plan de texte</a:t>
             </a:r>
-            <a:endParaRPr b="0" lang="fr-FR" sz="2800" spc="-1" strike="noStrike">
-              <a:solidFill>
-                <a:srgbClr val="000000"/>
-              </a:solidFill>
-              <a:latin typeface="Calibri"/>
-            </a:endParaRPr>
           </a:p>
           <a:p>
-            <a:pPr lvl="1" marL="864000" indent="-324000">
+            <a:pPr marL="864000" lvl="1" indent="-324000">
               <a:spcBef>
                 <a:spcPts val="1134"/>
               </a:spcBef>
@@ -1715,7 +1882,7 @@
               <a:buChar char=""/>
             </a:pPr>
             <a:r>
-              <a:rPr b="0" lang="fr-FR" sz="2000" spc="-1" strike="noStrike">
+              <a:rPr lang="fr-FR" sz="2000" b="0" strike="noStrike" spc="-1">
                 <a:solidFill>
                   <a:srgbClr val="000000"/>
                 </a:solidFill>
@@ -1723,15 +1890,9 @@
               </a:rPr>
               <a:t>Second niveau de plan</a:t>
             </a:r>
-            <a:endParaRPr b="0" lang="fr-FR" sz="2000" spc="-1" strike="noStrike">
-              <a:solidFill>
-                <a:srgbClr val="000000"/>
-              </a:solidFill>
-              <a:latin typeface="Calibri"/>
-            </a:endParaRPr>
           </a:p>
           <a:p>
-            <a:pPr lvl="2" marL="1296000" indent="-288000">
+            <a:pPr marL="1296000" lvl="2" indent="-288000">
               <a:spcBef>
                 <a:spcPts val="850"/>
               </a:spcBef>
@@ -1743,7 +1904,7 @@
               <a:buChar char=""/>
             </a:pPr>
             <a:r>
-              <a:rPr b="0" lang="fr-FR" sz="1800" spc="-1" strike="noStrike">
+              <a:rPr lang="fr-FR" sz="1800" b="0" strike="noStrike" spc="-1">
                 <a:solidFill>
                   <a:srgbClr val="000000"/>
                 </a:solidFill>
@@ -1751,15 +1912,9 @@
               </a:rPr>
               <a:t>Troisième niveau de plan</a:t>
             </a:r>
-            <a:endParaRPr b="0" lang="fr-FR" sz="1800" spc="-1" strike="noStrike">
-              <a:solidFill>
-                <a:srgbClr val="000000"/>
-              </a:solidFill>
-              <a:latin typeface="Calibri"/>
-            </a:endParaRPr>
           </a:p>
           <a:p>
-            <a:pPr lvl="3" marL="1728000" indent="-216000">
+            <a:pPr marL="1728000" lvl="3" indent="-216000">
               <a:spcBef>
                 <a:spcPts val="567"/>
               </a:spcBef>
@@ -1771,7 +1926,7 @@
               <a:buChar char=""/>
             </a:pPr>
             <a:r>
-              <a:rPr b="0" lang="fr-FR" sz="1800" spc="-1" strike="noStrike">
+              <a:rPr lang="fr-FR" sz="1800" b="0" strike="noStrike" spc="-1">
                 <a:solidFill>
                   <a:srgbClr val="000000"/>
                 </a:solidFill>
@@ -1779,15 +1934,9 @@
               </a:rPr>
               <a:t>Quatrième niveau de plan</a:t>
             </a:r>
-            <a:endParaRPr b="0" lang="fr-FR" sz="1800" spc="-1" strike="noStrike">
-              <a:solidFill>
-                <a:srgbClr val="000000"/>
-              </a:solidFill>
-              <a:latin typeface="Calibri"/>
-            </a:endParaRPr>
           </a:p>
           <a:p>
-            <a:pPr lvl="4" marL="2160000" indent="-216000">
+            <a:pPr marL="2160000" lvl="4" indent="-216000">
               <a:spcBef>
                 <a:spcPts val="283"/>
               </a:spcBef>
@@ -1799,7 +1948,7 @@
               <a:buChar char=""/>
             </a:pPr>
             <a:r>
-              <a:rPr b="0" lang="fr-FR" sz="2000" spc="-1" strike="noStrike">
+              <a:rPr lang="fr-FR" sz="2000" b="0" strike="noStrike" spc="-1">
                 <a:solidFill>
                   <a:srgbClr val="000000"/>
                 </a:solidFill>
@@ -1807,15 +1956,9 @@
               </a:rPr>
               <a:t>Cinquième niveau de plan</a:t>
             </a:r>
-            <a:endParaRPr b="0" lang="fr-FR" sz="2000" spc="-1" strike="noStrike">
-              <a:solidFill>
-                <a:srgbClr val="000000"/>
-              </a:solidFill>
-              <a:latin typeface="Calibri"/>
-            </a:endParaRPr>
           </a:p>
           <a:p>
-            <a:pPr lvl="5" marL="2592000" indent="-216000">
+            <a:pPr marL="2592000" lvl="5" indent="-216000">
               <a:spcBef>
                 <a:spcPts val="283"/>
               </a:spcBef>
@@ -1827,7 +1970,7 @@
               <a:buChar char=""/>
             </a:pPr>
             <a:r>
-              <a:rPr b="0" lang="fr-FR" sz="2000" spc="-1" strike="noStrike">
+              <a:rPr lang="fr-FR" sz="2000" b="0" strike="noStrike" spc="-1">
                 <a:solidFill>
                   <a:srgbClr val="000000"/>
                 </a:solidFill>
@@ -1835,15 +1978,9 @@
               </a:rPr>
               <a:t>Sixième niveau de plan</a:t>
             </a:r>
-            <a:endParaRPr b="0" lang="fr-FR" sz="2000" spc="-1" strike="noStrike">
-              <a:solidFill>
-                <a:srgbClr val="000000"/>
-              </a:solidFill>
-              <a:latin typeface="Calibri"/>
-            </a:endParaRPr>
           </a:p>
           <a:p>
-            <a:pPr lvl="6" marL="3024000" indent="-216000">
+            <a:pPr marL="3024000" lvl="6" indent="-216000">
               <a:spcBef>
                 <a:spcPts val="283"/>
               </a:spcBef>
@@ -1855,7 +1992,7 @@
               <a:buChar char=""/>
             </a:pPr>
             <a:r>
-              <a:rPr b="0" lang="fr-FR" sz="2000" spc="-1" strike="noStrike">
+              <a:rPr lang="fr-FR" sz="2000" b="0" strike="noStrike" spc="-1">
                 <a:solidFill>
                   <a:srgbClr val="000000"/>
                 </a:solidFill>
@@ -1863,37 +2000,311 @@
               </a:rPr>
               <a:t>Septième niveau de plan</a:t>
             </a:r>
-            <a:endParaRPr b="0" lang="fr-FR" sz="2000" spc="-1" strike="noStrike">
-              <a:solidFill>
-                <a:srgbClr val="000000"/>
-              </a:solidFill>
-              <a:latin typeface="Calibri"/>
-            </a:endParaRPr>
           </a:p>
         </p:txBody>
       </p:sp>
     </p:spTree>
   </p:cSld>
-  <p:clrMap bg1="lt1" bg2="lt2" tx1="dk1" tx2="dk2" accent1="accent1" accent2="accent2" accent3="accent3" accent4="accent4" accent5="accent5" accent6="accent6" hlink="hlink" folHlink="folHlink"/>
+  <p:clrMap bg1="lt1" tx1="dk1" bg2="lt2" tx2="dk2" accent1="accent1" accent2="accent2" accent3="accent3" accent4="accent4" accent5="accent5" accent6="accent6" hlink="hlink" folHlink="folHlink"/>
   <p:sldLayoutIdLst>
-    <p:sldLayoutId id="2147483649" r:id="rId2"/>
-    <p:sldLayoutId id="2147483650" r:id="rId3"/>
-    <p:sldLayoutId id="2147483651" r:id="rId4"/>
-    <p:sldLayoutId id="2147483652" r:id="rId5"/>
-    <p:sldLayoutId id="2147483653" r:id="rId6"/>
-    <p:sldLayoutId id="2147483654" r:id="rId7"/>
-    <p:sldLayoutId id="2147483655" r:id="rId8"/>
-    <p:sldLayoutId id="2147483656" r:id="rId9"/>
-    <p:sldLayoutId id="2147483657" r:id="rId10"/>
-    <p:sldLayoutId id="2147483658" r:id="rId11"/>
-    <p:sldLayoutId id="2147483659" r:id="rId12"/>
-    <p:sldLayoutId id="2147483660" r:id="rId13"/>
+    <p:sldLayoutId id="2147483649" r:id="rId1"/>
+    <p:sldLayoutId id="2147483650" r:id="rId2"/>
+    <p:sldLayoutId id="2147483651" r:id="rId3"/>
+    <p:sldLayoutId id="2147483652" r:id="rId4"/>
+    <p:sldLayoutId id="2147483653" r:id="rId5"/>
+    <p:sldLayoutId id="2147483654" r:id="rId6"/>
+    <p:sldLayoutId id="2147483655" r:id="rId7"/>
+    <p:sldLayoutId id="2147483656" r:id="rId8"/>
+    <p:sldLayoutId id="2147483657" r:id="rId9"/>
+    <p:sldLayoutId id="2147483658" r:id="rId10"/>
+    <p:sldLayoutId id="2147483659" r:id="rId11"/>
+    <p:sldLayoutId id="2147483660" r:id="rId12"/>
   </p:sldLayoutIdLst>
+  <p:txStyles>
+    <p:titleStyle>
+      <a:lvl1pPr algn="l" defTabSz="914400" rtl="0" eaLnBrk="1" latinLnBrk="0" hangingPunct="1">
+        <a:lnSpc>
+          <a:spcPct val="90000"/>
+        </a:lnSpc>
+        <a:spcBef>
+          <a:spcPct val="0"/>
+        </a:spcBef>
+        <a:buNone/>
+        <a:defRPr sz="4400" kern="1200">
+          <a:solidFill>
+            <a:schemeClr val="tx1"/>
+          </a:solidFill>
+          <a:latin typeface="+mj-lt"/>
+          <a:ea typeface="+mj-ea"/>
+          <a:cs typeface="+mj-cs"/>
+        </a:defRPr>
+      </a:lvl1pPr>
+    </p:titleStyle>
+    <p:bodyStyle>
+      <a:lvl1pPr marL="228600" indent="-228600" algn="l" defTabSz="914400" rtl="0" eaLnBrk="1" latinLnBrk="0" hangingPunct="1">
+        <a:lnSpc>
+          <a:spcPct val="90000"/>
+        </a:lnSpc>
+        <a:spcBef>
+          <a:spcPts val="1000"/>
+        </a:spcBef>
+        <a:buFont typeface="Arial" panose="020B0604020202020204" pitchFamily="34" charset="0"/>
+        <a:buChar char="•"/>
+        <a:defRPr sz="2800" kern="1200">
+          <a:solidFill>
+            <a:schemeClr val="tx1"/>
+          </a:solidFill>
+          <a:latin typeface="+mn-lt"/>
+          <a:ea typeface="+mn-ea"/>
+          <a:cs typeface="+mn-cs"/>
+        </a:defRPr>
+      </a:lvl1pPr>
+      <a:lvl2pPr marL="685800" indent="-228600" algn="l" defTabSz="914400" rtl="0" eaLnBrk="1" latinLnBrk="0" hangingPunct="1">
+        <a:lnSpc>
+          <a:spcPct val="90000"/>
+        </a:lnSpc>
+        <a:spcBef>
+          <a:spcPts val="500"/>
+        </a:spcBef>
+        <a:buFont typeface="Arial" panose="020B0604020202020204" pitchFamily="34" charset="0"/>
+        <a:buChar char="•"/>
+        <a:defRPr sz="2400" kern="1200">
+          <a:solidFill>
+            <a:schemeClr val="tx1"/>
+          </a:solidFill>
+          <a:latin typeface="+mn-lt"/>
+          <a:ea typeface="+mn-ea"/>
+          <a:cs typeface="+mn-cs"/>
+        </a:defRPr>
+      </a:lvl2pPr>
+      <a:lvl3pPr marL="1143000" indent="-228600" algn="l" defTabSz="914400" rtl="0" eaLnBrk="1" latinLnBrk="0" hangingPunct="1">
+        <a:lnSpc>
+          <a:spcPct val="90000"/>
+        </a:lnSpc>
+        <a:spcBef>
+          <a:spcPts val="500"/>
+        </a:spcBef>
+        <a:buFont typeface="Arial" panose="020B0604020202020204" pitchFamily="34" charset="0"/>
+        <a:buChar char="•"/>
+        <a:defRPr sz="2000" kern="1200">
+          <a:solidFill>
+            <a:schemeClr val="tx1"/>
+          </a:solidFill>
+          <a:latin typeface="+mn-lt"/>
+          <a:ea typeface="+mn-ea"/>
+          <a:cs typeface="+mn-cs"/>
+        </a:defRPr>
+      </a:lvl3pPr>
+      <a:lvl4pPr marL="1600200" indent="-228600" algn="l" defTabSz="914400" rtl="0" eaLnBrk="1" latinLnBrk="0" hangingPunct="1">
+        <a:lnSpc>
+          <a:spcPct val="90000"/>
+        </a:lnSpc>
+        <a:spcBef>
+          <a:spcPts val="500"/>
+        </a:spcBef>
+        <a:buFont typeface="Arial" panose="020B0604020202020204" pitchFamily="34" charset="0"/>
+        <a:buChar char="•"/>
+        <a:defRPr sz="1800" kern="1200">
+          <a:solidFill>
+            <a:schemeClr val="tx1"/>
+          </a:solidFill>
+          <a:latin typeface="+mn-lt"/>
+          <a:ea typeface="+mn-ea"/>
+          <a:cs typeface="+mn-cs"/>
+        </a:defRPr>
+      </a:lvl4pPr>
+      <a:lvl5pPr marL="2057400" indent="-228600" algn="l" defTabSz="914400" rtl="0" eaLnBrk="1" latinLnBrk="0" hangingPunct="1">
+        <a:lnSpc>
+          <a:spcPct val="90000"/>
+        </a:lnSpc>
+        <a:spcBef>
+          <a:spcPts val="500"/>
+        </a:spcBef>
+        <a:buFont typeface="Arial" panose="020B0604020202020204" pitchFamily="34" charset="0"/>
+        <a:buChar char="•"/>
+        <a:defRPr sz="1800" kern="1200">
+          <a:solidFill>
+            <a:schemeClr val="tx1"/>
+          </a:solidFill>
+          <a:latin typeface="+mn-lt"/>
+          <a:ea typeface="+mn-ea"/>
+          <a:cs typeface="+mn-cs"/>
+        </a:defRPr>
+      </a:lvl5pPr>
+      <a:lvl6pPr marL="2514600" indent="-228600" algn="l" defTabSz="914400" rtl="0" eaLnBrk="1" latinLnBrk="0" hangingPunct="1">
+        <a:lnSpc>
+          <a:spcPct val="90000"/>
+        </a:lnSpc>
+        <a:spcBef>
+          <a:spcPts val="500"/>
+        </a:spcBef>
+        <a:buFont typeface="Arial" panose="020B0604020202020204" pitchFamily="34" charset="0"/>
+        <a:buChar char="•"/>
+        <a:defRPr sz="1800" kern="1200">
+          <a:solidFill>
+            <a:schemeClr val="tx1"/>
+          </a:solidFill>
+          <a:latin typeface="+mn-lt"/>
+          <a:ea typeface="+mn-ea"/>
+          <a:cs typeface="+mn-cs"/>
+        </a:defRPr>
+      </a:lvl6pPr>
+      <a:lvl7pPr marL="2971800" indent="-228600" algn="l" defTabSz="914400" rtl="0" eaLnBrk="1" latinLnBrk="0" hangingPunct="1">
+        <a:lnSpc>
+          <a:spcPct val="90000"/>
+        </a:lnSpc>
+        <a:spcBef>
+          <a:spcPts val="500"/>
+        </a:spcBef>
+        <a:buFont typeface="Arial" panose="020B0604020202020204" pitchFamily="34" charset="0"/>
+        <a:buChar char="•"/>
+        <a:defRPr sz="1800" kern="1200">
+          <a:solidFill>
+            <a:schemeClr val="tx1"/>
+          </a:solidFill>
+          <a:latin typeface="+mn-lt"/>
+          <a:ea typeface="+mn-ea"/>
+          <a:cs typeface="+mn-cs"/>
+        </a:defRPr>
+      </a:lvl7pPr>
+      <a:lvl8pPr marL="3429000" indent="-228600" algn="l" defTabSz="914400" rtl="0" eaLnBrk="1" latinLnBrk="0" hangingPunct="1">
+        <a:lnSpc>
+          <a:spcPct val="90000"/>
+        </a:lnSpc>
+        <a:spcBef>
+          <a:spcPts val="500"/>
+        </a:spcBef>
+        <a:buFont typeface="Arial" panose="020B0604020202020204" pitchFamily="34" charset="0"/>
+        <a:buChar char="•"/>
+        <a:defRPr sz="1800" kern="1200">
+          <a:solidFill>
+            <a:schemeClr val="tx1"/>
+          </a:solidFill>
+          <a:latin typeface="+mn-lt"/>
+          <a:ea typeface="+mn-ea"/>
+          <a:cs typeface="+mn-cs"/>
+        </a:defRPr>
+      </a:lvl8pPr>
+      <a:lvl9pPr marL="3886200" indent="-228600" algn="l" defTabSz="914400" rtl="0" eaLnBrk="1" latinLnBrk="0" hangingPunct="1">
+        <a:lnSpc>
+          <a:spcPct val="90000"/>
+        </a:lnSpc>
+        <a:spcBef>
+          <a:spcPts val="500"/>
+        </a:spcBef>
+        <a:buFont typeface="Arial" panose="020B0604020202020204" pitchFamily="34" charset="0"/>
+        <a:buChar char="•"/>
+        <a:defRPr sz="1800" kern="1200">
+          <a:solidFill>
+            <a:schemeClr val="tx1"/>
+          </a:solidFill>
+          <a:latin typeface="+mn-lt"/>
+          <a:ea typeface="+mn-ea"/>
+          <a:cs typeface="+mn-cs"/>
+        </a:defRPr>
+      </a:lvl9pPr>
+    </p:bodyStyle>
+    <p:otherStyle>
+      <a:defPPr>
+        <a:defRPr lang="fr-FR"/>
+      </a:defPPr>
+      <a:lvl1pPr marL="0" algn="l" defTabSz="914400" rtl="0" eaLnBrk="1" latinLnBrk="0" hangingPunct="1">
+        <a:defRPr sz="1800" kern="1200">
+          <a:solidFill>
+            <a:schemeClr val="tx1"/>
+          </a:solidFill>
+          <a:latin typeface="+mn-lt"/>
+          <a:ea typeface="+mn-ea"/>
+          <a:cs typeface="+mn-cs"/>
+        </a:defRPr>
+      </a:lvl1pPr>
+      <a:lvl2pPr marL="457200" algn="l" defTabSz="914400" rtl="0" eaLnBrk="1" latinLnBrk="0" hangingPunct="1">
+        <a:defRPr sz="1800" kern="1200">
+          <a:solidFill>
+            <a:schemeClr val="tx1"/>
+          </a:solidFill>
+          <a:latin typeface="+mn-lt"/>
+          <a:ea typeface="+mn-ea"/>
+          <a:cs typeface="+mn-cs"/>
+        </a:defRPr>
+      </a:lvl2pPr>
+      <a:lvl3pPr marL="914400" algn="l" defTabSz="914400" rtl="0" eaLnBrk="1" latinLnBrk="0" hangingPunct="1">
+        <a:defRPr sz="1800" kern="1200">
+          <a:solidFill>
+            <a:schemeClr val="tx1"/>
+          </a:solidFill>
+          <a:latin typeface="+mn-lt"/>
+          <a:ea typeface="+mn-ea"/>
+          <a:cs typeface="+mn-cs"/>
+        </a:defRPr>
+      </a:lvl3pPr>
+      <a:lvl4pPr marL="1371600" algn="l" defTabSz="914400" rtl="0" eaLnBrk="1" latinLnBrk="0" hangingPunct="1">
+        <a:defRPr sz="1800" kern="1200">
+          <a:solidFill>
+            <a:schemeClr val="tx1"/>
+          </a:solidFill>
+          <a:latin typeface="+mn-lt"/>
+          <a:ea typeface="+mn-ea"/>
+          <a:cs typeface="+mn-cs"/>
+        </a:defRPr>
+      </a:lvl4pPr>
+      <a:lvl5pPr marL="1828800" algn="l" defTabSz="914400" rtl="0" eaLnBrk="1" latinLnBrk="0" hangingPunct="1">
+        <a:defRPr sz="1800" kern="1200">
+          <a:solidFill>
+            <a:schemeClr val="tx1"/>
+          </a:solidFill>
+          <a:latin typeface="+mn-lt"/>
+          <a:ea typeface="+mn-ea"/>
+          <a:cs typeface="+mn-cs"/>
+        </a:defRPr>
+      </a:lvl5pPr>
+      <a:lvl6pPr marL="2286000" algn="l" defTabSz="914400" rtl="0" eaLnBrk="1" latinLnBrk="0" hangingPunct="1">
+        <a:defRPr sz="1800" kern="1200">
+          <a:solidFill>
+            <a:schemeClr val="tx1"/>
+          </a:solidFill>
+          <a:latin typeface="+mn-lt"/>
+          <a:ea typeface="+mn-ea"/>
+          <a:cs typeface="+mn-cs"/>
+        </a:defRPr>
+      </a:lvl6pPr>
+      <a:lvl7pPr marL="2743200" algn="l" defTabSz="914400" rtl="0" eaLnBrk="1" latinLnBrk="0" hangingPunct="1">
+        <a:defRPr sz="1800" kern="1200">
+          <a:solidFill>
+            <a:schemeClr val="tx1"/>
+          </a:solidFill>
+          <a:latin typeface="+mn-lt"/>
+          <a:ea typeface="+mn-ea"/>
+          <a:cs typeface="+mn-cs"/>
+        </a:defRPr>
+      </a:lvl7pPr>
+      <a:lvl8pPr marL="3200400" algn="l" defTabSz="914400" rtl="0" eaLnBrk="1" latinLnBrk="0" hangingPunct="1">
+        <a:defRPr sz="1800" kern="1200">
+          <a:solidFill>
+            <a:schemeClr val="tx1"/>
+          </a:solidFill>
+          <a:latin typeface="+mn-lt"/>
+          <a:ea typeface="+mn-ea"/>
+          <a:cs typeface="+mn-cs"/>
+        </a:defRPr>
+      </a:lvl8pPr>
+      <a:lvl9pPr marL="3657600" algn="l" defTabSz="914400" rtl="0" eaLnBrk="1" latinLnBrk="0" hangingPunct="1">
+        <a:defRPr sz="1800" kern="1200">
+          <a:solidFill>
+            <a:schemeClr val="tx1"/>
+          </a:solidFill>
+          <a:latin typeface="+mn-lt"/>
+          <a:ea typeface="+mn-ea"/>
+          <a:cs typeface="+mn-cs"/>
+        </a:defRPr>
+      </a:lvl9pPr>
+    </p:otherStyle>
+  </p:txStyles>
 </p:sldMaster>
 </file>
 
 <file path=ppt/slides/slide1.xml><?xml version="1.0" encoding="utf-8"?>
-<p:sld xmlns:a="http://schemas.openxmlformats.org/drawingml/2006/main" xmlns:p="http://schemas.openxmlformats.org/presentationml/2006/main" xmlns:r="http://schemas.openxmlformats.org/officeDocument/2006/relationships" xmlns:p14="http://schemas.microsoft.com/office/powerpoint/2010/main" xmlns:p15="http://schemas.microsoft.com/office/powerpoint/2012/main" xmlns:mc="http://schemas.openxmlformats.org/markup-compatibility/2006">
+<p:sld xmlns:a="http://schemas.openxmlformats.org/drawingml/2006/main" xmlns:r="http://schemas.openxmlformats.org/officeDocument/2006/relationships" xmlns:p="http://schemas.openxmlformats.org/presentationml/2006/main">
   <p:cSld>
     <p:spTree>
       <p:nvGrpSpPr>
@@ -1925,12 +2336,12 @@
         </p:grpSpPr>
         <p:pic>
           <p:nvPicPr>
-            <p:cNvPr id="42" name="Picture 89" descr=""/>
+            <p:cNvPr id="42" name="Picture 89"/>
             <p:cNvPicPr/>
             <p:nvPr/>
           </p:nvPicPr>
           <p:blipFill>
-            <a:blip r:embed="rId1"/>
+            <a:blip r:embed="rId2"/>
             <a:stretch/>
           </p:blipFill>
           <p:spPr>
@@ -1948,12 +2359,12 @@
         </p:pic>
         <p:pic>
           <p:nvPicPr>
-            <p:cNvPr id="43" name="Picture 90" descr=""/>
+            <p:cNvPr id="43" name="Picture 90"/>
             <p:cNvPicPr/>
             <p:nvPr/>
           </p:nvPicPr>
           <p:blipFill>
-            <a:blip r:embed="rId2">
+            <a:blip r:embed="rId3">
               <a:lum bright="70000" contrast="-70000"/>
             </a:blip>
             <a:stretch/>
@@ -1979,7 +2390,7 @@
           <p:nvPr/>
         </p:nvSpPr>
         <p:spPr>
-          <a:xfrm flipH="1" flipV="1" rot="5400000">
+          <a:xfrm rot="5400000" flipH="1" flipV="1">
             <a:off x="10419480" y="4159440"/>
             <a:ext cx="659880" cy="426240"/>
           </a:xfrm>
@@ -2052,12 +2463,12 @@
       </p:sp>
       <p:pic>
         <p:nvPicPr>
-          <p:cNvPr id="46" name="Picture 4" descr=""/>
+          <p:cNvPr id="46" name="Picture 4"/>
           <p:cNvPicPr/>
           <p:nvPr/>
         </p:nvPicPr>
         <p:blipFill>
-          <a:blip r:embed="rId3"/>
+          <a:blip r:embed="rId4"/>
           <a:srcRect l="23558" t="36827" r="23717" b="36619"/>
           <a:stretch/>
         </p:blipFill>
@@ -2076,12 +2487,12 @@
       </p:pic>
       <p:pic>
         <p:nvPicPr>
-          <p:cNvPr id="47" name="Picture 8" descr=""/>
+          <p:cNvPr id="47" name="Picture 8"/>
           <p:cNvPicPr/>
           <p:nvPr/>
         </p:nvPicPr>
         <p:blipFill>
-          <a:blip r:embed="rId4"/>
+          <a:blip r:embed="rId5"/>
           <a:stretch/>
         </p:blipFill>
         <p:spPr>
@@ -2156,7 +2567,7 @@
           </a:prstGeom>
           <a:ln w="57240">
             <a:solidFill>
-              <a:srgbClr val="00ff00"/>
+              <a:srgbClr val="00FF00"/>
             </a:solidFill>
           </a:ln>
         </p:spPr>
@@ -2175,63 +2586,7 @@
       </p:sp>
       <p:pic>
         <p:nvPicPr>
-          <p:cNvPr id="50" name="Picture 5" descr=""/>
-          <p:cNvPicPr/>
-          <p:nvPr/>
-        </p:nvPicPr>
-        <p:blipFill>
-          <a:blip r:embed="rId5"/>
-          <a:stretch/>
-        </p:blipFill>
-        <p:spPr>
-          <a:xfrm>
-            <a:off x="2528280" y="2645640"/>
-            <a:ext cx="1253520" cy="1253520"/>
-          </a:xfrm>
-          <a:prstGeom prst="rect">
-            <a:avLst/>
-          </a:prstGeom>
-          <a:ln>
-            <a:noFill/>
-          </a:ln>
-        </p:spPr>
-      </p:pic>
-      <p:sp>
-        <p:nvSpPr>
-          <p:cNvPr id="51" name="Line 6"/>
-          <p:cNvSpPr/>
-          <p:nvPr/>
-        </p:nvSpPr>
-        <p:spPr>
-          <a:xfrm>
-            <a:off x="8955000" y="4768200"/>
-            <a:ext cx="497880" cy="0"/>
-          </a:xfrm>
-          <a:prstGeom prst="line">
-            <a:avLst/>
-          </a:prstGeom>
-          <a:ln w="57240">
-            <a:solidFill>
-              <a:srgbClr val="00ff00"/>
-            </a:solidFill>
-          </a:ln>
-        </p:spPr>
-        <p:style>
-          <a:lnRef idx="1">
-            <a:schemeClr val="accent1"/>
-          </a:lnRef>
-          <a:fillRef idx="0">
-            <a:schemeClr val="accent1"/>
-          </a:fillRef>
-          <a:effectRef idx="0">
-            <a:schemeClr val="accent1"/>
-          </a:effectRef>
-          <a:fontRef idx="minor"/>
-        </p:style>
-      </p:sp>
-      <p:pic>
-        <p:nvPicPr>
-          <p:cNvPr id="52" name="Picture 6" descr=""/>
+          <p:cNvPr id="50" name="Picture 5"/>
           <p:cNvPicPr/>
           <p:nvPr/>
         </p:nvPicPr>
@@ -2241,6 +2596,62 @@
         </p:blipFill>
         <p:spPr>
           <a:xfrm>
+            <a:off x="2528280" y="2645640"/>
+            <a:ext cx="1253520" cy="1253520"/>
+          </a:xfrm>
+          <a:prstGeom prst="rect">
+            <a:avLst/>
+          </a:prstGeom>
+          <a:ln>
+            <a:noFill/>
+          </a:ln>
+        </p:spPr>
+      </p:pic>
+      <p:sp>
+        <p:nvSpPr>
+          <p:cNvPr id="51" name="Line 6"/>
+          <p:cNvSpPr/>
+          <p:nvPr/>
+        </p:nvSpPr>
+        <p:spPr>
+          <a:xfrm>
+            <a:off x="8955000" y="4768200"/>
+            <a:ext cx="497880" cy="0"/>
+          </a:xfrm>
+          <a:prstGeom prst="line">
+            <a:avLst/>
+          </a:prstGeom>
+          <a:ln w="57240">
+            <a:solidFill>
+              <a:srgbClr val="00FF00"/>
+            </a:solidFill>
+          </a:ln>
+        </p:spPr>
+        <p:style>
+          <a:lnRef idx="1">
+            <a:schemeClr val="accent1"/>
+          </a:lnRef>
+          <a:fillRef idx="0">
+            <a:schemeClr val="accent1"/>
+          </a:fillRef>
+          <a:effectRef idx="0">
+            <a:schemeClr val="accent1"/>
+          </a:effectRef>
+          <a:fontRef idx="minor"/>
+        </p:style>
+      </p:sp>
+      <p:pic>
+        <p:nvPicPr>
+          <p:cNvPr id="52" name="Picture 6"/>
+          <p:cNvPicPr/>
+          <p:nvPr/>
+        </p:nvPicPr>
+        <p:blipFill>
+          <a:blip r:embed="rId7"/>
+          <a:stretch/>
+        </p:blipFill>
+        <p:spPr>
+          <a:xfrm>
             <a:off x="9356040" y="3764880"/>
             <a:ext cx="1253520" cy="1253520"/>
           </a:xfrm>
@@ -2268,7 +2679,7 @@
           </a:prstGeom>
           <a:ln w="57240">
             <a:solidFill>
-              <a:srgbClr val="00ff00"/>
+              <a:srgbClr val="00FF00"/>
             </a:solidFill>
           </a:ln>
         </p:spPr>
@@ -2336,7 +2747,7 @@
           </a:prstGeom>
           <a:ln w="57240">
             <a:solidFill>
-              <a:srgbClr val="00ff00"/>
+              <a:srgbClr val="00FF00"/>
             </a:solidFill>
           </a:ln>
         </p:spPr>
@@ -2509,7 +2920,7 @@
           </a:prstGeom>
           <a:ln w="57240">
             <a:solidFill>
-              <a:srgbClr val="00ff00"/>
+              <a:srgbClr val="00FF00"/>
             </a:solidFill>
           </a:ln>
         </p:spPr>
@@ -2563,30 +2974,7 @@
       </p:sp>
       <p:pic>
         <p:nvPicPr>
-          <p:cNvPr id="62" name="Picture 43" descr=""/>
-          <p:cNvPicPr/>
-          <p:nvPr/>
-        </p:nvPicPr>
-        <p:blipFill>
-          <a:blip r:embed="rId7"/>
-          <a:stretch/>
-        </p:blipFill>
-        <p:spPr>
-          <a:xfrm flipH="1">
-            <a:off x="3903480" y="3078720"/>
-            <a:ext cx="924120" cy="924120"/>
-          </a:xfrm>
-          <a:prstGeom prst="rect">
-            <a:avLst/>
-          </a:prstGeom>
-          <a:ln>
-            <a:noFill/>
-          </a:ln>
-        </p:spPr>
-      </p:pic>
-      <p:pic>
-        <p:nvPicPr>
-          <p:cNvPr id="63" name="Picture 44" descr=""/>
+          <p:cNvPr id="62" name="Picture 43"/>
           <p:cNvPicPr/>
           <p:nvPr/>
         </p:nvPicPr>
@@ -2595,8 +2983,8 @@
           <a:stretch/>
         </p:blipFill>
         <p:spPr>
-          <a:xfrm>
-            <a:off x="4924080" y="4241880"/>
+          <a:xfrm flipH="1">
+            <a:off x="3903480" y="3078720"/>
             <a:ext cx="924120" cy="924120"/>
           </a:xfrm>
           <a:prstGeom prst="rect">
@@ -2609,13 +2997,36 @@
       </p:pic>
       <p:pic>
         <p:nvPicPr>
-          <p:cNvPr id="64" name="Picture 49" descr=""/>
+          <p:cNvPr id="63" name="Picture 44"/>
           <p:cNvPicPr/>
           <p:nvPr/>
         </p:nvPicPr>
         <p:blipFill>
-          <a:blip r:embed="rId9"/>
-          <a:srcRect l="0" t="0" r="17754" b="0"/>
+          <a:blip r:embed="rId8"/>
+          <a:stretch/>
+        </p:blipFill>
+        <p:spPr>
+          <a:xfrm>
+            <a:off x="4924080" y="4241880"/>
+            <a:ext cx="924120" cy="924120"/>
+          </a:xfrm>
+          <a:prstGeom prst="rect">
+            <a:avLst/>
+          </a:prstGeom>
+          <a:ln>
+            <a:noFill/>
+          </a:ln>
+        </p:spPr>
+      </p:pic>
+      <p:pic>
+        <p:nvPicPr>
+          <p:cNvPr id="64" name="Picture 49"/>
+          <p:cNvPicPr/>
+          <p:nvPr/>
+        </p:nvPicPr>
+        <p:blipFill>
+          <a:blip r:embed="rId8"/>
+          <a:srcRect r="17754"/>
           <a:stretch/>
         </p:blipFill>
         <p:spPr>
@@ -2668,12 +3079,12 @@
       </p:sp>
       <p:pic>
         <p:nvPicPr>
-          <p:cNvPr id="66" name="Picture 47" descr=""/>
+          <p:cNvPr id="66" name="Picture 47"/>
           <p:cNvPicPr/>
           <p:nvPr/>
         </p:nvPicPr>
         <p:blipFill>
-          <a:blip r:embed="rId10"/>
+          <a:blip r:embed="rId8"/>
           <a:stretch/>
         </p:blipFill>
         <p:spPr>
@@ -2691,12 +3102,12 @@
       </p:pic>
       <p:pic>
         <p:nvPicPr>
-          <p:cNvPr id="67" name="Picture 48" descr=""/>
+          <p:cNvPr id="67" name="Picture 48"/>
           <p:cNvPicPr/>
           <p:nvPr/>
         </p:nvPicPr>
         <p:blipFill>
-          <a:blip r:embed="rId11"/>
+          <a:blip r:embed="rId8"/>
           <a:stretch/>
         </p:blipFill>
         <p:spPr>
@@ -2749,12 +3160,12 @@
       </p:sp>
       <p:pic>
         <p:nvPicPr>
-          <p:cNvPr id="69" name="Picture 82" descr=""/>
+          <p:cNvPr id="69" name="Picture 82"/>
           <p:cNvPicPr/>
           <p:nvPr/>
         </p:nvPicPr>
         <p:blipFill>
-          <a:blip r:embed="rId12"/>
+          <a:blip r:embed="rId8"/>
           <a:stretch/>
         </p:blipFill>
         <p:spPr>
@@ -2790,15 +3201,22 @@
           </a:ln>
         </p:spPr>
         <p:style>
-          <a:lnRef idx="0"/>
-          <a:fillRef idx="0"/>
-          <a:effectRef idx="0"/>
+          <a:lnRef idx="0">
+            <a:scrgbClr r="0" g="0" b="0"/>
+          </a:lnRef>
+          <a:fillRef idx="0">
+            <a:scrgbClr r="0" g="0" b="0"/>
+          </a:fillRef>
+          <a:effectRef idx="0">
+            <a:scrgbClr r="0" g="0" b="0"/>
+          </a:effectRef>
           <a:fontRef idx="minor"/>
         </p:style>
         <p:txBody>
-          <a:bodyPr lIns="90000" rIns="90000" tIns="45000" bIns="45000">
+          <a:bodyPr lIns="90000" tIns="45000" rIns="90000" bIns="45000">
             <a:spAutoFit/>
           </a:bodyPr>
+          <a:lstStyle/>
           <a:p>
             <a:pPr>
               <a:lnSpc>
@@ -2806,15 +3224,15 @@
               </a:lnSpc>
             </a:pPr>
             <a:r>
-              <a:rPr b="0" lang="fr-FR" sz="2000" spc="-1" strike="noStrike">
+              <a:rPr lang="fr-FR" sz="2000" b="0" strike="noStrike" spc="-1" dirty="0">
                 <a:solidFill>
-                  <a:srgbClr val="2e75b6"/>
+                  <a:srgbClr val="2E75B6"/>
                 </a:solidFill>
                 <a:latin typeface="Bahnschrift SemiBold SemiConden"/>
               </a:rPr>
               <a:t>Internet network</a:t>
             </a:r>
-            <a:endParaRPr b="0" lang="fr-FR" sz="2000" spc="-1" strike="noStrike">
+            <a:endParaRPr lang="fr-FR" sz="2000" b="0" strike="noStrike" spc="-1" dirty="0">
               <a:latin typeface="Arial"/>
             </a:endParaRPr>
           </a:p>
@@ -2824,7 +3242,7 @@
                 <a:spcPct val="100000"/>
               </a:lnSpc>
             </a:pPr>
-            <a:endParaRPr b="0" lang="fr-FR" sz="2000" spc="-1" strike="noStrike">
+            <a:endParaRPr lang="fr-FR" sz="2000" b="0" strike="noStrike" spc="-1" dirty="0">
               <a:latin typeface="Arial"/>
             </a:endParaRPr>
           </a:p>
@@ -2847,7 +3265,7 @@
             </a:avLst>
           </a:prstGeom>
           <a:blipFill rotWithShape="0">
-            <a:blip r:embed="rId13"/>
+            <a:blip r:embed="rId9"/>
             <a:stretch>
               <a:fillRect/>
             </a:stretch>
@@ -2856,13 +3274,19 @@
             <a:noFill/>
           </a:ln>
           <a:effectLst>
-            <a:reflection algn="bl" blurRad="12700" dir="5400000" dist="5000" endPos="28000" rotWithShape="0" stA="38000" sy="-100000"/>
+            <a:reflection blurRad="12700" stA="38000" endPos="28000" dist="5000" dir="5400000" sy="-100000" algn="bl" rotWithShape="0"/>
           </a:effectLst>
         </p:spPr>
         <p:style>
-          <a:lnRef idx="0"/>
-          <a:fillRef idx="0"/>
-          <a:effectRef idx="0"/>
+          <a:lnRef idx="0">
+            <a:scrgbClr r="0" g="0" b="0"/>
+          </a:lnRef>
+          <a:fillRef idx="0">
+            <a:scrgbClr r="0" g="0" b="0"/>
+          </a:fillRef>
+          <a:effectRef idx="0">
+            <a:scrgbClr r="0" g="0" b="0"/>
+          </a:effectRef>
           <a:fontRef idx="minor"/>
         </p:style>
       </p:sp>
@@ -2882,12 +3306,12 @@
         </p:grpSpPr>
         <p:pic>
           <p:nvPicPr>
-            <p:cNvPr id="73" name="Picture 7" descr=""/>
+            <p:cNvPr id="73" name="Picture 7"/>
             <p:cNvPicPr/>
             <p:nvPr/>
           </p:nvPicPr>
           <p:blipFill>
-            <a:blip r:embed="rId14"/>
+            <a:blip r:embed="rId2"/>
             <a:stretch/>
           </p:blipFill>
           <p:spPr>
@@ -2905,12 +3329,12 @@
         </p:pic>
         <p:pic>
           <p:nvPicPr>
-            <p:cNvPr id="74" name="Picture 9" descr=""/>
+            <p:cNvPr id="74" name="Picture 9"/>
             <p:cNvPicPr/>
             <p:nvPr/>
           </p:nvPicPr>
           <p:blipFill>
-            <a:blip r:embed="rId15">
+            <a:blip r:embed="rId3">
               <a:lum bright="70000" contrast="-70000"/>
             </a:blip>
             <a:stretch/>
@@ -2931,12 +3355,12 @@
       </p:grpSp>
       <p:pic>
         <p:nvPicPr>
-          <p:cNvPr id="75" name="Picture 113" descr=""/>
+          <p:cNvPr id="75" name="Picture 113"/>
           <p:cNvPicPr/>
           <p:nvPr/>
         </p:nvPicPr>
         <p:blipFill>
-          <a:blip r:embed="rId16"/>
+          <a:blip r:embed="rId10"/>
           <a:stretch/>
         </p:blipFill>
         <p:spPr>
@@ -3004,12 +3428,12 @@
         </p:grpSpPr>
         <p:pic>
           <p:nvPicPr>
-            <p:cNvPr id="78" name="Picture 111" descr=""/>
+            <p:cNvPr id="78" name="Picture 111"/>
             <p:cNvPicPr/>
             <p:nvPr/>
           </p:nvPicPr>
           <p:blipFill>
-            <a:blip r:embed="rId17"/>
+            <a:blip r:embed="rId11"/>
             <a:stretch/>
           </p:blipFill>
           <p:spPr>
@@ -3027,12 +3451,12 @@
         </p:pic>
         <p:pic>
           <p:nvPicPr>
-            <p:cNvPr id="79" name="Picture 110" descr=""/>
+            <p:cNvPr id="79" name="Picture 110"/>
             <p:cNvPicPr/>
             <p:nvPr/>
           </p:nvPicPr>
           <p:blipFill>
-            <a:blip r:embed="rId18"/>
+            <a:blip r:embed="rId12"/>
             <a:stretch/>
           </p:blipFill>
           <p:spPr>
@@ -3100,12 +3524,12 @@
         </p:grpSpPr>
         <p:pic>
           <p:nvPicPr>
-            <p:cNvPr id="82" name="Picture 119" descr=""/>
+            <p:cNvPr id="82" name="Picture 119"/>
             <p:cNvPicPr/>
             <p:nvPr/>
           </p:nvPicPr>
           <p:blipFill>
-            <a:blip r:embed="rId19"/>
+            <a:blip r:embed="rId2"/>
             <a:stretch/>
           </p:blipFill>
           <p:spPr>
@@ -3123,12 +3547,12 @@
         </p:pic>
         <p:pic>
           <p:nvPicPr>
-            <p:cNvPr id="83" name="Picture 120" descr=""/>
+            <p:cNvPr id="83" name="Picture 120"/>
             <p:cNvPicPr/>
             <p:nvPr/>
           </p:nvPicPr>
           <p:blipFill>
-            <a:blip r:embed="rId20">
+            <a:blip r:embed="rId3">
               <a:lum bright="70000" contrast="-70000"/>
             </a:blip>
             <a:stretch/>
@@ -3149,12 +3573,12 @@
       </p:grpSp>
       <p:pic>
         <p:nvPicPr>
-          <p:cNvPr id="84" name="Picture 45" descr=""/>
+          <p:cNvPr id="84" name="Picture 45"/>
           <p:cNvPicPr/>
           <p:nvPr/>
         </p:nvPicPr>
         <p:blipFill>
-          <a:blip r:embed="rId21"/>
+          <a:blip r:embed="rId8"/>
           <a:stretch/>
         </p:blipFill>
         <p:spPr>
@@ -3172,11 +3596,14 @@
       </p:pic>
     </p:spTree>
   </p:cSld>
-  <mc:AlternateContent>
+  <p:clrMapOvr>
+    <a:masterClrMapping/>
+  </p:clrMapOvr>
+  <mc:AlternateContent xmlns:mc="http://schemas.openxmlformats.org/markup-compatibility/2006" xmlns:p14="http://schemas.microsoft.com/office/powerpoint/2010/main">
     <mc:Choice Requires="p14">
       <p:transition spd="slow" p14:dur="2000"/>
     </mc:Choice>
-    <mc:Fallback>
+    <mc:Fallback xmlns:p15="http://schemas.microsoft.com/office/powerpoint/2012/main" xmlns="">
       <p:transition spd="slow"/>
     </mc:Fallback>
   </mc:AlternateContent>
@@ -3184,7 +3611,7 @@
 </file>
 
 <file path=ppt/slides/slide2.xml><?xml version="1.0" encoding="utf-8"?>
-<p:sld xmlns:a="http://schemas.openxmlformats.org/drawingml/2006/main" xmlns:p="http://schemas.openxmlformats.org/presentationml/2006/main" xmlns:r="http://schemas.openxmlformats.org/officeDocument/2006/relationships" xmlns:p14="http://schemas.microsoft.com/office/powerpoint/2010/main" xmlns:p15="http://schemas.microsoft.com/office/powerpoint/2012/main" xmlns:mc="http://schemas.openxmlformats.org/markup-compatibility/2006">
+<p:sld xmlns:a="http://schemas.openxmlformats.org/drawingml/2006/main" xmlns:r="http://schemas.openxmlformats.org/officeDocument/2006/relationships" xmlns:p="http://schemas.openxmlformats.org/presentationml/2006/main">
   <p:cSld>
     <p:spTree>
       <p:nvGrpSpPr>
@@ -3200,1158 +3627,6 @@
           <a:chExt cx="0" cy="0"/>
         </a:xfrm>
       </p:grpSpPr>
-      <p:sp>
-        <p:nvSpPr>
-          <p:cNvPr id="85" name="CustomShape 1"/>
-          <p:cNvSpPr/>
-          <p:nvPr/>
-        </p:nvSpPr>
-        <p:spPr>
-          <a:xfrm flipH="1" flipV="1" rot="10800000">
-            <a:off x="3596040" y="5245560"/>
-            <a:ext cx="251640" cy="243000"/>
-          </a:xfrm>
-          <a:prstGeom prst="bentConnector3">
-            <a:avLst>
-              <a:gd name="adj1" fmla="val 99139"/>
-            </a:avLst>
-          </a:prstGeom>
-          <a:noFill/>
-          <a:ln w="19080">
-            <a:solidFill>
-              <a:schemeClr val="bg1">
-                <a:lumMod val="65000"/>
-              </a:schemeClr>
-            </a:solidFill>
-            <a:prstDash val="sysDash"/>
-          </a:ln>
-        </p:spPr>
-        <p:style>
-          <a:lnRef idx="1">
-            <a:schemeClr val="accent1"/>
-          </a:lnRef>
-          <a:fillRef idx="0">
-            <a:schemeClr val="accent1"/>
-          </a:fillRef>
-          <a:effectRef idx="0">
-            <a:schemeClr val="accent1"/>
-          </a:effectRef>
-          <a:fontRef idx="minor"/>
-        </p:style>
-      </p:sp>
-      <p:sp>
-        <p:nvSpPr>
-          <p:cNvPr id="86" name="Line 2"/>
-          <p:cNvSpPr/>
-          <p:nvPr/>
-        </p:nvSpPr>
-        <p:spPr>
-          <a:xfrm>
-            <a:off x="289080" y="2454840"/>
-            <a:ext cx="648000" cy="0"/>
-          </a:xfrm>
-          <a:prstGeom prst="line">
-            <a:avLst/>
-          </a:prstGeom>
-          <a:ln w="57240">
-            <a:solidFill>
-              <a:schemeClr val="bg1">
-                <a:lumMod val="65000"/>
-              </a:schemeClr>
-            </a:solidFill>
-            <a:prstDash val="sysDot"/>
-          </a:ln>
-        </p:spPr>
-        <p:style>
-          <a:lnRef idx="1">
-            <a:schemeClr val="accent1"/>
-          </a:lnRef>
-          <a:fillRef idx="0">
-            <a:schemeClr val="accent1"/>
-          </a:fillRef>
-          <a:effectRef idx="0">
-            <a:schemeClr val="accent1"/>
-          </a:effectRef>
-          <a:fontRef idx="minor"/>
-        </p:style>
-      </p:sp>
-      <p:sp>
-        <p:nvSpPr>
-          <p:cNvPr id="87" name="Line 3"/>
-          <p:cNvSpPr/>
-          <p:nvPr/>
-        </p:nvSpPr>
-        <p:spPr>
-          <a:xfrm>
-            <a:off x="3408840" y="2002680"/>
-            <a:ext cx="252000" cy="0"/>
-          </a:xfrm>
-          <a:prstGeom prst="line">
-            <a:avLst/>
-          </a:prstGeom>
-          <a:ln w="19080">
-            <a:solidFill>
-              <a:schemeClr val="bg1">
-                <a:lumMod val="65000"/>
-              </a:schemeClr>
-            </a:solidFill>
-            <a:prstDash val="sysDash"/>
-          </a:ln>
-        </p:spPr>
-        <p:style>
-          <a:lnRef idx="1">
-            <a:schemeClr val="accent1"/>
-          </a:lnRef>
-          <a:fillRef idx="0">
-            <a:schemeClr val="accent1"/>
-          </a:fillRef>
-          <a:effectRef idx="0">
-            <a:schemeClr val="accent1"/>
-          </a:effectRef>
-          <a:fontRef idx="minor"/>
-        </p:style>
-      </p:sp>
-      <p:sp>
-        <p:nvSpPr>
-          <p:cNvPr id="88" name="Line 4"/>
-          <p:cNvSpPr/>
-          <p:nvPr/>
-        </p:nvSpPr>
-        <p:spPr>
-          <a:xfrm flipV="1">
-            <a:off x="2016000" y="2456280"/>
-            <a:ext cx="598320" cy="360"/>
-          </a:xfrm>
-          <a:prstGeom prst="line">
-            <a:avLst/>
-          </a:prstGeom>
-          <a:ln w="19080">
-            <a:solidFill>
-              <a:schemeClr val="bg1">
-                <a:lumMod val="65000"/>
-              </a:schemeClr>
-            </a:solidFill>
-            <a:prstDash val="sysDash"/>
-          </a:ln>
-        </p:spPr>
-        <p:style>
-          <a:lnRef idx="1">
-            <a:schemeClr val="accent1"/>
-          </a:lnRef>
-          <a:fillRef idx="0">
-            <a:schemeClr val="accent1"/>
-          </a:fillRef>
-          <a:effectRef idx="0">
-            <a:schemeClr val="accent1"/>
-          </a:effectRef>
-          <a:fontRef idx="minor"/>
-        </p:style>
-      </p:sp>
-      <p:pic>
-        <p:nvPicPr>
-          <p:cNvPr id="89" name="Picture 5" descr=""/>
-          <p:cNvPicPr/>
-          <p:nvPr/>
-        </p:nvPicPr>
-        <p:blipFill>
-          <a:blip r:embed="rId1"/>
-          <a:stretch/>
-        </p:blipFill>
-        <p:spPr>
-          <a:xfrm>
-            <a:off x="794520" y="1538280"/>
-            <a:ext cx="1253520" cy="1253520"/>
-          </a:xfrm>
-          <a:prstGeom prst="rect">
-            <a:avLst/>
-          </a:prstGeom>
-          <a:ln>
-            <a:noFill/>
-          </a:ln>
-        </p:spPr>
-      </p:pic>
-      <p:grpSp>
-        <p:nvGrpSpPr>
-          <p:cNvPr id="90" name="Group 5"/>
-          <p:cNvGrpSpPr/>
-          <p:nvPr/>
-        </p:nvGrpSpPr>
-        <p:grpSpPr>
-          <a:xfrm>
-            <a:off x="2529720" y="1458720"/>
-            <a:ext cx="896760" cy="839160"/>
-            <a:chOff x="2529720" y="1458720"/>
-            <a:chExt cx="896760" cy="839160"/>
-          </a:xfrm>
-        </p:grpSpPr>
-        <p:pic>
-          <p:nvPicPr>
-            <p:cNvPr id="91" name="Picture 111" descr=""/>
-            <p:cNvPicPr/>
-            <p:nvPr/>
-          </p:nvPicPr>
-          <p:blipFill>
-            <a:blip r:embed="rId2"/>
-            <a:stretch/>
-          </p:blipFill>
-          <p:spPr>
-            <a:xfrm>
-              <a:off x="2529720" y="1458720"/>
-              <a:ext cx="569880" cy="569880"/>
-            </a:xfrm>
-            <a:prstGeom prst="rect">
-              <a:avLst/>
-            </a:prstGeom>
-            <a:ln>
-              <a:noFill/>
-            </a:ln>
-          </p:spPr>
-        </p:pic>
-        <p:pic>
-          <p:nvPicPr>
-            <p:cNvPr id="92" name="Picture 110" descr=""/>
-            <p:cNvPicPr/>
-            <p:nvPr/>
-          </p:nvPicPr>
-          <p:blipFill>
-            <a:blip r:embed="rId3"/>
-            <a:stretch/>
-          </p:blipFill>
-          <p:spPr>
-            <a:xfrm>
-              <a:off x="2836080" y="1707480"/>
-              <a:ext cx="590400" cy="590400"/>
-            </a:xfrm>
-            <a:prstGeom prst="rect">
-              <a:avLst/>
-            </a:prstGeom>
-            <a:ln>
-              <a:noFill/>
-            </a:ln>
-          </p:spPr>
-        </p:pic>
-      </p:grpSp>
-      <p:sp>
-        <p:nvSpPr>
-          <p:cNvPr id="93" name="CustomShape 6"/>
-          <p:cNvSpPr/>
-          <p:nvPr/>
-        </p:nvSpPr>
-        <p:spPr>
-          <a:xfrm rot="10800000">
-            <a:off x="2614680" y="2028600"/>
-            <a:ext cx="313200" cy="771840"/>
-          </a:xfrm>
-          <a:prstGeom prst="rightBracket">
-            <a:avLst>
-              <a:gd name="adj" fmla="val 8333"/>
-            </a:avLst>
-          </a:prstGeom>
-          <a:noFill/>
-          <a:ln w="19080">
-            <a:solidFill>
-              <a:schemeClr val="bg1">
-                <a:lumMod val="65000"/>
-              </a:schemeClr>
-            </a:solidFill>
-            <a:prstDash val="sysDash"/>
-          </a:ln>
-        </p:spPr>
-        <p:style>
-          <a:lnRef idx="1">
-            <a:schemeClr val="accent1"/>
-          </a:lnRef>
-          <a:fillRef idx="0">
-            <a:schemeClr val="accent1"/>
-          </a:fillRef>
-          <a:effectRef idx="0">
-            <a:schemeClr val="accent1"/>
-          </a:effectRef>
-          <a:fontRef idx="minor"/>
-        </p:style>
-      </p:sp>
-      <p:pic>
-        <p:nvPicPr>
-          <p:cNvPr id="94" name="Picture 4" descr=""/>
-          <p:cNvPicPr/>
-          <p:nvPr/>
-        </p:nvPicPr>
-        <p:blipFill>
-          <a:blip r:embed="rId4"/>
-          <a:srcRect l="23558" t="36827" r="23717" b="36619"/>
-          <a:stretch/>
-        </p:blipFill>
-        <p:spPr>
-          <a:xfrm>
-            <a:off x="2355840" y="2631600"/>
-            <a:ext cx="1906920" cy="504000"/>
-          </a:xfrm>
-          <a:prstGeom prst="rect">
-            <a:avLst/>
-          </a:prstGeom>
-          <a:ln>
-            <a:noFill/>
-          </a:ln>
-        </p:spPr>
-      </p:pic>
-      <p:grpSp>
-        <p:nvGrpSpPr>
-          <p:cNvPr id="95" name="Group 7"/>
-          <p:cNvGrpSpPr/>
-          <p:nvPr/>
-        </p:nvGrpSpPr>
-        <p:grpSpPr>
-          <a:xfrm>
-            <a:off x="3892320" y="878040"/>
-            <a:ext cx="1371600" cy="1371600"/>
-            <a:chOff x="3892320" y="878040"/>
-            <a:chExt cx="1371600" cy="1371600"/>
-          </a:xfrm>
-        </p:grpSpPr>
-        <p:pic>
-          <p:nvPicPr>
-            <p:cNvPr id="96" name="Picture 8" descr=""/>
-            <p:cNvPicPr/>
-            <p:nvPr/>
-          </p:nvPicPr>
-          <p:blipFill>
-            <a:blip r:embed="rId5"/>
-            <a:stretch/>
-          </p:blipFill>
-          <p:spPr>
-            <a:xfrm>
-              <a:off x="3892320" y="878040"/>
-              <a:ext cx="1371600" cy="1371600"/>
-            </a:xfrm>
-            <a:prstGeom prst="rect">
-              <a:avLst/>
-            </a:prstGeom>
-            <a:ln>
-              <a:noFill/>
-            </a:ln>
-          </p:spPr>
-        </p:pic>
-        <p:sp>
-          <p:nvSpPr>
-            <p:cNvPr id="97" name="CustomShape 8"/>
-            <p:cNvSpPr/>
-            <p:nvPr/>
-          </p:nvSpPr>
-          <p:spPr>
-            <a:xfrm>
-              <a:off x="4008960" y="1280520"/>
-              <a:ext cx="684000" cy="333720"/>
-            </a:xfrm>
-            <a:prstGeom prst="roundRect">
-              <a:avLst>
-                <a:gd name="adj" fmla="val 8594"/>
-              </a:avLst>
-            </a:prstGeom>
-            <a:blipFill rotWithShape="0">
-              <a:blip r:embed="rId6"/>
-              <a:stretch>
-                <a:fillRect/>
-              </a:stretch>
-            </a:blipFill>
-            <a:ln>
-              <a:noFill/>
-            </a:ln>
-            <a:effectLst>
-              <a:reflection algn="bl" blurRad="12700" dir="5400000" dist="5000" endPos="28000" rotWithShape="0" stA="38000" sy="-100000"/>
-            </a:effectLst>
-          </p:spPr>
-          <p:style>
-            <a:lnRef idx="0"/>
-            <a:fillRef idx="0"/>
-            <a:effectRef idx="0"/>
-            <a:fontRef idx="minor"/>
-          </p:style>
-        </p:sp>
-        <p:pic>
-          <p:nvPicPr>
-            <p:cNvPr id="98" name="Picture 113" descr=""/>
-            <p:cNvPicPr/>
-            <p:nvPr/>
-          </p:nvPicPr>
-          <p:blipFill>
-            <a:blip r:embed="rId7"/>
-            <a:stretch/>
-          </p:blipFill>
-          <p:spPr>
-            <a:xfrm>
-              <a:off x="4728600" y="1208520"/>
-              <a:ext cx="151560" cy="151560"/>
-            </a:xfrm>
-            <a:prstGeom prst="rect">
-              <a:avLst/>
-            </a:prstGeom>
-            <a:ln>
-              <a:noFill/>
-            </a:ln>
-          </p:spPr>
-        </p:pic>
-        <p:sp>
-          <p:nvSpPr>
-            <p:cNvPr id="99" name="CustomShape 9"/>
-            <p:cNvSpPr/>
-            <p:nvPr/>
-          </p:nvSpPr>
-          <p:spPr>
-            <a:xfrm>
-              <a:off x="3892320" y="1012680"/>
-              <a:ext cx="1371600" cy="1070640"/>
-            </a:xfrm>
-            <a:prstGeom prst="rect">
-              <a:avLst/>
-            </a:prstGeom>
-            <a:solidFill>
-              <a:srgbClr val="ffffff">
-                <a:alpha val="39000"/>
-              </a:srgbClr>
-            </a:solidFill>
-            <a:ln>
-              <a:noFill/>
-            </a:ln>
-          </p:spPr>
-          <p:style>
-            <a:lnRef idx="2">
-              <a:schemeClr val="accent1">
-                <a:shade val="50000"/>
-              </a:schemeClr>
-            </a:lnRef>
-            <a:fillRef idx="1">
-              <a:schemeClr val="accent1"/>
-            </a:fillRef>
-            <a:effectRef idx="0">
-              <a:schemeClr val="accent1"/>
-            </a:effectRef>
-            <a:fontRef idx="minor"/>
-          </p:style>
-        </p:sp>
-      </p:grpSp>
-      <p:sp>
-        <p:nvSpPr>
-          <p:cNvPr id="100" name="CustomShape 10"/>
-          <p:cNvSpPr/>
-          <p:nvPr/>
-        </p:nvSpPr>
-        <p:spPr>
-          <a:xfrm rot="10800000">
-            <a:off x="3648600" y="1762920"/>
-            <a:ext cx="313200" cy="670320"/>
-          </a:xfrm>
-          <a:prstGeom prst="rightBracket">
-            <a:avLst>
-              <a:gd name="adj" fmla="val 8333"/>
-            </a:avLst>
-          </a:prstGeom>
-          <a:noFill/>
-          <a:ln w="19080">
-            <a:solidFill>
-              <a:schemeClr val="bg1">
-                <a:lumMod val="65000"/>
-              </a:schemeClr>
-            </a:solidFill>
-            <a:prstDash val="sysDash"/>
-          </a:ln>
-        </p:spPr>
-        <p:style>
-          <a:lnRef idx="1">
-            <a:schemeClr val="accent1"/>
-          </a:lnRef>
-          <a:fillRef idx="0">
-            <a:schemeClr val="accent1"/>
-          </a:fillRef>
-          <a:effectRef idx="0">
-            <a:schemeClr val="accent1"/>
-          </a:effectRef>
-          <a:fontRef idx="minor"/>
-        </p:style>
-      </p:sp>
-      <p:sp>
-        <p:nvSpPr>
-          <p:cNvPr id="101" name="CustomShape 11"/>
-          <p:cNvSpPr/>
-          <p:nvPr/>
-        </p:nvSpPr>
-        <p:spPr>
-          <a:xfrm>
-            <a:off x="3573720" y="2154960"/>
-            <a:ext cx="636840" cy="339480"/>
-          </a:xfrm>
-          <a:prstGeom prst="rect">
-            <a:avLst/>
-          </a:prstGeom>
-          <a:solidFill>
-            <a:srgbClr val="ffffff">
-              <a:alpha val="70000"/>
-            </a:srgbClr>
-          </a:solidFill>
-          <a:ln>
-            <a:noFill/>
-          </a:ln>
-        </p:spPr>
-        <p:style>
-          <a:lnRef idx="2">
-            <a:schemeClr val="accent1">
-              <a:shade val="50000"/>
-            </a:schemeClr>
-          </a:lnRef>
-          <a:fillRef idx="1">
-            <a:schemeClr val="accent1"/>
-          </a:fillRef>
-          <a:effectRef idx="0">
-            <a:schemeClr val="accent1"/>
-          </a:effectRef>
-          <a:fontRef idx="minor"/>
-        </p:style>
-      </p:sp>
-      <p:sp>
-        <p:nvSpPr>
-          <p:cNvPr id="102" name="CustomShape 12"/>
-          <p:cNvSpPr/>
-          <p:nvPr/>
-        </p:nvSpPr>
-        <p:spPr>
-          <a:xfrm>
-            <a:off x="3700080" y="2262960"/>
-            <a:ext cx="636840" cy="339480"/>
-          </a:xfrm>
-          <a:prstGeom prst="rect">
-            <a:avLst/>
-          </a:prstGeom>
-          <a:solidFill>
-            <a:srgbClr val="ffffff">
-              <a:alpha val="70000"/>
-            </a:srgbClr>
-          </a:solidFill>
-          <a:ln>
-            <a:noFill/>
-          </a:ln>
-        </p:spPr>
-        <p:style>
-          <a:lnRef idx="2">
-            <a:schemeClr val="accent1">
-              <a:shade val="50000"/>
-            </a:schemeClr>
-          </a:lnRef>
-          <a:fillRef idx="1">
-            <a:schemeClr val="accent1"/>
-          </a:fillRef>
-          <a:effectRef idx="0">
-            <a:schemeClr val="accent1"/>
-          </a:effectRef>
-          <a:fontRef idx="minor"/>
-        </p:style>
-      </p:sp>
-      <p:sp>
-        <p:nvSpPr>
-          <p:cNvPr id="103" name="CustomShape 13"/>
-          <p:cNvSpPr/>
-          <p:nvPr/>
-        </p:nvSpPr>
-        <p:spPr>
-          <a:xfrm>
-            <a:off x="3831480" y="2253960"/>
-            <a:ext cx="636840" cy="339480"/>
-          </a:xfrm>
-          <a:prstGeom prst="rect">
-            <a:avLst/>
-          </a:prstGeom>
-          <a:solidFill>
-            <a:srgbClr val="ffffff">
-              <a:alpha val="70000"/>
-            </a:srgbClr>
-          </a:solidFill>
-          <a:ln>
-            <a:noFill/>
-          </a:ln>
-        </p:spPr>
-        <p:style>
-          <a:lnRef idx="2">
-            <a:schemeClr val="accent1">
-              <a:shade val="50000"/>
-            </a:schemeClr>
-          </a:lnRef>
-          <a:fillRef idx="1">
-            <a:schemeClr val="accent1"/>
-          </a:fillRef>
-          <a:effectRef idx="0">
-            <a:schemeClr val="accent1"/>
-          </a:effectRef>
-          <a:fontRef idx="minor"/>
-        </p:style>
-      </p:sp>
-      <p:sp>
-        <p:nvSpPr>
-          <p:cNvPr id="104" name="CustomShape 14"/>
-          <p:cNvSpPr/>
-          <p:nvPr/>
-        </p:nvSpPr>
-        <p:spPr>
-          <a:xfrm>
-            <a:off x="2821680" y="3087000"/>
-            <a:ext cx="1066320" cy="227520"/>
-          </a:xfrm>
-          <a:prstGeom prst="rect">
-            <a:avLst/>
-          </a:prstGeom>
-          <a:noFill/>
-          <a:ln>
-            <a:noFill/>
-          </a:ln>
-        </p:spPr>
-        <p:style>
-          <a:lnRef idx="0"/>
-          <a:fillRef idx="0"/>
-          <a:effectRef idx="0"/>
-          <a:fontRef idx="minor"/>
-        </p:style>
-        <p:txBody>
-          <a:bodyPr lIns="90000" rIns="90000" tIns="45000" bIns="45000">
-            <a:spAutoFit/>
-          </a:bodyPr>
-          <a:p>
-            <a:pPr>
-              <a:lnSpc>
-                <a:spcPct val="100000"/>
-              </a:lnSpc>
-            </a:pPr>
-            <a:r>
-              <a:rPr b="0" lang="fr-FR" sz="900" spc="-1" strike="noStrike">
-                <a:solidFill>
-                  <a:srgbClr val="000000"/>
-                </a:solidFill>
-                <a:latin typeface="Calibri"/>
-              </a:rPr>
-              <a:t>192.168.1.XX</a:t>
-            </a:r>
-            <a:endParaRPr b="0" lang="fr-FR" sz="900" spc="-1" strike="noStrike">
-              <a:latin typeface="Arial"/>
-            </a:endParaRPr>
-          </a:p>
-        </p:txBody>
-      </p:sp>
-      <p:sp>
-        <p:nvSpPr>
-          <p:cNvPr id="105" name="CustomShape 15"/>
-          <p:cNvSpPr/>
-          <p:nvPr/>
-        </p:nvSpPr>
-        <p:spPr>
-          <a:xfrm>
-            <a:off x="2610360" y="2191680"/>
-            <a:ext cx="1005120" cy="227520"/>
-          </a:xfrm>
-          <a:prstGeom prst="rect">
-            <a:avLst/>
-          </a:prstGeom>
-          <a:noFill/>
-          <a:ln>
-            <a:noFill/>
-          </a:ln>
-        </p:spPr>
-        <p:style>
-          <a:lnRef idx="0"/>
-          <a:fillRef idx="0"/>
-          <a:effectRef idx="0"/>
-          <a:fontRef idx="minor"/>
-        </p:style>
-        <p:txBody>
-          <a:bodyPr lIns="90000" rIns="90000" tIns="45000" bIns="45000">
-            <a:spAutoFit/>
-          </a:bodyPr>
-          <a:p>
-            <a:pPr>
-              <a:lnSpc>
-                <a:spcPct val="100000"/>
-              </a:lnSpc>
-            </a:pPr>
-            <a:r>
-              <a:rPr b="0" lang="fr-FR" sz="900" spc="-1" strike="noStrike">
-                <a:solidFill>
-                  <a:srgbClr val="000000"/>
-                </a:solidFill>
-                <a:latin typeface="Calibri"/>
-              </a:rPr>
-              <a:t>192.168.1.XY</a:t>
-            </a:r>
-            <a:endParaRPr b="0" lang="fr-FR" sz="900" spc="-1" strike="noStrike">
-              <a:latin typeface="Arial"/>
-            </a:endParaRPr>
-          </a:p>
-        </p:txBody>
-      </p:sp>
-      <p:sp>
-        <p:nvSpPr>
-          <p:cNvPr id="106" name="CustomShape 16"/>
-          <p:cNvSpPr/>
-          <p:nvPr/>
-        </p:nvSpPr>
-        <p:spPr>
-          <a:xfrm>
-            <a:off x="4247280" y="2027880"/>
-            <a:ext cx="846360" cy="227520"/>
-          </a:xfrm>
-          <a:prstGeom prst="rect">
-            <a:avLst/>
-          </a:prstGeom>
-          <a:noFill/>
-          <a:ln>
-            <a:noFill/>
-          </a:ln>
-        </p:spPr>
-        <p:style>
-          <a:lnRef idx="0"/>
-          <a:fillRef idx="0"/>
-          <a:effectRef idx="0"/>
-          <a:fontRef idx="minor"/>
-        </p:style>
-        <p:txBody>
-          <a:bodyPr lIns="90000" rIns="90000" tIns="45000" bIns="45000">
-            <a:spAutoFit/>
-          </a:bodyPr>
-          <a:p>
-            <a:pPr>
-              <a:lnSpc>
-                <a:spcPct val="100000"/>
-              </a:lnSpc>
-            </a:pPr>
-            <a:r>
-              <a:rPr b="0" lang="fr-FR" sz="900" spc="-1" strike="noStrike">
-                <a:solidFill>
-                  <a:srgbClr val="000000"/>
-                </a:solidFill>
-                <a:latin typeface="Calibri"/>
-              </a:rPr>
-              <a:t>10.80.1.XX</a:t>
-            </a:r>
-            <a:endParaRPr b="0" lang="fr-FR" sz="900" spc="-1" strike="noStrike">
-              <a:latin typeface="Arial"/>
-            </a:endParaRPr>
-          </a:p>
-        </p:txBody>
-      </p:sp>
-      <p:sp>
-        <p:nvSpPr>
-          <p:cNvPr id="107" name="Line 17"/>
-          <p:cNvSpPr/>
-          <p:nvPr/>
-        </p:nvSpPr>
-        <p:spPr>
-          <a:xfrm>
-            <a:off x="332280" y="5819760"/>
-            <a:ext cx="648000" cy="0"/>
-          </a:xfrm>
-          <a:prstGeom prst="line">
-            <a:avLst/>
-          </a:prstGeom>
-          <a:ln w="57240">
-            <a:solidFill>
-              <a:schemeClr val="bg1">
-                <a:lumMod val="65000"/>
-              </a:schemeClr>
-            </a:solidFill>
-            <a:prstDash val="sysDot"/>
-          </a:ln>
-        </p:spPr>
-        <p:style>
-          <a:lnRef idx="1">
-            <a:schemeClr val="accent1"/>
-          </a:lnRef>
-          <a:fillRef idx="0">
-            <a:schemeClr val="accent1"/>
-          </a:fillRef>
-          <a:effectRef idx="0">
-            <a:schemeClr val="accent1"/>
-          </a:effectRef>
-          <a:fontRef idx="minor"/>
-        </p:style>
-      </p:sp>
-      <p:sp>
-        <p:nvSpPr>
-          <p:cNvPr id="108" name="Line 18"/>
-          <p:cNvSpPr/>
-          <p:nvPr/>
-        </p:nvSpPr>
-        <p:spPr>
-          <a:xfrm>
-            <a:off x="2825280" y="5633640"/>
-            <a:ext cx="972000" cy="0"/>
-          </a:xfrm>
-          <a:prstGeom prst="line">
-            <a:avLst/>
-          </a:prstGeom>
-          <a:ln w="19080">
-            <a:solidFill>
-              <a:schemeClr val="bg1">
-                <a:lumMod val="65000"/>
-              </a:schemeClr>
-            </a:solidFill>
-            <a:prstDash val="sysDash"/>
-          </a:ln>
-        </p:spPr>
-        <p:style>
-          <a:lnRef idx="1">
-            <a:schemeClr val="accent1"/>
-          </a:lnRef>
-          <a:fillRef idx="0">
-            <a:schemeClr val="accent1"/>
-          </a:fillRef>
-          <a:effectRef idx="0">
-            <a:schemeClr val="accent1"/>
-          </a:effectRef>
-          <a:fontRef idx="minor"/>
-        </p:style>
-      </p:sp>
-      <p:sp>
-        <p:nvSpPr>
-          <p:cNvPr id="109" name="Line 19"/>
-          <p:cNvSpPr/>
-          <p:nvPr/>
-        </p:nvSpPr>
-        <p:spPr>
-          <a:xfrm flipV="1">
-            <a:off x="1980000" y="5758920"/>
-            <a:ext cx="576000" cy="1080"/>
-          </a:xfrm>
-          <a:prstGeom prst="line">
-            <a:avLst/>
-          </a:prstGeom>
-          <a:ln w="19080">
-            <a:solidFill>
-              <a:schemeClr val="bg1">
-                <a:lumMod val="65000"/>
-              </a:schemeClr>
-            </a:solidFill>
-            <a:prstDash val="sysDash"/>
-          </a:ln>
-        </p:spPr>
-        <p:style>
-          <a:lnRef idx="1">
-            <a:schemeClr val="accent1"/>
-          </a:lnRef>
-          <a:fillRef idx="0">
-            <a:schemeClr val="accent1"/>
-          </a:fillRef>
-          <a:effectRef idx="0">
-            <a:schemeClr val="accent1"/>
-          </a:effectRef>
-          <a:fontRef idx="minor"/>
-        </p:style>
-      </p:sp>
-      <p:pic>
-        <p:nvPicPr>
-          <p:cNvPr id="110" name="Picture 78" descr=""/>
-          <p:cNvPicPr/>
-          <p:nvPr/>
-        </p:nvPicPr>
-        <p:blipFill>
-          <a:blip r:embed="rId8"/>
-          <a:stretch/>
-        </p:blipFill>
-        <p:spPr>
-          <a:xfrm>
-            <a:off x="776520" y="4903200"/>
-            <a:ext cx="1253520" cy="1253520"/>
-          </a:xfrm>
-          <a:prstGeom prst="rect">
-            <a:avLst/>
-          </a:prstGeom>
-          <a:ln>
-            <a:noFill/>
-          </a:ln>
-        </p:spPr>
-      </p:pic>
-      <p:grpSp>
-        <p:nvGrpSpPr>
-          <p:cNvPr id="111" name="Group 20"/>
-          <p:cNvGrpSpPr/>
-          <p:nvPr/>
-        </p:nvGrpSpPr>
-        <p:grpSpPr>
-          <a:xfrm>
-            <a:off x="3650040" y="5054400"/>
-            <a:ext cx="874080" cy="893880"/>
-            <a:chOff x="3650040" y="5054400"/>
-            <a:chExt cx="874080" cy="893880"/>
-          </a:xfrm>
-        </p:grpSpPr>
-        <p:pic>
-          <p:nvPicPr>
-            <p:cNvPr id="112" name="Picture 80" descr=""/>
-            <p:cNvPicPr/>
-            <p:nvPr/>
-          </p:nvPicPr>
-          <p:blipFill>
-            <a:blip r:embed="rId9"/>
-            <a:stretch/>
-          </p:blipFill>
-          <p:spPr>
-            <a:xfrm>
-              <a:off x="3954240" y="5054400"/>
-              <a:ext cx="569880" cy="569880"/>
-            </a:xfrm>
-            <a:prstGeom prst="rect">
-              <a:avLst/>
-            </a:prstGeom>
-            <a:ln>
-              <a:noFill/>
-            </a:ln>
-          </p:spPr>
-        </p:pic>
-        <p:pic>
-          <p:nvPicPr>
-            <p:cNvPr id="113" name="Picture 81" descr=""/>
-            <p:cNvPicPr/>
-            <p:nvPr/>
-          </p:nvPicPr>
-          <p:blipFill>
-            <a:blip r:embed="rId10"/>
-            <a:stretch/>
-          </p:blipFill>
-          <p:spPr>
-            <a:xfrm>
-              <a:off x="3650040" y="5357880"/>
-              <a:ext cx="590400" cy="590400"/>
-            </a:xfrm>
-            <a:prstGeom prst="rect">
-              <a:avLst/>
-            </a:prstGeom>
-            <a:ln>
-              <a:noFill/>
-            </a:ln>
-          </p:spPr>
-        </p:pic>
-      </p:grpSp>
-      <p:sp>
-        <p:nvSpPr>
-          <p:cNvPr id="114" name="CustomShape 21"/>
-          <p:cNvSpPr/>
-          <p:nvPr/>
-        </p:nvSpPr>
-        <p:spPr>
-          <a:xfrm rot="10800000">
-            <a:off x="2556720" y="5631120"/>
-            <a:ext cx="313200" cy="670320"/>
-          </a:xfrm>
-          <a:prstGeom prst="rightBracket">
-            <a:avLst>
-              <a:gd name="adj" fmla="val 8333"/>
-            </a:avLst>
-          </a:prstGeom>
-          <a:noFill/>
-          <a:ln w="19080">
-            <a:solidFill>
-              <a:schemeClr val="bg1">
-                <a:lumMod val="65000"/>
-              </a:schemeClr>
-            </a:solidFill>
-            <a:prstDash val="sysDash"/>
-          </a:ln>
-        </p:spPr>
-        <p:style>
-          <a:lnRef idx="1">
-            <a:schemeClr val="accent1"/>
-          </a:lnRef>
-          <a:fillRef idx="0">
-            <a:schemeClr val="accent1"/>
-          </a:fillRef>
-          <a:effectRef idx="0">
-            <a:schemeClr val="accent1"/>
-          </a:effectRef>
-          <a:fontRef idx="minor"/>
-        </p:style>
-      </p:sp>
-      <p:sp>
-        <p:nvSpPr>
-          <p:cNvPr id="115" name="CustomShape 22"/>
-          <p:cNvSpPr/>
-          <p:nvPr/>
-        </p:nvSpPr>
-        <p:spPr>
-          <a:xfrm>
-            <a:off x="2698920" y="6441840"/>
-            <a:ext cx="1153080" cy="227520"/>
-          </a:xfrm>
-          <a:prstGeom prst="rect">
-            <a:avLst/>
-          </a:prstGeom>
-          <a:noFill/>
-          <a:ln>
-            <a:noFill/>
-          </a:ln>
-        </p:spPr>
-        <p:style>
-          <a:lnRef idx="0"/>
-          <a:fillRef idx="0"/>
-          <a:effectRef idx="0"/>
-          <a:fontRef idx="minor"/>
-        </p:style>
-        <p:txBody>
-          <a:bodyPr lIns="90000" rIns="90000" tIns="45000" bIns="45000">
-            <a:spAutoFit/>
-          </a:bodyPr>
-          <a:p>
-            <a:pPr>
-              <a:lnSpc>
-                <a:spcPct val="100000"/>
-              </a:lnSpc>
-            </a:pPr>
-            <a:r>
-              <a:rPr b="0" lang="fr-FR" sz="900" spc="-1" strike="noStrike">
-                <a:solidFill>
-                  <a:srgbClr val="000000"/>
-                </a:solidFill>
-                <a:latin typeface="Calibri"/>
-              </a:rPr>
-              <a:t>192.168.1.XX</a:t>
-            </a:r>
-            <a:endParaRPr b="0" lang="fr-FR" sz="900" spc="-1" strike="noStrike">
-              <a:latin typeface="Arial"/>
-            </a:endParaRPr>
-          </a:p>
-        </p:txBody>
-      </p:sp>
-      <p:sp>
-        <p:nvSpPr>
-          <p:cNvPr id="116" name="CustomShape 23"/>
-          <p:cNvSpPr/>
-          <p:nvPr/>
-        </p:nvSpPr>
-        <p:spPr>
-          <a:xfrm>
-            <a:off x="3547440" y="5807520"/>
-            <a:ext cx="1240560" cy="227520"/>
-          </a:xfrm>
-          <a:prstGeom prst="rect">
-            <a:avLst/>
-          </a:prstGeom>
-          <a:noFill/>
-          <a:ln>
-            <a:noFill/>
-          </a:ln>
-        </p:spPr>
-        <p:style>
-          <a:lnRef idx="0"/>
-          <a:fillRef idx="0"/>
-          <a:effectRef idx="0"/>
-          <a:fontRef idx="minor"/>
-        </p:style>
-        <p:txBody>
-          <a:bodyPr lIns="90000" rIns="90000" tIns="45000" bIns="45000">
-            <a:spAutoFit/>
-          </a:bodyPr>
-          <a:p>
-            <a:pPr>
-              <a:lnSpc>
-                <a:spcPct val="100000"/>
-              </a:lnSpc>
-            </a:pPr>
-            <a:r>
-              <a:rPr b="0" lang="fr-FR" sz="900" spc="-1" strike="noStrike">
-                <a:solidFill>
-                  <a:srgbClr val="000000"/>
-                </a:solidFill>
-                <a:latin typeface="Calibri"/>
-              </a:rPr>
-              <a:t>192.168.1.XY</a:t>
-            </a:r>
-            <a:endParaRPr b="0" lang="fr-FR" sz="900" spc="-1" strike="noStrike">
-              <a:latin typeface="Arial"/>
-            </a:endParaRPr>
-          </a:p>
-        </p:txBody>
-      </p:sp>
-      <p:sp>
-        <p:nvSpPr>
-          <p:cNvPr id="117" name="CustomShape 24"/>
-          <p:cNvSpPr/>
-          <p:nvPr/>
-        </p:nvSpPr>
-        <p:spPr>
-          <a:xfrm>
-            <a:off x="3351960" y="5007600"/>
-            <a:ext cx="230760" cy="428760"/>
-          </a:xfrm>
-          <a:prstGeom prst="rightBracket">
-            <a:avLst>
-              <a:gd name="adj" fmla="val 8333"/>
-            </a:avLst>
-          </a:prstGeom>
-          <a:noFill/>
-          <a:ln w="19080">
-            <a:solidFill>
-              <a:schemeClr val="bg1">
-                <a:lumMod val="65000"/>
-              </a:schemeClr>
-            </a:solidFill>
-            <a:prstDash val="sysDash"/>
-          </a:ln>
-        </p:spPr>
-        <p:style>
-          <a:lnRef idx="1">
-            <a:schemeClr val="accent1"/>
-          </a:lnRef>
-          <a:fillRef idx="0">
-            <a:schemeClr val="accent1"/>
-          </a:fillRef>
-          <a:effectRef idx="0">
-            <a:schemeClr val="accent1"/>
-          </a:effectRef>
-          <a:fontRef idx="minor"/>
-        </p:style>
-      </p:sp>
-      <p:sp>
-        <p:nvSpPr>
-          <p:cNvPr id="118" name="CustomShape 25"/>
-          <p:cNvSpPr/>
-          <p:nvPr/>
-        </p:nvSpPr>
-        <p:spPr>
-          <a:xfrm>
-            <a:off x="2703240" y="4125240"/>
-            <a:ext cx="1580760" cy="227520"/>
-          </a:xfrm>
-          <a:prstGeom prst="rect">
-            <a:avLst/>
-          </a:prstGeom>
-          <a:noFill/>
-          <a:ln>
-            <a:noFill/>
-          </a:ln>
-        </p:spPr>
-        <p:style>
-          <a:lnRef idx="0"/>
-          <a:fillRef idx="0"/>
-          <a:effectRef idx="0"/>
-          <a:fontRef idx="minor"/>
-        </p:style>
-        <p:txBody>
-          <a:bodyPr lIns="90000" rIns="90000" tIns="45000" bIns="45000">
-            <a:spAutoFit/>
-          </a:bodyPr>
-          <a:p>
-            <a:pPr>
-              <a:lnSpc>
-                <a:spcPct val="100000"/>
-              </a:lnSpc>
-            </a:pPr>
-            <a:r>
-              <a:rPr b="0" lang="fr-FR" sz="900" spc="-1" strike="noStrike">
-                <a:solidFill>
-                  <a:srgbClr val="000000"/>
-                </a:solidFill>
-                <a:latin typeface="Calibri"/>
-              </a:rPr>
-              <a:t>192.168.1.XYZ</a:t>
-            </a:r>
-            <a:endParaRPr b="0" lang="fr-FR" sz="900" spc="-1" strike="noStrike">
-              <a:latin typeface="Arial"/>
-            </a:endParaRPr>
-          </a:p>
-        </p:txBody>
-      </p:sp>
       <p:grpSp>
         <p:nvGrpSpPr>
           <p:cNvPr id="119" name="Group 26"/>
@@ -4360,7 +3635,7 @@
         </p:nvGrpSpPr>
         <p:grpSpPr>
           <a:xfrm>
-            <a:off x="2421360" y="4142880"/>
+            <a:off x="2421360" y="4040039"/>
             <a:ext cx="1371600" cy="1371600"/>
             <a:chOff x="2421360" y="4142880"/>
             <a:chExt cx="1371600" cy="1371600"/>
@@ -4382,12 +3657,12 @@
           </p:grpSpPr>
           <p:pic>
             <p:nvPicPr>
-              <p:cNvPr id="121" name="Picture 121" descr=""/>
+              <p:cNvPr id="121" name="Picture 121"/>
               <p:cNvPicPr/>
               <p:nvPr/>
             </p:nvPicPr>
             <p:blipFill>
-              <a:blip r:embed="rId11"/>
+              <a:blip r:embed="rId2"/>
               <a:stretch/>
             </p:blipFill>
             <p:spPr>
@@ -4420,7 +3695,7 @@
                 </a:avLst>
               </a:prstGeom>
               <a:blipFill rotWithShape="0">
-                <a:blip r:embed="rId12"/>
+                <a:blip r:embed="rId3"/>
                 <a:stretch>
                   <a:fillRect/>
                 </a:stretch>
@@ -4429,24 +3704,30 @@
                 <a:noFill/>
               </a:ln>
               <a:effectLst>
-                <a:reflection algn="bl" blurRad="12700" dir="5400000" dist="5000" endPos="28000" rotWithShape="0" stA="38000" sy="-100000"/>
+                <a:reflection blurRad="12700" stA="38000" endPos="28000" dist="5000" dir="5400000" sy="-100000" algn="bl" rotWithShape="0"/>
               </a:effectLst>
             </p:spPr>
             <p:style>
-              <a:lnRef idx="0"/>
-              <a:fillRef idx="0"/>
-              <a:effectRef idx="0"/>
+              <a:lnRef idx="0">
+                <a:scrgbClr r="0" g="0" b="0"/>
+              </a:lnRef>
+              <a:fillRef idx="0">
+                <a:scrgbClr r="0" g="0" b="0"/>
+              </a:fillRef>
+              <a:effectRef idx="0">
+                <a:scrgbClr r="0" g="0" b="0"/>
+              </a:effectRef>
               <a:fontRef idx="minor"/>
             </p:style>
           </p:sp>
           <p:pic>
             <p:nvPicPr>
-              <p:cNvPr id="123" name="Picture 123" descr=""/>
+              <p:cNvPr id="123" name="Picture 123"/>
               <p:cNvPicPr/>
               <p:nvPr/>
             </p:nvPicPr>
             <p:blipFill>
-              <a:blip r:embed="rId13"/>
+              <a:blip r:embed="rId4"/>
               <a:stretch/>
             </p:blipFill>
             <p:spPr>
@@ -4477,7 +3758,7 @@
                 <a:avLst/>
               </a:prstGeom>
               <a:solidFill>
-                <a:srgbClr val="ffffff">
+                <a:srgbClr val="FFFFFF">
                   <a:alpha val="39000"/>
                 </a:srgbClr>
               </a:solidFill>
@@ -4516,7 +3797,7 @@
               <a:avLst/>
             </a:prstGeom>
             <a:solidFill>
-              <a:srgbClr val="ffffff">
+              <a:srgbClr val="FFFFFF">
                 <a:alpha val="39000"/>
               </a:srgbClr>
             </a:solidFill>
@@ -4542,20 +3823,1282 @@
       </p:grpSp>
       <p:sp>
         <p:nvSpPr>
+          <p:cNvPr id="128" name="CustomShape 33"/>
+          <p:cNvSpPr/>
+          <p:nvPr/>
+        </p:nvSpPr>
+        <p:spPr>
+          <a:xfrm>
+            <a:off x="2232000" y="792000"/>
+            <a:ext cx="5256000" cy="2808000"/>
+          </a:xfrm>
+          <a:custGeom>
+            <a:avLst/>
+            <a:gdLst/>
+            <a:ahLst/>
+            <a:cxnLst/>
+            <a:rect l="0" t="0" r="r" b="b"/>
+            <a:pathLst>
+              <a:path w="14602" h="7802">
+                <a:moveTo>
+                  <a:pt x="1300" y="0"/>
+                </a:moveTo>
+                <a:lnTo>
+                  <a:pt x="1300" y="0"/>
+                </a:lnTo>
+                <a:cubicBezTo>
+                  <a:pt x="1072" y="0"/>
+                  <a:pt x="848" y="60"/>
+                  <a:pt x="650" y="174"/>
+                </a:cubicBezTo>
+                <a:cubicBezTo>
+                  <a:pt x="452" y="288"/>
+                  <a:pt x="288" y="452"/>
+                  <a:pt x="174" y="650"/>
+                </a:cubicBezTo>
+                <a:cubicBezTo>
+                  <a:pt x="60" y="848"/>
+                  <a:pt x="0" y="1072"/>
+                  <a:pt x="0" y="1300"/>
+                </a:cubicBezTo>
+                <a:lnTo>
+                  <a:pt x="0" y="6500"/>
+                </a:lnTo>
+                <a:lnTo>
+                  <a:pt x="0" y="6501"/>
+                </a:lnTo>
+                <a:cubicBezTo>
+                  <a:pt x="0" y="6729"/>
+                  <a:pt x="60" y="6953"/>
+                  <a:pt x="174" y="7151"/>
+                </a:cubicBezTo>
+                <a:cubicBezTo>
+                  <a:pt x="288" y="7349"/>
+                  <a:pt x="452" y="7513"/>
+                  <a:pt x="650" y="7627"/>
+                </a:cubicBezTo>
+                <a:cubicBezTo>
+                  <a:pt x="848" y="7741"/>
+                  <a:pt x="1072" y="7801"/>
+                  <a:pt x="1300" y="7801"/>
+                </a:cubicBezTo>
+                <a:lnTo>
+                  <a:pt x="13300" y="7801"/>
+                </a:lnTo>
+                <a:lnTo>
+                  <a:pt x="13301" y="7801"/>
+                </a:lnTo>
+                <a:cubicBezTo>
+                  <a:pt x="13529" y="7801"/>
+                  <a:pt x="13753" y="7741"/>
+                  <a:pt x="13951" y="7627"/>
+                </a:cubicBezTo>
+                <a:cubicBezTo>
+                  <a:pt x="14149" y="7513"/>
+                  <a:pt x="14313" y="7349"/>
+                  <a:pt x="14427" y="7151"/>
+                </a:cubicBezTo>
+                <a:cubicBezTo>
+                  <a:pt x="14541" y="6953"/>
+                  <a:pt x="14601" y="6729"/>
+                  <a:pt x="14601" y="6501"/>
+                </a:cubicBezTo>
+                <a:lnTo>
+                  <a:pt x="14601" y="1300"/>
+                </a:lnTo>
+                <a:lnTo>
+                  <a:pt x="14601" y="1300"/>
+                </a:lnTo>
+                <a:lnTo>
+                  <a:pt x="14601" y="1300"/>
+                </a:lnTo>
+                <a:cubicBezTo>
+                  <a:pt x="14601" y="1072"/>
+                  <a:pt x="14541" y="848"/>
+                  <a:pt x="14427" y="650"/>
+                </a:cubicBezTo>
+                <a:cubicBezTo>
+                  <a:pt x="14313" y="452"/>
+                  <a:pt x="14149" y="288"/>
+                  <a:pt x="13951" y="174"/>
+                </a:cubicBezTo>
+                <a:cubicBezTo>
+                  <a:pt x="13753" y="60"/>
+                  <a:pt x="13529" y="0"/>
+                  <a:pt x="13301" y="0"/>
+                </a:cubicBezTo>
+                <a:lnTo>
+                  <a:pt x="1300" y="0"/>
+                </a:lnTo>
+              </a:path>
+            </a:pathLst>
+          </a:custGeom>
+          <a:solidFill>
+            <a:schemeClr val="bg1"/>
+          </a:solidFill>
+          <a:ln w="9525">
+            <a:solidFill>
+              <a:srgbClr val="3465A4"/>
+            </a:solidFill>
+            <a:prstDash val="dash"/>
+            <a:round/>
+          </a:ln>
+        </p:spPr>
+        <p:style>
+          <a:lnRef idx="0">
+            <a:scrgbClr r="0" g="0" b="0"/>
+          </a:lnRef>
+          <a:fillRef idx="0">
+            <a:scrgbClr r="0" g="0" b="0"/>
+          </a:fillRef>
+          <a:effectRef idx="0">
+            <a:scrgbClr r="0" g="0" b="0"/>
+          </a:effectRef>
+          <a:fontRef idx="minor"/>
+        </p:style>
+      </p:sp>
+      <p:sp>
+        <p:nvSpPr>
+          <p:cNvPr id="93" name="CustomShape 6"/>
+          <p:cNvSpPr/>
+          <p:nvPr/>
+        </p:nvSpPr>
+        <p:spPr>
+          <a:xfrm rot="10800000">
+            <a:off x="2614680" y="2028600"/>
+            <a:ext cx="313200" cy="771840"/>
+          </a:xfrm>
+          <a:prstGeom prst="rightBracket">
+            <a:avLst>
+              <a:gd name="adj" fmla="val 8333"/>
+            </a:avLst>
+          </a:prstGeom>
+          <a:noFill/>
+          <a:ln w="19080">
+            <a:solidFill>
+              <a:schemeClr val="bg1">
+                <a:lumMod val="65000"/>
+              </a:schemeClr>
+            </a:solidFill>
+            <a:prstDash val="sysDash"/>
+          </a:ln>
+        </p:spPr>
+        <p:style>
+          <a:lnRef idx="1">
+            <a:schemeClr val="accent1"/>
+          </a:lnRef>
+          <a:fillRef idx="0">
+            <a:schemeClr val="accent1"/>
+          </a:fillRef>
+          <a:effectRef idx="0">
+            <a:schemeClr val="accent1"/>
+          </a:effectRef>
+          <a:fontRef idx="minor"/>
+        </p:style>
+      </p:sp>
+      <p:sp>
+        <p:nvSpPr>
+          <p:cNvPr id="129" name="CustomShape 34"/>
+          <p:cNvSpPr/>
+          <p:nvPr/>
+        </p:nvSpPr>
+        <p:spPr>
+          <a:xfrm>
+            <a:off x="3528000" y="936000"/>
+            <a:ext cx="3816000" cy="1656000"/>
+          </a:xfrm>
+          <a:custGeom>
+            <a:avLst/>
+            <a:gdLst/>
+            <a:ahLst/>
+            <a:cxnLst/>
+            <a:rect l="0" t="0" r="r" b="b"/>
+            <a:pathLst>
+              <a:path w="10602" h="4602">
+                <a:moveTo>
+                  <a:pt x="766" y="0"/>
+                </a:moveTo>
+                <a:lnTo>
+                  <a:pt x="767" y="0"/>
+                </a:lnTo>
+                <a:cubicBezTo>
+                  <a:pt x="632" y="0"/>
+                  <a:pt x="500" y="35"/>
+                  <a:pt x="383" y="103"/>
+                </a:cubicBezTo>
+                <a:cubicBezTo>
+                  <a:pt x="267" y="170"/>
+                  <a:pt x="170" y="267"/>
+                  <a:pt x="103" y="383"/>
+                </a:cubicBezTo>
+                <a:cubicBezTo>
+                  <a:pt x="35" y="500"/>
+                  <a:pt x="0" y="632"/>
+                  <a:pt x="0" y="767"/>
+                </a:cubicBezTo>
+                <a:lnTo>
+                  <a:pt x="0" y="3834"/>
+                </a:lnTo>
+                <a:lnTo>
+                  <a:pt x="0" y="3834"/>
+                </a:lnTo>
+                <a:cubicBezTo>
+                  <a:pt x="0" y="3969"/>
+                  <a:pt x="35" y="4101"/>
+                  <a:pt x="103" y="4218"/>
+                </a:cubicBezTo>
+                <a:cubicBezTo>
+                  <a:pt x="170" y="4334"/>
+                  <a:pt x="267" y="4431"/>
+                  <a:pt x="383" y="4498"/>
+                </a:cubicBezTo>
+                <a:cubicBezTo>
+                  <a:pt x="500" y="4566"/>
+                  <a:pt x="632" y="4601"/>
+                  <a:pt x="767" y="4601"/>
+                </a:cubicBezTo>
+                <a:lnTo>
+                  <a:pt x="9834" y="4601"/>
+                </a:lnTo>
+                <a:lnTo>
+                  <a:pt x="9834" y="4601"/>
+                </a:lnTo>
+                <a:cubicBezTo>
+                  <a:pt x="9969" y="4601"/>
+                  <a:pt x="10101" y="4566"/>
+                  <a:pt x="10218" y="4498"/>
+                </a:cubicBezTo>
+                <a:cubicBezTo>
+                  <a:pt x="10334" y="4431"/>
+                  <a:pt x="10431" y="4334"/>
+                  <a:pt x="10498" y="4218"/>
+                </a:cubicBezTo>
+                <a:cubicBezTo>
+                  <a:pt x="10566" y="4101"/>
+                  <a:pt x="10601" y="3969"/>
+                  <a:pt x="10601" y="3834"/>
+                </a:cubicBezTo>
+                <a:lnTo>
+                  <a:pt x="10601" y="766"/>
+                </a:lnTo>
+                <a:lnTo>
+                  <a:pt x="10601" y="767"/>
+                </a:lnTo>
+                <a:lnTo>
+                  <a:pt x="10601" y="767"/>
+                </a:lnTo>
+                <a:cubicBezTo>
+                  <a:pt x="10601" y="632"/>
+                  <a:pt x="10566" y="500"/>
+                  <a:pt x="10498" y="383"/>
+                </a:cubicBezTo>
+                <a:cubicBezTo>
+                  <a:pt x="10431" y="267"/>
+                  <a:pt x="10334" y="170"/>
+                  <a:pt x="10218" y="103"/>
+                </a:cubicBezTo>
+                <a:cubicBezTo>
+                  <a:pt x="10101" y="35"/>
+                  <a:pt x="9969" y="0"/>
+                  <a:pt x="9834" y="0"/>
+                </a:cubicBezTo>
+                <a:lnTo>
+                  <a:pt x="766" y="0"/>
+                </a:lnTo>
+              </a:path>
+            </a:pathLst>
+          </a:custGeom>
+          <a:solidFill>
+            <a:schemeClr val="bg1">
+              <a:lumMod val="85000"/>
+            </a:schemeClr>
+          </a:solidFill>
+          <a:ln w="72000">
+            <a:noFill/>
+            <a:round/>
+          </a:ln>
+        </p:spPr>
+        <p:style>
+          <a:lnRef idx="0">
+            <a:scrgbClr r="0" g="0" b="0"/>
+          </a:lnRef>
+          <a:fillRef idx="0">
+            <a:scrgbClr r="0" g="0" b="0"/>
+          </a:fillRef>
+          <a:effectRef idx="0">
+            <a:scrgbClr r="0" g="0" b="0"/>
+          </a:effectRef>
+          <a:fontRef idx="minor"/>
+        </p:style>
+      </p:sp>
+      <p:sp>
+        <p:nvSpPr>
+          <p:cNvPr id="85" name="CustomShape 1"/>
+          <p:cNvSpPr/>
+          <p:nvPr/>
+        </p:nvSpPr>
+        <p:spPr>
+          <a:xfrm rot="10800000" flipH="1" flipV="1">
+            <a:off x="3596040" y="5143964"/>
+            <a:ext cx="251640" cy="243000"/>
+          </a:xfrm>
+          <a:prstGeom prst="bentConnector3">
+            <a:avLst>
+              <a:gd name="adj1" fmla="val 99139"/>
+            </a:avLst>
+          </a:prstGeom>
+          <a:noFill/>
+          <a:ln w="19080">
+            <a:solidFill>
+              <a:schemeClr val="bg1">
+                <a:lumMod val="65000"/>
+              </a:schemeClr>
+            </a:solidFill>
+            <a:prstDash val="sysDash"/>
+          </a:ln>
+        </p:spPr>
+        <p:style>
+          <a:lnRef idx="1">
+            <a:schemeClr val="accent1"/>
+          </a:lnRef>
+          <a:fillRef idx="0">
+            <a:schemeClr val="accent1"/>
+          </a:fillRef>
+          <a:effectRef idx="0">
+            <a:schemeClr val="accent1"/>
+          </a:effectRef>
+          <a:fontRef idx="minor"/>
+        </p:style>
+      </p:sp>
+      <p:sp>
+        <p:nvSpPr>
+          <p:cNvPr id="86" name="Line 2"/>
+          <p:cNvSpPr/>
+          <p:nvPr/>
+        </p:nvSpPr>
+        <p:spPr>
+          <a:xfrm>
+            <a:off x="289080" y="2454840"/>
+            <a:ext cx="648000" cy="0"/>
+          </a:xfrm>
+          <a:prstGeom prst="line">
+            <a:avLst/>
+          </a:prstGeom>
+          <a:ln w="57240">
+            <a:solidFill>
+              <a:schemeClr val="bg1">
+                <a:lumMod val="65000"/>
+              </a:schemeClr>
+            </a:solidFill>
+            <a:prstDash val="sysDot"/>
+          </a:ln>
+        </p:spPr>
+        <p:style>
+          <a:lnRef idx="1">
+            <a:schemeClr val="accent1"/>
+          </a:lnRef>
+          <a:fillRef idx="0">
+            <a:schemeClr val="accent1"/>
+          </a:fillRef>
+          <a:effectRef idx="0">
+            <a:schemeClr val="accent1"/>
+          </a:effectRef>
+          <a:fontRef idx="minor"/>
+        </p:style>
+      </p:sp>
+      <p:sp>
+        <p:nvSpPr>
+          <p:cNvPr id="87" name="Line 3"/>
+          <p:cNvSpPr/>
+          <p:nvPr/>
+        </p:nvSpPr>
+        <p:spPr>
+          <a:xfrm>
+            <a:off x="3408840" y="2002680"/>
+            <a:ext cx="252000" cy="0"/>
+          </a:xfrm>
+          <a:prstGeom prst="line">
+            <a:avLst/>
+          </a:prstGeom>
+          <a:ln w="19080">
+            <a:solidFill>
+              <a:schemeClr val="bg1">
+                <a:lumMod val="65000"/>
+              </a:schemeClr>
+            </a:solidFill>
+            <a:prstDash val="sysDash"/>
+          </a:ln>
+        </p:spPr>
+        <p:style>
+          <a:lnRef idx="1">
+            <a:schemeClr val="accent1"/>
+          </a:lnRef>
+          <a:fillRef idx="0">
+            <a:schemeClr val="accent1"/>
+          </a:fillRef>
+          <a:effectRef idx="0">
+            <a:schemeClr val="accent1"/>
+          </a:effectRef>
+          <a:fontRef idx="minor"/>
+        </p:style>
+      </p:sp>
+      <p:sp>
+        <p:nvSpPr>
+          <p:cNvPr id="88" name="Line 4"/>
+          <p:cNvSpPr/>
+          <p:nvPr/>
+        </p:nvSpPr>
+        <p:spPr>
+          <a:xfrm flipV="1">
+            <a:off x="2016000" y="2456280"/>
+            <a:ext cx="598320" cy="360"/>
+          </a:xfrm>
+          <a:prstGeom prst="line">
+            <a:avLst/>
+          </a:prstGeom>
+          <a:ln w="19080">
+            <a:solidFill>
+              <a:schemeClr val="bg1">
+                <a:lumMod val="65000"/>
+              </a:schemeClr>
+            </a:solidFill>
+            <a:prstDash val="sysDash"/>
+          </a:ln>
+        </p:spPr>
+        <p:style>
+          <a:lnRef idx="1">
+            <a:schemeClr val="accent1"/>
+          </a:lnRef>
+          <a:fillRef idx="0">
+            <a:schemeClr val="accent1"/>
+          </a:fillRef>
+          <a:effectRef idx="0">
+            <a:schemeClr val="accent1"/>
+          </a:effectRef>
+          <a:fontRef idx="minor"/>
+        </p:style>
+      </p:sp>
+      <p:pic>
+        <p:nvPicPr>
+          <p:cNvPr id="89" name="Picture 5"/>
+          <p:cNvPicPr/>
+          <p:nvPr/>
+        </p:nvPicPr>
+        <p:blipFill>
+          <a:blip r:embed="rId5"/>
+          <a:stretch/>
+        </p:blipFill>
+        <p:spPr>
+          <a:xfrm>
+            <a:off x="794520" y="1538280"/>
+            <a:ext cx="1253520" cy="1253520"/>
+          </a:xfrm>
+          <a:prstGeom prst="rect">
+            <a:avLst/>
+          </a:prstGeom>
+          <a:ln>
+            <a:noFill/>
+          </a:ln>
+        </p:spPr>
+      </p:pic>
+      <p:grpSp>
+        <p:nvGrpSpPr>
+          <p:cNvPr id="90" name="Group 5"/>
+          <p:cNvGrpSpPr/>
+          <p:nvPr/>
+        </p:nvGrpSpPr>
+        <p:grpSpPr>
+          <a:xfrm>
+            <a:off x="2529720" y="1458720"/>
+            <a:ext cx="896760" cy="839160"/>
+            <a:chOff x="2529720" y="1458720"/>
+            <a:chExt cx="896760" cy="839160"/>
+          </a:xfrm>
+        </p:grpSpPr>
+        <p:pic>
+          <p:nvPicPr>
+            <p:cNvPr id="91" name="Picture 111"/>
+            <p:cNvPicPr/>
+            <p:nvPr/>
+          </p:nvPicPr>
+          <p:blipFill>
+            <a:blip r:embed="rId6"/>
+            <a:stretch/>
+          </p:blipFill>
+          <p:spPr>
+            <a:xfrm>
+              <a:off x="2529720" y="1458720"/>
+              <a:ext cx="569880" cy="569880"/>
+            </a:xfrm>
+            <a:prstGeom prst="rect">
+              <a:avLst/>
+            </a:prstGeom>
+            <a:ln>
+              <a:noFill/>
+            </a:ln>
+          </p:spPr>
+        </p:pic>
+        <p:pic>
+          <p:nvPicPr>
+            <p:cNvPr id="92" name="Picture 110"/>
+            <p:cNvPicPr/>
+            <p:nvPr/>
+          </p:nvPicPr>
+          <p:blipFill>
+            <a:blip r:embed="rId7"/>
+            <a:stretch/>
+          </p:blipFill>
+          <p:spPr>
+            <a:xfrm>
+              <a:off x="2836080" y="1707480"/>
+              <a:ext cx="590400" cy="590400"/>
+            </a:xfrm>
+            <a:prstGeom prst="rect">
+              <a:avLst/>
+            </a:prstGeom>
+            <a:ln>
+              <a:noFill/>
+            </a:ln>
+          </p:spPr>
+        </p:pic>
+      </p:grpSp>
+      <p:pic>
+        <p:nvPicPr>
+          <p:cNvPr id="94" name="Picture 4"/>
+          <p:cNvPicPr/>
+          <p:nvPr/>
+        </p:nvPicPr>
+        <p:blipFill>
+          <a:blip r:embed="rId8"/>
+          <a:srcRect l="23558" t="36827" r="23717" b="36619"/>
+          <a:stretch/>
+        </p:blipFill>
+        <p:spPr>
+          <a:xfrm>
+            <a:off x="2355840" y="2631600"/>
+            <a:ext cx="1906920" cy="504000"/>
+          </a:xfrm>
+          <a:prstGeom prst="rect">
+            <a:avLst/>
+          </a:prstGeom>
+          <a:ln>
+            <a:noFill/>
+          </a:ln>
+        </p:spPr>
+      </p:pic>
+      <p:grpSp>
+        <p:nvGrpSpPr>
+          <p:cNvPr id="95" name="Group 7"/>
+          <p:cNvGrpSpPr/>
+          <p:nvPr/>
+        </p:nvGrpSpPr>
+        <p:grpSpPr>
+          <a:xfrm>
+            <a:off x="3892320" y="878040"/>
+            <a:ext cx="1371600" cy="1371600"/>
+            <a:chOff x="3892320" y="878040"/>
+            <a:chExt cx="1371600" cy="1371600"/>
+          </a:xfrm>
+        </p:grpSpPr>
+        <p:pic>
+          <p:nvPicPr>
+            <p:cNvPr id="96" name="Picture 8"/>
+            <p:cNvPicPr/>
+            <p:nvPr/>
+          </p:nvPicPr>
+          <p:blipFill>
+            <a:blip r:embed="rId2"/>
+            <a:stretch/>
+          </p:blipFill>
+          <p:spPr>
+            <a:xfrm>
+              <a:off x="3892320" y="878040"/>
+              <a:ext cx="1371600" cy="1371600"/>
+            </a:xfrm>
+            <a:prstGeom prst="rect">
+              <a:avLst/>
+            </a:prstGeom>
+            <a:ln>
+              <a:noFill/>
+            </a:ln>
+          </p:spPr>
+        </p:pic>
+        <p:sp>
+          <p:nvSpPr>
+            <p:cNvPr id="97" name="CustomShape 8"/>
+            <p:cNvSpPr/>
+            <p:nvPr/>
+          </p:nvSpPr>
+          <p:spPr>
+            <a:xfrm>
+              <a:off x="4008960" y="1280520"/>
+              <a:ext cx="684000" cy="333720"/>
+            </a:xfrm>
+            <a:prstGeom prst="roundRect">
+              <a:avLst>
+                <a:gd name="adj" fmla="val 8594"/>
+              </a:avLst>
+            </a:prstGeom>
+            <a:blipFill rotWithShape="0">
+              <a:blip r:embed="rId3"/>
+              <a:stretch>
+                <a:fillRect/>
+              </a:stretch>
+            </a:blipFill>
+            <a:ln>
+              <a:noFill/>
+            </a:ln>
+            <a:effectLst>
+              <a:reflection blurRad="12700" stA="38000" endPos="28000" dist="5000" dir="5400000" sy="-100000" algn="bl" rotWithShape="0"/>
+            </a:effectLst>
+          </p:spPr>
+          <p:style>
+            <a:lnRef idx="0">
+              <a:scrgbClr r="0" g="0" b="0"/>
+            </a:lnRef>
+            <a:fillRef idx="0">
+              <a:scrgbClr r="0" g="0" b="0"/>
+            </a:fillRef>
+            <a:effectRef idx="0">
+              <a:scrgbClr r="0" g="0" b="0"/>
+            </a:effectRef>
+            <a:fontRef idx="minor"/>
+          </p:style>
+        </p:sp>
+        <p:pic>
+          <p:nvPicPr>
+            <p:cNvPr id="98" name="Picture 113"/>
+            <p:cNvPicPr/>
+            <p:nvPr/>
+          </p:nvPicPr>
+          <p:blipFill>
+            <a:blip r:embed="rId4"/>
+            <a:stretch/>
+          </p:blipFill>
+          <p:spPr>
+            <a:xfrm>
+              <a:off x="4728600" y="1208520"/>
+              <a:ext cx="151560" cy="151560"/>
+            </a:xfrm>
+            <a:prstGeom prst="rect">
+              <a:avLst/>
+            </a:prstGeom>
+            <a:ln>
+              <a:noFill/>
+            </a:ln>
+          </p:spPr>
+        </p:pic>
+      </p:grpSp>
+      <p:sp>
+        <p:nvSpPr>
+          <p:cNvPr id="100" name="CustomShape 10"/>
+          <p:cNvSpPr/>
+          <p:nvPr/>
+        </p:nvSpPr>
+        <p:spPr>
+          <a:xfrm rot="10800000">
+            <a:off x="3648600" y="1762920"/>
+            <a:ext cx="313200" cy="670320"/>
+          </a:xfrm>
+          <a:prstGeom prst="rightBracket">
+            <a:avLst>
+              <a:gd name="adj" fmla="val 8333"/>
+            </a:avLst>
+          </a:prstGeom>
+          <a:noFill/>
+          <a:ln w="19080">
+            <a:solidFill>
+              <a:schemeClr val="bg1">
+                <a:lumMod val="65000"/>
+              </a:schemeClr>
+            </a:solidFill>
+            <a:prstDash val="sysDash"/>
+          </a:ln>
+        </p:spPr>
+        <p:style>
+          <a:lnRef idx="1">
+            <a:schemeClr val="accent1"/>
+          </a:lnRef>
+          <a:fillRef idx="0">
+            <a:schemeClr val="accent1"/>
+          </a:fillRef>
+          <a:effectRef idx="0">
+            <a:schemeClr val="accent1"/>
+          </a:effectRef>
+          <a:fontRef idx="minor"/>
+        </p:style>
+      </p:sp>
+      <p:sp>
+        <p:nvSpPr>
+          <p:cNvPr id="104" name="CustomShape 14"/>
+          <p:cNvSpPr/>
+          <p:nvPr/>
+        </p:nvSpPr>
+        <p:spPr>
+          <a:xfrm>
+            <a:off x="2821680" y="3087000"/>
+            <a:ext cx="1066320" cy="227520"/>
+          </a:xfrm>
+          <a:prstGeom prst="rect">
+            <a:avLst/>
+          </a:prstGeom>
+          <a:noFill/>
+          <a:ln>
+            <a:noFill/>
+          </a:ln>
+        </p:spPr>
+        <p:style>
+          <a:lnRef idx="0">
+            <a:scrgbClr r="0" g="0" b="0"/>
+          </a:lnRef>
+          <a:fillRef idx="0">
+            <a:scrgbClr r="0" g="0" b="0"/>
+          </a:fillRef>
+          <a:effectRef idx="0">
+            <a:scrgbClr r="0" g="0" b="0"/>
+          </a:effectRef>
+          <a:fontRef idx="minor"/>
+        </p:style>
+        <p:txBody>
+          <a:bodyPr lIns="90000" tIns="45000" rIns="90000" bIns="45000">
+            <a:spAutoFit/>
+          </a:bodyPr>
+          <a:lstStyle/>
+          <a:p>
+            <a:pPr>
+              <a:lnSpc>
+                <a:spcPct val="100000"/>
+              </a:lnSpc>
+            </a:pPr>
+            <a:r>
+              <a:rPr lang="fr-FR" sz="900" b="0" strike="noStrike" spc="-1">
+                <a:solidFill>
+                  <a:srgbClr val="000000"/>
+                </a:solidFill>
+                <a:latin typeface="Calibri"/>
+              </a:rPr>
+              <a:t>192.168.1.XX</a:t>
+            </a:r>
+            <a:endParaRPr lang="fr-FR" sz="900" b="0" strike="noStrike" spc="-1">
+              <a:latin typeface="Arial"/>
+            </a:endParaRPr>
+          </a:p>
+        </p:txBody>
+      </p:sp>
+      <p:sp>
+        <p:nvSpPr>
+          <p:cNvPr id="105" name="CustomShape 15"/>
+          <p:cNvSpPr/>
+          <p:nvPr/>
+        </p:nvSpPr>
+        <p:spPr>
+          <a:xfrm>
+            <a:off x="2787840" y="2173140"/>
+            <a:ext cx="1005120" cy="227520"/>
+          </a:xfrm>
+          <a:prstGeom prst="rect">
+            <a:avLst/>
+          </a:prstGeom>
+          <a:noFill/>
+          <a:ln>
+            <a:noFill/>
+          </a:ln>
+        </p:spPr>
+        <p:style>
+          <a:lnRef idx="0">
+            <a:scrgbClr r="0" g="0" b="0"/>
+          </a:lnRef>
+          <a:fillRef idx="0">
+            <a:scrgbClr r="0" g="0" b="0"/>
+          </a:fillRef>
+          <a:effectRef idx="0">
+            <a:scrgbClr r="0" g="0" b="0"/>
+          </a:effectRef>
+          <a:fontRef idx="minor"/>
+        </p:style>
+        <p:txBody>
+          <a:bodyPr lIns="90000" tIns="45000" rIns="90000" bIns="45000">
+            <a:spAutoFit/>
+          </a:bodyPr>
+          <a:lstStyle/>
+          <a:p>
+            <a:pPr>
+              <a:lnSpc>
+                <a:spcPct val="100000"/>
+              </a:lnSpc>
+            </a:pPr>
+            <a:r>
+              <a:rPr lang="fr-FR" sz="900" b="0" strike="noStrike" spc="-1" dirty="0">
+                <a:solidFill>
+                  <a:srgbClr val="000000"/>
+                </a:solidFill>
+                <a:latin typeface="Calibri"/>
+              </a:rPr>
+              <a:t>192.168.1.XY</a:t>
+            </a:r>
+            <a:endParaRPr lang="fr-FR" sz="900" b="0" strike="noStrike" spc="-1" dirty="0">
+              <a:latin typeface="Arial"/>
+            </a:endParaRPr>
+          </a:p>
+        </p:txBody>
+      </p:sp>
+      <p:sp>
+        <p:nvSpPr>
+          <p:cNvPr id="107" name="Line 17"/>
+          <p:cNvSpPr/>
+          <p:nvPr/>
+        </p:nvSpPr>
+        <p:spPr>
+          <a:xfrm>
+            <a:off x="332280" y="5718164"/>
+            <a:ext cx="648000" cy="0"/>
+          </a:xfrm>
+          <a:prstGeom prst="line">
+            <a:avLst/>
+          </a:prstGeom>
+          <a:ln w="57240">
+            <a:solidFill>
+              <a:schemeClr val="bg1">
+                <a:lumMod val="65000"/>
+              </a:schemeClr>
+            </a:solidFill>
+            <a:prstDash val="sysDot"/>
+          </a:ln>
+        </p:spPr>
+        <p:style>
+          <a:lnRef idx="1">
+            <a:schemeClr val="accent1"/>
+          </a:lnRef>
+          <a:fillRef idx="0">
+            <a:schemeClr val="accent1"/>
+          </a:fillRef>
+          <a:effectRef idx="0">
+            <a:schemeClr val="accent1"/>
+          </a:effectRef>
+          <a:fontRef idx="minor"/>
+        </p:style>
+      </p:sp>
+      <p:sp>
+        <p:nvSpPr>
+          <p:cNvPr id="108" name="Line 18"/>
+          <p:cNvSpPr/>
+          <p:nvPr/>
+        </p:nvSpPr>
+        <p:spPr>
+          <a:xfrm>
+            <a:off x="2825280" y="5532044"/>
+            <a:ext cx="972000" cy="0"/>
+          </a:xfrm>
+          <a:prstGeom prst="line">
+            <a:avLst/>
+          </a:prstGeom>
+          <a:ln w="19080">
+            <a:solidFill>
+              <a:schemeClr val="bg1">
+                <a:lumMod val="65000"/>
+              </a:schemeClr>
+            </a:solidFill>
+            <a:prstDash val="sysDash"/>
+          </a:ln>
+        </p:spPr>
+        <p:style>
+          <a:lnRef idx="1">
+            <a:schemeClr val="accent1"/>
+          </a:lnRef>
+          <a:fillRef idx="0">
+            <a:schemeClr val="accent1"/>
+          </a:fillRef>
+          <a:effectRef idx="0">
+            <a:schemeClr val="accent1"/>
+          </a:effectRef>
+          <a:fontRef idx="minor"/>
+        </p:style>
+      </p:sp>
+      <p:sp>
+        <p:nvSpPr>
+          <p:cNvPr id="109" name="Line 19"/>
+          <p:cNvSpPr/>
+          <p:nvPr/>
+        </p:nvSpPr>
+        <p:spPr>
+          <a:xfrm flipV="1">
+            <a:off x="1980000" y="5657324"/>
+            <a:ext cx="576000" cy="1080"/>
+          </a:xfrm>
+          <a:prstGeom prst="line">
+            <a:avLst/>
+          </a:prstGeom>
+          <a:ln w="19080">
+            <a:solidFill>
+              <a:schemeClr val="bg1">
+                <a:lumMod val="65000"/>
+              </a:schemeClr>
+            </a:solidFill>
+            <a:prstDash val="sysDash"/>
+          </a:ln>
+        </p:spPr>
+        <p:style>
+          <a:lnRef idx="1">
+            <a:schemeClr val="accent1"/>
+          </a:lnRef>
+          <a:fillRef idx="0">
+            <a:schemeClr val="accent1"/>
+          </a:fillRef>
+          <a:effectRef idx="0">
+            <a:schemeClr val="accent1"/>
+          </a:effectRef>
+          <a:fontRef idx="minor"/>
+        </p:style>
+      </p:sp>
+      <p:pic>
+        <p:nvPicPr>
+          <p:cNvPr id="110" name="Picture 78"/>
+          <p:cNvPicPr/>
+          <p:nvPr/>
+        </p:nvPicPr>
+        <p:blipFill>
+          <a:blip r:embed="rId5"/>
+          <a:stretch/>
+        </p:blipFill>
+        <p:spPr>
+          <a:xfrm>
+            <a:off x="776520" y="4801604"/>
+            <a:ext cx="1253520" cy="1253520"/>
+          </a:xfrm>
+          <a:prstGeom prst="rect">
+            <a:avLst/>
+          </a:prstGeom>
+          <a:ln>
+            <a:noFill/>
+          </a:ln>
+        </p:spPr>
+      </p:pic>
+      <p:grpSp>
+        <p:nvGrpSpPr>
+          <p:cNvPr id="111" name="Group 20"/>
+          <p:cNvGrpSpPr/>
+          <p:nvPr/>
+        </p:nvGrpSpPr>
+        <p:grpSpPr>
+          <a:xfrm>
+            <a:off x="3672312" y="4952804"/>
+            <a:ext cx="874080" cy="893880"/>
+            <a:chOff x="3650040" y="5054400"/>
+            <a:chExt cx="874080" cy="893880"/>
+          </a:xfrm>
+        </p:grpSpPr>
+        <p:pic>
+          <p:nvPicPr>
+            <p:cNvPr id="112" name="Picture 80"/>
+            <p:cNvPicPr/>
+            <p:nvPr/>
+          </p:nvPicPr>
+          <p:blipFill>
+            <a:blip r:embed="rId6"/>
+            <a:stretch/>
+          </p:blipFill>
+          <p:spPr>
+            <a:xfrm>
+              <a:off x="3954240" y="5054400"/>
+              <a:ext cx="569880" cy="569880"/>
+            </a:xfrm>
+            <a:prstGeom prst="rect">
+              <a:avLst/>
+            </a:prstGeom>
+            <a:ln>
+              <a:noFill/>
+            </a:ln>
+          </p:spPr>
+        </p:pic>
+        <p:pic>
+          <p:nvPicPr>
+            <p:cNvPr id="113" name="Picture 81"/>
+            <p:cNvPicPr/>
+            <p:nvPr/>
+          </p:nvPicPr>
+          <p:blipFill>
+            <a:blip r:embed="rId7"/>
+            <a:stretch/>
+          </p:blipFill>
+          <p:spPr>
+            <a:xfrm>
+              <a:off x="3650040" y="5357880"/>
+              <a:ext cx="590400" cy="590400"/>
+            </a:xfrm>
+            <a:prstGeom prst="rect">
+              <a:avLst/>
+            </a:prstGeom>
+            <a:ln>
+              <a:noFill/>
+            </a:ln>
+          </p:spPr>
+        </p:pic>
+      </p:grpSp>
+      <p:sp>
+        <p:nvSpPr>
+          <p:cNvPr id="114" name="CustomShape 21"/>
+          <p:cNvSpPr/>
+          <p:nvPr/>
+        </p:nvSpPr>
+        <p:spPr>
+          <a:xfrm rot="10800000">
+            <a:off x="2556720" y="5529524"/>
+            <a:ext cx="313200" cy="670320"/>
+          </a:xfrm>
+          <a:prstGeom prst="rightBracket">
+            <a:avLst>
+              <a:gd name="adj" fmla="val 8333"/>
+            </a:avLst>
+          </a:prstGeom>
+          <a:noFill/>
+          <a:ln w="19080">
+            <a:solidFill>
+              <a:schemeClr val="bg1">
+                <a:lumMod val="65000"/>
+              </a:schemeClr>
+            </a:solidFill>
+            <a:prstDash val="sysDash"/>
+          </a:ln>
+        </p:spPr>
+        <p:style>
+          <a:lnRef idx="1">
+            <a:schemeClr val="accent1"/>
+          </a:lnRef>
+          <a:fillRef idx="0">
+            <a:schemeClr val="accent1"/>
+          </a:fillRef>
+          <a:effectRef idx="0">
+            <a:schemeClr val="accent1"/>
+          </a:effectRef>
+          <a:fontRef idx="minor"/>
+        </p:style>
+      </p:sp>
+      <p:sp>
+        <p:nvSpPr>
+          <p:cNvPr id="115" name="CustomShape 22"/>
+          <p:cNvSpPr/>
+          <p:nvPr/>
+        </p:nvSpPr>
+        <p:spPr>
+          <a:xfrm>
+            <a:off x="2853360" y="6340244"/>
+            <a:ext cx="867960" cy="229378"/>
+          </a:xfrm>
+          <a:prstGeom prst="rect">
+            <a:avLst/>
+          </a:prstGeom>
+          <a:noFill/>
+          <a:ln>
+            <a:noFill/>
+          </a:ln>
+        </p:spPr>
+        <p:style>
+          <a:lnRef idx="0">
+            <a:scrgbClr r="0" g="0" b="0"/>
+          </a:lnRef>
+          <a:fillRef idx="0">
+            <a:scrgbClr r="0" g="0" b="0"/>
+          </a:fillRef>
+          <a:effectRef idx="0">
+            <a:scrgbClr r="0" g="0" b="0"/>
+          </a:effectRef>
+          <a:fontRef idx="minor"/>
+        </p:style>
+        <p:txBody>
+          <a:bodyPr wrap="square" lIns="90000" tIns="45000" rIns="90000" bIns="45000">
+            <a:spAutoFit/>
+          </a:bodyPr>
+          <a:lstStyle/>
+          <a:p>
+            <a:pPr>
+              <a:lnSpc>
+                <a:spcPct val="100000"/>
+              </a:lnSpc>
+            </a:pPr>
+            <a:r>
+              <a:rPr lang="fr-FR" sz="900" b="0" strike="noStrike" spc="-1" dirty="0">
+                <a:solidFill>
+                  <a:srgbClr val="000000"/>
+                </a:solidFill>
+                <a:latin typeface="Calibri"/>
+              </a:rPr>
+              <a:t>192.168.1.XX</a:t>
+            </a:r>
+            <a:endParaRPr lang="fr-FR" sz="900" b="0" strike="noStrike" spc="-1" dirty="0">
+              <a:latin typeface="Arial"/>
+            </a:endParaRPr>
+          </a:p>
+        </p:txBody>
+      </p:sp>
+      <p:sp>
+        <p:nvSpPr>
+          <p:cNvPr id="116" name="CustomShape 23"/>
+          <p:cNvSpPr/>
+          <p:nvPr/>
+        </p:nvSpPr>
+        <p:spPr>
+          <a:xfrm>
+            <a:off x="3605808" y="5705924"/>
+            <a:ext cx="1240560" cy="227520"/>
+          </a:xfrm>
+          <a:prstGeom prst="rect">
+            <a:avLst/>
+          </a:prstGeom>
+          <a:noFill/>
+          <a:ln>
+            <a:noFill/>
+          </a:ln>
+        </p:spPr>
+        <p:style>
+          <a:lnRef idx="0">
+            <a:scrgbClr r="0" g="0" b="0"/>
+          </a:lnRef>
+          <a:fillRef idx="0">
+            <a:scrgbClr r="0" g="0" b="0"/>
+          </a:fillRef>
+          <a:effectRef idx="0">
+            <a:scrgbClr r="0" g="0" b="0"/>
+          </a:effectRef>
+          <a:fontRef idx="minor"/>
+        </p:style>
+        <p:txBody>
+          <a:bodyPr lIns="90000" tIns="45000" rIns="90000" bIns="45000">
+            <a:spAutoFit/>
+          </a:bodyPr>
+          <a:lstStyle/>
+          <a:p>
+            <a:pPr>
+              <a:lnSpc>
+                <a:spcPct val="100000"/>
+              </a:lnSpc>
+            </a:pPr>
+            <a:r>
+              <a:rPr lang="fr-FR" sz="900" b="0" strike="noStrike" spc="-1" dirty="0">
+                <a:solidFill>
+                  <a:srgbClr val="000000"/>
+                </a:solidFill>
+                <a:latin typeface="Calibri"/>
+              </a:rPr>
+              <a:t>192.168.1.XY</a:t>
+            </a:r>
+            <a:endParaRPr lang="fr-FR" sz="900" b="0" strike="noStrike" spc="-1" dirty="0">
+              <a:latin typeface="Arial"/>
+            </a:endParaRPr>
+          </a:p>
+        </p:txBody>
+      </p:sp>
+      <p:sp>
+        <p:nvSpPr>
+          <p:cNvPr id="117" name="CustomShape 24"/>
+          <p:cNvSpPr/>
+          <p:nvPr/>
+        </p:nvSpPr>
+        <p:spPr>
+          <a:xfrm>
+            <a:off x="3351960" y="4906004"/>
+            <a:ext cx="230760" cy="428760"/>
+          </a:xfrm>
+          <a:prstGeom prst="rightBracket">
+            <a:avLst>
+              <a:gd name="adj" fmla="val 8333"/>
+            </a:avLst>
+          </a:prstGeom>
+          <a:noFill/>
+          <a:ln w="19080">
+            <a:solidFill>
+              <a:schemeClr val="bg1">
+                <a:lumMod val="65000"/>
+              </a:schemeClr>
+            </a:solidFill>
+            <a:prstDash val="sysDash"/>
+          </a:ln>
+        </p:spPr>
+        <p:style>
+          <a:lnRef idx="1">
+            <a:schemeClr val="accent1"/>
+          </a:lnRef>
+          <a:fillRef idx="0">
+            <a:schemeClr val="accent1"/>
+          </a:fillRef>
+          <a:effectRef idx="0">
+            <a:schemeClr val="accent1"/>
+          </a:effectRef>
+          <a:fontRef idx="minor"/>
+        </p:style>
+      </p:sp>
+      <p:sp>
+        <p:nvSpPr>
+          <p:cNvPr id="118" name="CustomShape 25"/>
+          <p:cNvSpPr/>
+          <p:nvPr/>
+        </p:nvSpPr>
+        <p:spPr>
+          <a:xfrm>
+            <a:off x="2737505" y="4022399"/>
+            <a:ext cx="894959" cy="229378"/>
+          </a:xfrm>
+          <a:prstGeom prst="rect">
+            <a:avLst/>
+          </a:prstGeom>
+          <a:noFill/>
+          <a:ln>
+            <a:noFill/>
+          </a:ln>
+        </p:spPr>
+        <p:style>
+          <a:lnRef idx="0">
+            <a:scrgbClr r="0" g="0" b="0"/>
+          </a:lnRef>
+          <a:fillRef idx="0">
+            <a:scrgbClr r="0" g="0" b="0"/>
+          </a:fillRef>
+          <a:effectRef idx="0">
+            <a:scrgbClr r="0" g="0" b="0"/>
+          </a:effectRef>
+          <a:fontRef idx="minor"/>
+        </p:style>
+        <p:txBody>
+          <a:bodyPr wrap="square" lIns="90000" tIns="45000" rIns="90000" bIns="45000">
+            <a:spAutoFit/>
+          </a:bodyPr>
+          <a:lstStyle/>
+          <a:p>
+            <a:pPr>
+              <a:lnSpc>
+                <a:spcPct val="100000"/>
+              </a:lnSpc>
+            </a:pPr>
+            <a:r>
+              <a:rPr lang="fr-FR" sz="900" b="0" strike="noStrike" spc="-1" dirty="0">
+                <a:solidFill>
+                  <a:srgbClr val="000000"/>
+                </a:solidFill>
+                <a:latin typeface="Calibri"/>
+              </a:rPr>
+              <a:t>192.168.1.XYZ</a:t>
+            </a:r>
+            <a:endParaRPr lang="fr-FR" sz="900" b="0" strike="noStrike" spc="-1" dirty="0">
+              <a:latin typeface="Arial"/>
+            </a:endParaRPr>
+          </a:p>
+        </p:txBody>
+      </p:sp>
+      <p:sp>
+        <p:nvSpPr>
           <p:cNvPr id="126" name="CustomShape 31"/>
           <p:cNvSpPr/>
           <p:nvPr/>
         </p:nvSpPr>
         <p:spPr>
           <a:xfrm>
-            <a:off x="3150000" y="5342400"/>
+            <a:off x="3150000" y="5240804"/>
             <a:ext cx="335520" cy="218880"/>
           </a:xfrm>
           <a:prstGeom prst="rect">
             <a:avLst/>
           </a:prstGeom>
           <a:solidFill>
-            <a:srgbClr val="ffffff">
+            <a:srgbClr val="FFFFFF">
               <a:alpha val="70000"/>
             </a:srgbClr>
           </a:solidFill>
@@ -4586,14 +5129,14 @@
         </p:nvSpPr>
         <p:spPr>
           <a:xfrm>
-            <a:off x="3259080" y="5345640"/>
+            <a:off x="3259080" y="5244044"/>
             <a:ext cx="379440" cy="214920"/>
           </a:xfrm>
           <a:prstGeom prst="rect">
             <a:avLst/>
           </a:prstGeom>
           <a:solidFill>
-            <a:srgbClr val="ffffff">
+            <a:srgbClr val="FFFFFF">
               <a:alpha val="70000"/>
             </a:srgbClr>
           </a:solidFill>
@@ -4618,19 +5161,20 @@
       </p:sp>
       <p:sp>
         <p:nvSpPr>
-          <p:cNvPr id="128" name="CustomShape 33"/>
+          <p:cNvPr id="130" name="CustomShape 35"/>
           <p:cNvSpPr/>
           <p:nvPr/>
         </p:nvSpPr>
         <p:spPr>
           <a:xfrm>
-            <a:off x="2232000" y="792000"/>
-            <a:ext cx="5256000" cy="2808000"/>
+            <a:off x="2196000" y="3888000"/>
+            <a:ext cx="5292000" cy="2808000"/>
           </a:xfrm>
           <a:custGeom>
             <a:avLst/>
             <a:gdLst/>
             <a:ahLst/>
+            <a:cxnLst/>
             <a:rect l="0" t="0" r="r" b="b"/>
             <a:pathLst>
               <a:path w="14602" h="7802">
@@ -4728,35 +5272,183 @@
             </a:pathLst>
           </a:custGeom>
           <a:noFill/>
-          <a:ln w="72000">
+          <a:ln w="9525">
             <a:solidFill>
-              <a:srgbClr val="3465a4"/>
+              <a:srgbClr val="3465A4"/>
             </a:solidFill>
+            <a:prstDash val="dash"/>
             <a:round/>
           </a:ln>
         </p:spPr>
         <p:style>
-          <a:lnRef idx="0"/>
-          <a:fillRef idx="0"/>
-          <a:effectRef idx="0"/>
+          <a:lnRef idx="0">
+            <a:scrgbClr r="0" g="0" b="0"/>
+          </a:lnRef>
+          <a:fillRef idx="0">
+            <a:scrgbClr r="0" g="0" b="0"/>
+          </a:fillRef>
+          <a:effectRef idx="0">
+            <a:scrgbClr r="0" g="0" b="0"/>
+          </a:effectRef>
           <a:fontRef idx="minor"/>
         </p:style>
       </p:sp>
-      <p:sp>
-        <p:nvSpPr>
-          <p:cNvPr id="129" name="CustomShape 34"/>
+      <p:pic>
+        <p:nvPicPr>
+          <p:cNvPr id="131" name="Picture 85"/>
+          <p:cNvPicPr/>
+          <p:nvPr/>
+        </p:nvPicPr>
+        <p:blipFill>
+          <a:blip r:embed="rId8"/>
+          <a:srcRect l="23558" t="36827" r="23717" b="36619"/>
+          <a:stretch/>
+        </p:blipFill>
+        <p:spPr>
+          <a:xfrm>
+            <a:off x="2333880" y="5884844"/>
+            <a:ext cx="1906920" cy="504000"/>
+          </a:xfrm>
+          <a:prstGeom prst="rect">
+            <a:avLst/>
+          </a:prstGeom>
+          <a:ln>
+            <a:noFill/>
+          </a:ln>
+        </p:spPr>
+      </p:pic>
+      <p:sp>
+        <p:nvSpPr>
+          <p:cNvPr id="132" name="TextShape 36"/>
+          <p:cNvSpPr txBox="1"/>
+          <p:nvPr/>
+        </p:nvSpPr>
+        <p:spPr>
+          <a:xfrm>
+            <a:off x="6048000" y="2232000"/>
+            <a:ext cx="1152000" cy="346320"/>
+          </a:xfrm>
+          <a:prstGeom prst="rect">
+            <a:avLst/>
+          </a:prstGeom>
+          <a:noFill/>
+          <a:ln>
+            <a:noFill/>
+          </a:ln>
+        </p:spPr>
+        <p:txBody>
+          <a:bodyPr lIns="90000" tIns="45000" rIns="90000" bIns="45000">
+            <a:noAutofit/>
+          </a:bodyPr>
+          <a:lstStyle/>
+          <a:p>
+            <a:endParaRPr lang="fr-FR" sz="1800" b="1" strike="noStrike" spc="-1" dirty="0">
+              <a:solidFill>
+                <a:srgbClr val="FF8000"/>
+              </a:solidFill>
+              <a:latin typeface="Arial"/>
+            </a:endParaRPr>
+          </a:p>
+        </p:txBody>
+      </p:sp>
+      <p:sp>
+        <p:nvSpPr>
+          <p:cNvPr id="133" name="TextShape 37"/>
+          <p:cNvSpPr txBox="1"/>
+          <p:nvPr/>
+        </p:nvSpPr>
+        <p:spPr>
+          <a:xfrm>
+            <a:off x="6696000" y="3196502"/>
+            <a:ext cx="792000" cy="346320"/>
+          </a:xfrm>
+          <a:prstGeom prst="rect">
+            <a:avLst/>
+          </a:prstGeom>
+          <a:noFill/>
+          <a:ln>
+            <a:noFill/>
+          </a:ln>
+        </p:spPr>
+        <p:txBody>
+          <a:bodyPr lIns="90000" tIns="45000" rIns="90000" bIns="45000">
+            <a:noAutofit/>
+          </a:bodyPr>
+          <a:lstStyle/>
+          <a:p>
+            <a:r>
+              <a:rPr lang="fr-FR" sz="2000" spc="-1" dirty="0">
+                <a:solidFill>
+                  <a:schemeClr val="accent5"/>
+                </a:solidFill>
+                <a:latin typeface="Bahnschrift SemiBold SemiConden"/>
+              </a:rPr>
+              <a:t>LAN</a:t>
+            </a:r>
+          </a:p>
+        </p:txBody>
+      </p:sp>
+      <p:sp>
+        <p:nvSpPr>
+          <p:cNvPr id="134" name="TextShape 38"/>
+          <p:cNvSpPr txBox="1"/>
+          <p:nvPr/>
+        </p:nvSpPr>
+        <p:spPr>
+          <a:xfrm>
+            <a:off x="6696000" y="6280844"/>
+            <a:ext cx="792000" cy="346320"/>
+          </a:xfrm>
+          <a:prstGeom prst="rect">
+            <a:avLst/>
+          </a:prstGeom>
+          <a:noFill/>
+          <a:ln>
+            <a:noFill/>
+          </a:ln>
+        </p:spPr>
+        <p:txBody>
+          <a:bodyPr lIns="90000" tIns="45000" rIns="90000" bIns="45000">
+            <a:noAutofit/>
+          </a:bodyPr>
+          <a:lstStyle>
+            <a:defPPr>
+              <a:defRPr lang="fr-FR"/>
+            </a:defPPr>
+            <a:lvl1pPr>
+              <a:defRPr sz="2000" spc="-1">
+                <a:solidFill>
+                  <a:schemeClr val="accent5"/>
+                </a:solidFill>
+                <a:latin typeface="Bahnschrift SemiBold SemiConden"/>
+              </a:defRPr>
+            </a:lvl1pPr>
+          </a:lstStyle>
+          <a:p>
+            <a:r>
+              <a:rPr lang="fr-FR" dirty="0" smtClean="0"/>
+              <a:t>LAN</a:t>
+            </a:r>
+            <a:endParaRPr lang="fr-FR" dirty="0"/>
+          </a:p>
+        </p:txBody>
+      </p:sp>
+      <p:sp>
+        <p:nvSpPr>
+          <p:cNvPr id="53" name="CustomShape 34"/>
           <p:cNvSpPr/>
           <p:nvPr/>
         </p:nvSpPr>
         <p:spPr>
           <a:xfrm>
-            <a:off x="3528000" y="936000"/>
+            <a:off x="3528000" y="935022"/>
             <a:ext cx="3816000" cy="1656000"/>
           </a:xfrm>
           <a:custGeom>
             <a:avLst/>
             <a:gdLst/>
             <a:ahLst/>
+            <a:cxnLst/>
             <a:rect l="0" t="0" r="r" b="b"/>
             <a:pathLst>
               <a:path w="10602" h="4602">
@@ -4853,181 +5545,61 @@
               </a:path>
             </a:pathLst>
           </a:custGeom>
-          <a:noFill/>
+          <a:solidFill>
+            <a:srgbClr val="FFFFFF">
+              <a:alpha val="43137"/>
+            </a:srgbClr>
+          </a:solidFill>
           <a:ln w="72000">
-            <a:solidFill>
-              <a:srgbClr val="ff8000"/>
-            </a:solidFill>
+            <a:noFill/>
             <a:round/>
           </a:ln>
         </p:spPr>
         <p:style>
-          <a:lnRef idx="0"/>
-          <a:fillRef idx="0"/>
-          <a:effectRef idx="0"/>
+          <a:lnRef idx="0">
+            <a:scrgbClr r="0" g="0" b="0"/>
+          </a:lnRef>
+          <a:fillRef idx="0">
+            <a:scrgbClr r="0" g="0" b="0"/>
+          </a:fillRef>
+          <a:effectRef idx="0">
+            <a:scrgbClr r="0" g="0" b="0"/>
+          </a:effectRef>
           <a:fontRef idx="minor"/>
         </p:style>
-      </p:sp>
-      <p:sp>
-        <p:nvSpPr>
-          <p:cNvPr id="130" name="CustomShape 35"/>
+        <p:txBody>
+          <a:bodyPr anchor="b"/>
+          <a:lstStyle/>
+          <a:p>
+            <a:pPr algn="r"/>
+            <a:r>
+              <a:rPr lang="fr-FR" sz="2000" spc="-1" dirty="0" smtClean="0">
+                <a:solidFill>
+                  <a:schemeClr val="accent5"/>
+                </a:solidFill>
+                <a:latin typeface="Bahnschrift SemiBold SemiConden"/>
+              </a:rPr>
+              <a:t>SUBNET</a:t>
+            </a:r>
+            <a:endParaRPr lang="fr-FR" sz="2000" spc="-1" dirty="0">
+              <a:solidFill>
+                <a:schemeClr val="accent5"/>
+              </a:solidFill>
+              <a:latin typeface="Bahnschrift SemiBold SemiConden"/>
+            </a:endParaRPr>
+          </a:p>
+        </p:txBody>
+      </p:sp>
+      <p:sp>
+        <p:nvSpPr>
+          <p:cNvPr id="106" name="CustomShape 16"/>
           <p:cNvSpPr/>
           <p:nvPr/>
         </p:nvSpPr>
         <p:spPr>
           <a:xfrm>
-            <a:off x="2196000" y="3888000"/>
-            <a:ext cx="5256000" cy="2808000"/>
-          </a:xfrm>
-          <a:custGeom>
-            <a:avLst/>
-            <a:gdLst/>
-            <a:ahLst/>
-            <a:rect l="0" t="0" r="r" b="b"/>
-            <a:pathLst>
-              <a:path w="14602" h="7802">
-                <a:moveTo>
-                  <a:pt x="1300" y="0"/>
-                </a:moveTo>
-                <a:lnTo>
-                  <a:pt x="1300" y="0"/>
-                </a:lnTo>
-                <a:cubicBezTo>
-                  <a:pt x="1072" y="0"/>
-                  <a:pt x="848" y="60"/>
-                  <a:pt x="650" y="174"/>
-                </a:cubicBezTo>
-                <a:cubicBezTo>
-                  <a:pt x="452" y="288"/>
-                  <a:pt x="288" y="452"/>
-                  <a:pt x="174" y="650"/>
-                </a:cubicBezTo>
-                <a:cubicBezTo>
-                  <a:pt x="60" y="848"/>
-                  <a:pt x="0" y="1072"/>
-                  <a:pt x="0" y="1300"/>
-                </a:cubicBezTo>
-                <a:lnTo>
-                  <a:pt x="0" y="6500"/>
-                </a:lnTo>
-                <a:lnTo>
-                  <a:pt x="0" y="6501"/>
-                </a:lnTo>
-                <a:cubicBezTo>
-                  <a:pt x="0" y="6729"/>
-                  <a:pt x="60" y="6953"/>
-                  <a:pt x="174" y="7151"/>
-                </a:cubicBezTo>
-                <a:cubicBezTo>
-                  <a:pt x="288" y="7349"/>
-                  <a:pt x="452" y="7513"/>
-                  <a:pt x="650" y="7627"/>
-                </a:cubicBezTo>
-                <a:cubicBezTo>
-                  <a:pt x="848" y="7741"/>
-                  <a:pt x="1072" y="7801"/>
-                  <a:pt x="1300" y="7801"/>
-                </a:cubicBezTo>
-                <a:lnTo>
-                  <a:pt x="13300" y="7801"/>
-                </a:lnTo>
-                <a:lnTo>
-                  <a:pt x="13301" y="7801"/>
-                </a:lnTo>
-                <a:cubicBezTo>
-                  <a:pt x="13529" y="7801"/>
-                  <a:pt x="13753" y="7741"/>
-                  <a:pt x="13951" y="7627"/>
-                </a:cubicBezTo>
-                <a:cubicBezTo>
-                  <a:pt x="14149" y="7513"/>
-                  <a:pt x="14313" y="7349"/>
-                  <a:pt x="14427" y="7151"/>
-                </a:cubicBezTo>
-                <a:cubicBezTo>
-                  <a:pt x="14541" y="6953"/>
-                  <a:pt x="14601" y="6729"/>
-                  <a:pt x="14601" y="6501"/>
-                </a:cubicBezTo>
-                <a:lnTo>
-                  <a:pt x="14601" y="1300"/>
-                </a:lnTo>
-                <a:lnTo>
-                  <a:pt x="14601" y="1300"/>
-                </a:lnTo>
-                <a:lnTo>
-                  <a:pt x="14601" y="1300"/>
-                </a:lnTo>
-                <a:cubicBezTo>
-                  <a:pt x="14601" y="1072"/>
-                  <a:pt x="14541" y="848"/>
-                  <a:pt x="14427" y="650"/>
-                </a:cubicBezTo>
-                <a:cubicBezTo>
-                  <a:pt x="14313" y="452"/>
-                  <a:pt x="14149" y="288"/>
-                  <a:pt x="13951" y="174"/>
-                </a:cubicBezTo>
-                <a:cubicBezTo>
-                  <a:pt x="13753" y="60"/>
-                  <a:pt x="13529" y="0"/>
-                  <a:pt x="13301" y="0"/>
-                </a:cubicBezTo>
-                <a:lnTo>
-                  <a:pt x="1300" y="0"/>
-                </a:lnTo>
-              </a:path>
-            </a:pathLst>
-          </a:custGeom>
-          <a:noFill/>
-          <a:ln w="72000">
-            <a:solidFill>
-              <a:srgbClr val="3465a4"/>
-            </a:solidFill>
-            <a:round/>
-          </a:ln>
-        </p:spPr>
-        <p:style>
-          <a:lnRef idx="0"/>
-          <a:fillRef idx="0"/>
-          <a:effectRef idx="0"/>
-          <a:fontRef idx="minor"/>
-        </p:style>
-      </p:sp>
-      <p:pic>
-        <p:nvPicPr>
-          <p:cNvPr id="131" name="Picture 85" descr=""/>
-          <p:cNvPicPr/>
-          <p:nvPr/>
-        </p:nvPicPr>
-        <p:blipFill>
-          <a:blip r:embed="rId14"/>
-          <a:srcRect l="23558" t="36827" r="23717" b="36619"/>
-          <a:stretch/>
-        </p:blipFill>
-        <p:spPr>
-          <a:xfrm>
-            <a:off x="2333880" y="5986440"/>
-            <a:ext cx="1906920" cy="504000"/>
-          </a:xfrm>
-          <a:prstGeom prst="rect">
-            <a:avLst/>
-          </a:prstGeom>
-          <a:ln>
-            <a:noFill/>
-          </a:ln>
-        </p:spPr>
-      </p:pic>
-      <p:sp>
-        <p:nvSpPr>
-          <p:cNvPr id="132" name="TextShape 36"/>
-          <p:cNvSpPr txBox="1"/>
-          <p:nvPr/>
-        </p:nvSpPr>
-        <p:spPr>
-          <a:xfrm>
-            <a:off x="6048000" y="2232000"/>
-            <a:ext cx="1152000" cy="346320"/>
+            <a:off x="4232340" y="2041200"/>
+            <a:ext cx="846360" cy="227520"/>
           </a:xfrm>
           <a:prstGeom prst="rect">
             <a:avLst/>
@@ -5037,120 +5609,54 @@
             <a:noFill/>
           </a:ln>
         </p:spPr>
+        <p:style>
+          <a:lnRef idx="0">
+            <a:scrgbClr r="0" g="0" b="0"/>
+          </a:lnRef>
+          <a:fillRef idx="0">
+            <a:scrgbClr r="0" g="0" b="0"/>
+          </a:fillRef>
+          <a:effectRef idx="0">
+            <a:scrgbClr r="0" g="0" b="0"/>
+          </a:effectRef>
+          <a:fontRef idx="minor"/>
+        </p:style>
         <p:txBody>
-          <a:bodyPr lIns="90000" rIns="90000" tIns="45000" bIns="45000">
-            <a:noAutofit/>
+          <a:bodyPr lIns="90000" tIns="45000" rIns="90000" bIns="45000">
+            <a:spAutoFit/>
           </a:bodyPr>
+          <a:lstStyle/>
           <a:p>
+            <a:pPr>
+              <a:lnSpc>
+                <a:spcPct val="100000"/>
+              </a:lnSpc>
+            </a:pPr>
             <a:r>
-              <a:rPr b="1" lang="fr-FR" sz="1800" spc="-1" strike="noStrike">
+              <a:rPr lang="fr-FR" sz="900" b="0" strike="noStrike" spc="-1" dirty="0">
                 <a:solidFill>
-                  <a:srgbClr val="ff8000"/>
+                  <a:srgbClr val="000000"/>
                 </a:solidFill>
-                <a:latin typeface="Arial"/>
+                <a:latin typeface="Calibri"/>
               </a:rPr>
-              <a:t>SUBNET</a:t>
+              <a:t>10.80.1.XX</a:t>
             </a:r>
-            <a:endParaRPr b="1" lang="fr-FR" sz="1800" spc="-1" strike="noStrike">
-              <a:solidFill>
-                <a:srgbClr val="ff8000"/>
-              </a:solidFill>
+            <a:endParaRPr lang="fr-FR" sz="900" b="0" strike="noStrike" spc="-1" dirty="0">
               <a:latin typeface="Arial"/>
             </a:endParaRPr>
           </a:p>
         </p:txBody>
       </p:sp>
-      <p:sp>
-        <p:nvSpPr>
-          <p:cNvPr id="133" name="TextShape 37"/>
-          <p:cNvSpPr txBox="1"/>
-          <p:nvPr/>
-        </p:nvSpPr>
-        <p:spPr>
-          <a:xfrm>
-            <a:off x="6238080" y="3152880"/>
-            <a:ext cx="792000" cy="346320"/>
-          </a:xfrm>
-          <a:prstGeom prst="rect">
-            <a:avLst/>
-          </a:prstGeom>
-          <a:noFill/>
-          <a:ln>
-            <a:noFill/>
-          </a:ln>
-        </p:spPr>
-        <p:txBody>
-          <a:bodyPr lIns="90000" rIns="90000" tIns="45000" bIns="45000">
-            <a:noAutofit/>
-          </a:bodyPr>
-          <a:p>
-            <a:r>
-              <a:rPr b="1" lang="fr-FR" sz="1800" spc="-1" strike="noStrike">
-                <a:solidFill>
-                  <a:srgbClr val="2a6099"/>
-                </a:solidFill>
-                <a:latin typeface="Arial"/>
-              </a:rPr>
-              <a:t>LAN</a:t>
-            </a:r>
-            <a:endParaRPr b="1" lang="fr-FR" sz="1800" spc="-1" strike="noStrike">
-              <a:solidFill>
-                <a:srgbClr val="2a6099"/>
-              </a:solidFill>
-              <a:latin typeface="Arial"/>
-            </a:endParaRPr>
-          </a:p>
-        </p:txBody>
-      </p:sp>
-      <p:sp>
-        <p:nvSpPr>
-          <p:cNvPr id="134" name="TextShape 38"/>
-          <p:cNvSpPr txBox="1"/>
-          <p:nvPr/>
-        </p:nvSpPr>
-        <p:spPr>
-          <a:xfrm>
-            <a:off x="6238080" y="6248880"/>
-            <a:ext cx="792000" cy="346320"/>
-          </a:xfrm>
-          <a:prstGeom prst="rect">
-            <a:avLst/>
-          </a:prstGeom>
-          <a:noFill/>
-          <a:ln>
-            <a:noFill/>
-          </a:ln>
-        </p:spPr>
-        <p:txBody>
-          <a:bodyPr lIns="90000" rIns="90000" tIns="45000" bIns="45000">
-            <a:noAutofit/>
-          </a:bodyPr>
-          <a:p>
-            <a:r>
-              <a:rPr b="1" lang="fr-FR" sz="1800" spc="-1" strike="noStrike">
-                <a:solidFill>
-                  <a:srgbClr val="2a6099"/>
-                </a:solidFill>
-                <a:latin typeface="Arial"/>
-              </a:rPr>
-              <a:t>LAN</a:t>
-            </a:r>
-            <a:endParaRPr b="1" lang="fr-FR" sz="1800" spc="-1" strike="noStrike">
-              <a:solidFill>
-                <a:srgbClr val="2a6099"/>
-              </a:solidFill>
-              <a:latin typeface="Arial"/>
-            </a:endParaRPr>
-          </a:p>
-        </p:txBody>
-      </p:sp>
     </p:spTree>
   </p:cSld>
-  <mc:AlternateContent>
+  <p:clrMapOvr>
+    <a:masterClrMapping/>
+  </p:clrMapOvr>
+  <mc:AlternateContent xmlns:mc="http://schemas.openxmlformats.org/markup-compatibility/2006" xmlns:p14="http://schemas.microsoft.com/office/powerpoint/2010/main">
     <mc:Choice Requires="p14">
       <p:transition spd="slow" p14:dur="2000"/>
     </mc:Choice>
-    <mc:Fallback>
+    <mc:Fallback xmlns:p15="http://schemas.microsoft.com/office/powerpoint/2012/main" xmlns="">
       <p:transition spd="slow"/>
     </mc:Fallback>
   </mc:AlternateContent>
@@ -5158,7 +5664,7 @@
 </file>
 
 <file path=ppt/slides/slide3.xml><?xml version="1.0" encoding="utf-8"?>
-<p:sld xmlns:a="http://schemas.openxmlformats.org/drawingml/2006/main" xmlns:p="http://schemas.openxmlformats.org/presentationml/2006/main" xmlns:r="http://schemas.openxmlformats.org/officeDocument/2006/relationships" xmlns:p14="http://schemas.microsoft.com/office/powerpoint/2010/main" xmlns:p15="http://schemas.microsoft.com/office/powerpoint/2012/main" xmlns:mc="http://schemas.openxmlformats.org/markup-compatibility/2006">
+<p:sld xmlns:a="http://schemas.openxmlformats.org/drawingml/2006/main" xmlns:r="http://schemas.openxmlformats.org/officeDocument/2006/relationships" xmlns:p="http://schemas.openxmlformats.org/presentationml/2006/main">
   <p:cSld>
     <p:spTree>
       <p:nvGrpSpPr>
@@ -5190,12 +5696,12 @@
         </p:grpSpPr>
         <p:pic>
           <p:nvPicPr>
-            <p:cNvPr id="136" name="Picture 7" descr=""/>
+            <p:cNvPr id="136" name="Picture 7"/>
             <p:cNvPicPr/>
             <p:nvPr/>
           </p:nvPicPr>
           <p:blipFill>
-            <a:blip r:embed="rId1"/>
+            <a:blip r:embed="rId2"/>
             <a:stretch/>
           </p:blipFill>
           <p:spPr>
@@ -5213,12 +5719,12 @@
         </p:pic>
         <p:pic>
           <p:nvPicPr>
-            <p:cNvPr id="137" name="Picture 9" descr=""/>
+            <p:cNvPr id="137" name="Picture 9"/>
             <p:cNvPicPr/>
             <p:nvPr/>
           </p:nvPicPr>
           <p:blipFill>
-            <a:blip r:embed="rId2">
+            <a:blip r:embed="rId3">
               <a:lum bright="70000" contrast="-70000"/>
             </a:blip>
             <a:stretch/>
@@ -5244,7 +5750,7 @@
           <p:nvPr/>
         </p:nvSpPr>
         <p:spPr>
-          <a:xfrm flipH="1" flipV="1" rot="5400000">
+          <a:xfrm rot="5400000" flipH="1" flipV="1">
             <a:off x="10419480" y="4159440"/>
             <a:ext cx="659880" cy="426240"/>
           </a:xfrm>
@@ -5317,12 +5823,12 @@
       </p:sp>
       <p:pic>
         <p:nvPicPr>
-          <p:cNvPr id="140" name="Picture 4" descr=""/>
+          <p:cNvPr id="140" name="Picture 4"/>
           <p:cNvPicPr/>
           <p:nvPr/>
         </p:nvPicPr>
         <p:blipFill>
-          <a:blip r:embed="rId3"/>
+          <a:blip r:embed="rId4"/>
           <a:srcRect l="23558" t="36827" r="23717" b="36619"/>
           <a:stretch/>
         </p:blipFill>
@@ -5341,12 +5847,12 @@
       </p:pic>
       <p:pic>
         <p:nvPicPr>
-          <p:cNvPr id="141" name="Picture 8" descr=""/>
+          <p:cNvPr id="141" name="Picture 8"/>
           <p:cNvPicPr/>
           <p:nvPr/>
         </p:nvPicPr>
         <p:blipFill>
-          <a:blip r:embed="rId4"/>
+          <a:blip r:embed="rId5"/>
           <a:stretch/>
         </p:blipFill>
         <p:spPr>
@@ -5421,7 +5927,7 @@
           </a:prstGeom>
           <a:ln w="57240">
             <a:solidFill>
-              <a:srgbClr val="ff0000"/>
+              <a:srgbClr val="FF0000"/>
             </a:solidFill>
           </a:ln>
         </p:spPr>
@@ -5440,63 +5946,7 @@
       </p:sp>
       <p:pic>
         <p:nvPicPr>
-          <p:cNvPr id="144" name="Picture 5" descr=""/>
-          <p:cNvPicPr/>
-          <p:nvPr/>
-        </p:nvPicPr>
-        <p:blipFill>
-          <a:blip r:embed="rId5"/>
-          <a:stretch/>
-        </p:blipFill>
-        <p:spPr>
-          <a:xfrm>
-            <a:off x="2528280" y="2645640"/>
-            <a:ext cx="1253520" cy="1253520"/>
-          </a:xfrm>
-          <a:prstGeom prst="rect">
-            <a:avLst/>
-          </a:prstGeom>
-          <a:ln>
-            <a:noFill/>
-          </a:ln>
-        </p:spPr>
-      </p:pic>
-      <p:sp>
-        <p:nvSpPr>
-          <p:cNvPr id="145" name="Line 6"/>
-          <p:cNvSpPr/>
-          <p:nvPr/>
-        </p:nvSpPr>
-        <p:spPr>
-          <a:xfrm>
-            <a:off x="8955000" y="4768200"/>
-            <a:ext cx="497880" cy="0"/>
-          </a:xfrm>
-          <a:prstGeom prst="line">
-            <a:avLst/>
-          </a:prstGeom>
-          <a:ln w="57240">
-            <a:solidFill>
-              <a:srgbClr val="ff0000"/>
-            </a:solidFill>
-          </a:ln>
-        </p:spPr>
-        <p:style>
-          <a:lnRef idx="1">
-            <a:schemeClr val="accent1"/>
-          </a:lnRef>
-          <a:fillRef idx="0">
-            <a:schemeClr val="accent1"/>
-          </a:fillRef>
-          <a:effectRef idx="0">
-            <a:schemeClr val="accent1"/>
-          </a:effectRef>
-          <a:fontRef idx="minor"/>
-        </p:style>
-      </p:sp>
-      <p:pic>
-        <p:nvPicPr>
-          <p:cNvPr id="146" name="Picture 6" descr=""/>
+          <p:cNvPr id="144" name="Picture 5"/>
           <p:cNvPicPr/>
           <p:nvPr/>
         </p:nvPicPr>
@@ -5506,6 +5956,62 @@
         </p:blipFill>
         <p:spPr>
           <a:xfrm>
+            <a:off x="2528280" y="2645640"/>
+            <a:ext cx="1253520" cy="1253520"/>
+          </a:xfrm>
+          <a:prstGeom prst="rect">
+            <a:avLst/>
+          </a:prstGeom>
+          <a:ln>
+            <a:noFill/>
+          </a:ln>
+        </p:spPr>
+      </p:pic>
+      <p:sp>
+        <p:nvSpPr>
+          <p:cNvPr id="145" name="Line 6"/>
+          <p:cNvSpPr/>
+          <p:nvPr/>
+        </p:nvSpPr>
+        <p:spPr>
+          <a:xfrm>
+            <a:off x="8955000" y="4768200"/>
+            <a:ext cx="497880" cy="0"/>
+          </a:xfrm>
+          <a:prstGeom prst="line">
+            <a:avLst/>
+          </a:prstGeom>
+          <a:ln w="57240">
+            <a:solidFill>
+              <a:srgbClr val="FF0000"/>
+            </a:solidFill>
+          </a:ln>
+        </p:spPr>
+        <p:style>
+          <a:lnRef idx="1">
+            <a:schemeClr val="accent1"/>
+          </a:lnRef>
+          <a:fillRef idx="0">
+            <a:schemeClr val="accent1"/>
+          </a:fillRef>
+          <a:effectRef idx="0">
+            <a:schemeClr val="accent1"/>
+          </a:effectRef>
+          <a:fontRef idx="minor"/>
+        </p:style>
+      </p:sp>
+      <p:pic>
+        <p:nvPicPr>
+          <p:cNvPr id="146" name="Picture 6"/>
+          <p:cNvPicPr/>
+          <p:nvPr/>
+        </p:nvPicPr>
+        <p:blipFill>
+          <a:blip r:embed="rId7"/>
+          <a:stretch/>
+        </p:blipFill>
+        <p:spPr>
+          <a:xfrm>
             <a:off x="9356040" y="3764880"/>
             <a:ext cx="1253520" cy="1253520"/>
           </a:xfrm>
@@ -5533,7 +6039,7 @@
           </a:prstGeom>
           <a:ln w="57240">
             <a:solidFill>
-              <a:srgbClr val="ff0000"/>
+              <a:srgbClr val="FF0000"/>
             </a:solidFill>
           </a:ln>
         </p:spPr>
@@ -5741,7 +6247,7 @@
           </a:prstGeom>
           <a:ln w="57240">
             <a:solidFill>
-              <a:srgbClr val="ff0000"/>
+              <a:srgbClr val="FF0000"/>
             </a:solidFill>
           </a:ln>
         </p:spPr>
@@ -5760,30 +6266,7 @@
       </p:sp>
       <p:pic>
         <p:nvPicPr>
-          <p:cNvPr id="154" name="Picture 43" descr=""/>
-          <p:cNvPicPr/>
-          <p:nvPr/>
-        </p:nvPicPr>
-        <p:blipFill>
-          <a:blip r:embed="rId7"/>
-          <a:stretch/>
-        </p:blipFill>
-        <p:spPr>
-          <a:xfrm flipH="1">
-            <a:off x="3903480" y="3078720"/>
-            <a:ext cx="924120" cy="924120"/>
-          </a:xfrm>
-          <a:prstGeom prst="rect">
-            <a:avLst/>
-          </a:prstGeom>
-          <a:ln>
-            <a:noFill/>
-          </a:ln>
-        </p:spPr>
-      </p:pic>
-      <p:pic>
-        <p:nvPicPr>
-          <p:cNvPr id="155" name="Picture 44" descr=""/>
+          <p:cNvPr id="154" name="Picture 43"/>
           <p:cNvPicPr/>
           <p:nvPr/>
         </p:nvPicPr>
@@ -5792,8 +6275,8 @@
           <a:stretch/>
         </p:blipFill>
         <p:spPr>
-          <a:xfrm>
-            <a:off x="4924080" y="4241880"/>
+          <a:xfrm flipH="1">
+            <a:off x="3903480" y="3078720"/>
             <a:ext cx="924120" cy="924120"/>
           </a:xfrm>
           <a:prstGeom prst="rect">
@@ -5806,17 +6289,40 @@
       </p:pic>
       <p:pic>
         <p:nvPicPr>
-          <p:cNvPr id="156" name="Picture 49" descr=""/>
+          <p:cNvPr id="155" name="Picture 44"/>
           <p:cNvPicPr/>
           <p:nvPr/>
         </p:nvPicPr>
         <p:blipFill>
-          <a:blip r:embed="rId9"/>
-          <a:srcRect l="0" t="0" r="17754" b="0"/>
+          <a:blip r:embed="rId8"/>
           <a:stretch/>
         </p:blipFill>
         <p:spPr>
           <a:xfrm>
+            <a:off x="4924080" y="4241880"/>
+            <a:ext cx="924120" cy="924120"/>
+          </a:xfrm>
+          <a:prstGeom prst="rect">
+            <a:avLst/>
+          </a:prstGeom>
+          <a:ln>
+            <a:noFill/>
+          </a:ln>
+        </p:spPr>
+      </p:pic>
+      <p:pic>
+        <p:nvPicPr>
+          <p:cNvPr id="156" name="Picture 49"/>
+          <p:cNvPicPr/>
+          <p:nvPr/>
+        </p:nvPicPr>
+        <p:blipFill>
+          <a:blip r:embed="rId8"/>
+          <a:srcRect r="17754"/>
+          <a:stretch/>
+        </p:blipFill>
+        <p:spPr>
+          <a:xfrm>
             <a:off x="8414280" y="4305960"/>
             <a:ext cx="759960" cy="924120"/>
           </a:xfrm>
@@ -5844,7 +6350,7 @@
           </a:prstGeom>
           <a:ln w="57240">
             <a:solidFill>
-              <a:srgbClr val="ff0000"/>
+              <a:srgbClr val="FF0000"/>
             </a:solidFill>
           </a:ln>
         </p:spPr>
@@ -5863,12 +6369,12 @@
       </p:sp>
       <p:pic>
         <p:nvPicPr>
-          <p:cNvPr id="158" name="Picture 47" descr=""/>
+          <p:cNvPr id="158" name="Picture 47"/>
           <p:cNvPicPr/>
           <p:nvPr/>
         </p:nvPicPr>
         <p:blipFill>
-          <a:blip r:embed="rId10"/>
+          <a:blip r:embed="rId8"/>
           <a:stretch/>
         </p:blipFill>
         <p:spPr>
@@ -5886,12 +6392,12 @@
       </p:pic>
       <p:pic>
         <p:nvPicPr>
-          <p:cNvPr id="159" name="Picture 48" descr=""/>
+          <p:cNvPr id="159" name="Picture 48"/>
           <p:cNvPicPr/>
           <p:nvPr/>
         </p:nvPicPr>
         <p:blipFill>
-          <a:blip r:embed="rId11"/>
+          <a:blip r:embed="rId8"/>
           <a:stretch/>
         </p:blipFill>
         <p:spPr>
@@ -5959,7 +6465,7 @@
             </a:avLst>
           </a:prstGeom>
           <a:blipFill rotWithShape="0">
-            <a:blip r:embed="rId12"/>
+            <a:blip r:embed="rId9"/>
             <a:stretch>
               <a:fillRect/>
             </a:stretch>
@@ -5968,13 +6474,19 @@
             <a:noFill/>
           </a:ln>
           <a:effectLst>
-            <a:reflection algn="bl" blurRad="12700" dir="5400000" dist="5000" endPos="28000" rotWithShape="0" stA="38000" sy="-100000"/>
+            <a:reflection blurRad="12700" stA="38000" endPos="28000" dist="5000" dir="5400000" sy="-100000" algn="bl" rotWithShape="0"/>
           </a:effectLst>
         </p:spPr>
         <p:style>
-          <a:lnRef idx="0"/>
-          <a:fillRef idx="0"/>
-          <a:effectRef idx="0"/>
+          <a:lnRef idx="0">
+            <a:scrgbClr r="0" g="0" b="0"/>
+          </a:lnRef>
+          <a:fillRef idx="0">
+            <a:scrgbClr r="0" g="0" b="0"/>
+          </a:fillRef>
+          <a:effectRef idx="0">
+            <a:scrgbClr r="0" g="0" b="0"/>
+          </a:effectRef>
           <a:fontRef idx="minor"/>
         </p:style>
       </p:sp>
@@ -5998,15 +6510,22 @@
           </a:ln>
         </p:spPr>
         <p:style>
-          <a:lnRef idx="0"/>
-          <a:fillRef idx="0"/>
-          <a:effectRef idx="0"/>
+          <a:lnRef idx="0">
+            <a:scrgbClr r="0" g="0" b="0"/>
+          </a:lnRef>
+          <a:fillRef idx="0">
+            <a:scrgbClr r="0" g="0" b="0"/>
+          </a:fillRef>
+          <a:effectRef idx="0">
+            <a:scrgbClr r="0" g="0" b="0"/>
+          </a:effectRef>
           <a:fontRef idx="minor"/>
         </p:style>
         <p:txBody>
-          <a:bodyPr lIns="90000" rIns="90000" tIns="45000" bIns="45000">
+          <a:bodyPr lIns="90000" tIns="45000" rIns="90000" bIns="45000">
             <a:spAutoFit/>
           </a:bodyPr>
+          <a:lstStyle/>
           <a:p>
             <a:pPr>
               <a:lnSpc>
@@ -6014,15 +6533,15 @@
               </a:lnSpc>
             </a:pPr>
             <a:r>
-              <a:rPr b="0" lang="fr-FR" sz="2000" spc="-1" strike="noStrike">
+              <a:rPr lang="fr-FR" sz="2000" b="0" strike="noStrike" spc="-1">
                 <a:solidFill>
-                  <a:srgbClr val="2e75b6"/>
+                  <a:srgbClr val="2E75B6"/>
                 </a:solidFill>
                 <a:latin typeface="Bahnschrift SemiBold SemiConden"/>
               </a:rPr>
               <a:t>Internet network</a:t>
             </a:r>
-            <a:endParaRPr b="0" lang="fr-FR" sz="2000" spc="-1" strike="noStrike">
+            <a:endParaRPr lang="fr-FR" sz="2000" b="0" strike="noStrike" spc="-1">
               <a:latin typeface="Arial"/>
             </a:endParaRPr>
           </a:p>
@@ -6032,7 +6551,7 @@
                 <a:spcPct val="100000"/>
               </a:lnSpc>
             </a:pPr>
-            <a:endParaRPr b="0" lang="fr-FR" sz="2000" spc="-1" strike="noStrike">
+            <a:endParaRPr lang="fr-FR" sz="2000" b="0" strike="noStrike" spc="-1">
               <a:latin typeface="Arial"/>
             </a:endParaRPr>
           </a:p>
@@ -6054,7 +6573,7 @@
           </a:prstGeom>
           <a:ln w="57240">
             <a:solidFill>
-              <a:srgbClr val="ff0000"/>
+              <a:srgbClr val="FF0000"/>
             </a:solidFill>
           </a:ln>
         </p:spPr>
@@ -6087,7 +6606,7 @@
           </a:prstGeom>
           <a:ln w="57240">
             <a:solidFill>
-              <a:srgbClr val="ff0000"/>
+              <a:srgbClr val="FF0000"/>
             </a:solidFill>
           </a:ln>
         </p:spPr>
@@ -6120,7 +6639,7 @@
           </a:prstGeom>
           <a:ln w="57240">
             <a:solidFill>
-              <a:srgbClr val="ff0000"/>
+              <a:srgbClr val="FF0000"/>
             </a:solidFill>
           </a:ln>
         </p:spPr>
@@ -6153,12 +6672,12 @@
         </p:grpSpPr>
         <p:pic>
           <p:nvPicPr>
-            <p:cNvPr id="167" name="Picture 89" descr=""/>
+            <p:cNvPr id="167" name="Picture 89"/>
             <p:cNvPicPr/>
             <p:nvPr/>
           </p:nvPicPr>
           <p:blipFill>
-            <a:blip r:embed="rId13"/>
+            <a:blip r:embed="rId2"/>
             <a:stretch/>
           </p:blipFill>
           <p:spPr>
@@ -6176,12 +6695,12 @@
         </p:pic>
         <p:pic>
           <p:nvPicPr>
-            <p:cNvPr id="168" name="Picture 90" descr=""/>
+            <p:cNvPr id="168" name="Picture 90"/>
             <p:cNvPicPr/>
             <p:nvPr/>
           </p:nvPicPr>
           <p:blipFill>
-            <a:blip r:embed="rId14">
+            <a:blip r:embed="rId3">
               <a:lum bright="70000" contrast="-70000"/>
             </a:blip>
             <a:stretch/>
@@ -6202,12 +6721,12 @@
       </p:grpSp>
       <p:pic>
         <p:nvPicPr>
-          <p:cNvPr id="169" name="Picture 45" descr=""/>
+          <p:cNvPr id="169" name="Picture 45"/>
           <p:cNvPicPr/>
           <p:nvPr/>
         </p:nvPicPr>
         <p:blipFill>
-          <a:blip r:embed="rId15"/>
+          <a:blip r:embed="rId8"/>
           <a:stretch/>
         </p:blipFill>
         <p:spPr>
@@ -6225,12 +6744,12 @@
       </p:pic>
       <p:pic>
         <p:nvPicPr>
-          <p:cNvPr id="170" name="Picture 82" descr=""/>
+          <p:cNvPr id="170" name="Picture 82"/>
           <p:cNvPicPr/>
           <p:nvPr/>
         </p:nvPicPr>
         <p:blipFill>
-          <a:blip r:embed="rId16"/>
+          <a:blip r:embed="rId8"/>
           <a:stretch/>
         </p:blipFill>
         <p:spPr>
@@ -6248,11 +6767,14 @@
       </p:pic>
     </p:spTree>
   </p:cSld>
-  <mc:AlternateContent>
+  <p:clrMapOvr>
+    <a:masterClrMapping/>
+  </p:clrMapOvr>
+  <mc:AlternateContent xmlns:mc="http://schemas.openxmlformats.org/markup-compatibility/2006" xmlns:p14="http://schemas.microsoft.com/office/powerpoint/2010/main">
     <mc:Choice Requires="p14">
       <p:transition spd="slow" p14:dur="2000"/>
     </mc:Choice>
-    <mc:Fallback>
+    <mc:Fallback xmlns:p15="http://schemas.microsoft.com/office/powerpoint/2012/main" xmlns="">
       <p:transition spd="slow"/>
     </mc:Fallback>
   </mc:AlternateContent>
@@ -6270,34 +6792,34 @@
         <a:sysClr val="window" lastClr="FFFFFF"/>
       </a:lt1>
       <a:dk2>
-        <a:srgbClr val="44546a"/>
+        <a:srgbClr val="44546A"/>
       </a:dk2>
       <a:lt2>
-        <a:srgbClr val="e7e6e6"/>
+        <a:srgbClr val="E7E6E6"/>
       </a:lt2>
       <a:accent1>
-        <a:srgbClr val="5b9bd5"/>
+        <a:srgbClr val="5B9BD5"/>
       </a:accent1>
       <a:accent2>
-        <a:srgbClr val="ed7d31"/>
+        <a:srgbClr val="ED7D31"/>
       </a:accent2>
       <a:accent3>
-        <a:srgbClr val="a5a5a5"/>
+        <a:srgbClr val="A5A5A5"/>
       </a:accent3>
       <a:accent4>
-        <a:srgbClr val="ffc000"/>
+        <a:srgbClr val="FFC000"/>
       </a:accent4>
       <a:accent5>
-        <a:srgbClr val="4472c4"/>
+        <a:srgbClr val="4472C4"/>
       </a:accent5>
       <a:accent6>
-        <a:srgbClr val="70ad47"/>
+        <a:srgbClr val="70AD47"/>
       </a:accent6>
       <a:hlink>
-        <a:srgbClr val="0563c1"/>
+        <a:srgbClr val="0563C1"/>
       </a:hlink>
       <a:folHlink>
-        <a:srgbClr val="954f72"/>
+        <a:srgbClr val="954F72"/>
       </a:folHlink>
     </a:clrScheme>
     <a:fontScheme name="Office">
@@ -6482,5 +7004,7 @@
       </a:bgFillStyleLst>
     </a:fmtScheme>
   </a:themeElements>
+  <a:objectDefaults/>
+  <a:extraClrSchemeLst/>
 </a:theme>
 </file>